--- a/конференция/звенигород 21/звенигород21.pptx
+++ b/конференция/звенигород 21/звенигород21.pptx
@@ -115,6 +115,11 @@
       </a:defRPr>
     </a:lvl9pPr>
   </p:defaultTextStyle>
+  <p:extLst>
+    <p:ext uri="{EFAFB233-063F-42B5-8137-9DF3F51BA10A}">
+      <p15:sldGuideLst xmlns:p15="http://schemas.microsoft.com/office/powerpoint/2012/main"/>
+    </p:ext>
+  </p:extLst>
 </p:presentation>
 </file>
 
@@ -3252,8 +3257,8 @@
           </a:p>
         </p:txBody>
       </p:sp>
-      <mc:AlternateContent xmlns:mc="http://schemas.openxmlformats.org/markup-compatibility/2006">
-        <mc:Choice xmlns:a14="http://schemas.microsoft.com/office/drawing/2010/main" Requires="a14">
+      <mc:AlternateContent xmlns:mc="http://schemas.openxmlformats.org/markup-compatibility/2006" xmlns:a14="http://schemas.microsoft.com/office/drawing/2010/main">
+        <mc:Choice Requires="a14">
           <p:sp>
             <p:nvSpPr>
               <p:cNvPr id="6" name="Прямоугольник 5"/>
@@ -3611,7 +3616,7 @@
             </p:txBody>
           </p:sp>
         </mc:Choice>
-        <mc:Fallback>
+        <mc:Fallback xmlns="">
           <p:sp>
             <p:nvSpPr>
               <p:cNvPr id="6" name="Прямоугольник 5"/>
@@ -3705,7 +3710,15 @@
             <a:pPr algn="ctr"/>
             <a:r>
               <a:rPr lang="ru-RU" b="1" i="1" dirty="0" smtClean="0"/>
-              <a:t>Теоретическая зависимость построена для энергии электронов 2.9 эВ</a:t>
+              <a:t>Теоретическая зависимость построена для энергии электронов </a:t>
+            </a:r>
+            <a:r>
+              <a:rPr lang="ru-RU" b="1" i="1" dirty="0" smtClean="0"/>
+              <a:t>2.8 </a:t>
+            </a:r>
+            <a:r>
+              <a:rPr lang="ru-RU" b="1" i="1" dirty="0" smtClean="0"/>
+              <a:t>эВ</a:t>
             </a:r>
             <a:endParaRPr lang="ru-RU" b="1" i="1" dirty="0"/>
           </a:p>
@@ -3980,11 +3993,7 @@
             </a:r>
             <a:r>
               <a:rPr lang="ru-RU" sz="2400" dirty="0" smtClean="0"/>
-              <a:t> и первой отрицательной системы иона азота </a:t>
-            </a:r>
-            <a:r>
-              <a:rPr lang="ru-RU" sz="2400" dirty="0" smtClean="0"/>
-              <a:t>N</a:t>
+              <a:t> и первой отрицательной системы иона азота N</a:t>
             </a:r>
             <a:r>
               <a:rPr lang="ru-RU" sz="2400" baseline="-25000" dirty="0" smtClean="0"/>
@@ -4002,8 +4011,8 @@
           </a:p>
         </p:txBody>
       </p:sp>
-      <mc:AlternateContent xmlns:mc="http://schemas.openxmlformats.org/markup-compatibility/2006">
-        <mc:Choice xmlns:a14="http://schemas.microsoft.com/office/drawing/2010/main" Requires="a14">
+      <mc:AlternateContent xmlns:mc="http://schemas.openxmlformats.org/markup-compatibility/2006" xmlns:a14="http://schemas.microsoft.com/office/drawing/2010/main">
+        <mc:Choice Requires="a14">
           <p:sp>
             <p:nvSpPr>
               <p:cNvPr id="17" name="Прямоугольник 16"/>
@@ -4025,6 +4034,7 @@
               </a:bodyPr>
               <a:lstStyle/>
               <a:p>
+                <a:pPr/>
                 <a14:m>
                   <m:oMathPara xmlns:m="http://schemas.openxmlformats.org/officeDocument/2006/math">
                     <m:oMathParaPr>
@@ -4034,7 +4044,7 @@
                       <m:f>
                         <m:fPr>
                           <m:ctrlPr>
-                            <a:rPr lang="ru-RU" sz="2400" smtClean="0">
+                            <a:rPr lang="ru-RU" sz="2400" i="1" smtClean="0">
                               <a:latin typeface="Cambria Math" panose="02040503050406030204" pitchFamily="18" charset="0"/>
                             </a:rPr>
                           </m:ctrlPr>
@@ -4045,7 +4055,7 @@
                               <m:begChr m:val="["/>
                               <m:endChr m:val="]"/>
                               <m:ctrlPr>
-                                <a:rPr lang="ru-RU" sz="2400">
+                                <a:rPr lang="ru-RU" sz="2400" i="1">
                                   <a:latin typeface="Cambria Math" panose="02040503050406030204" pitchFamily="18" charset="0"/>
                                 </a:rPr>
                               </m:ctrlPr>
@@ -4054,7 +4064,7 @@
                               <m:sSubSup>
                                 <m:sSubSupPr>
                                   <m:ctrlPr>
-                                    <a:rPr lang="ru-RU" sz="2400">
+                                    <a:rPr lang="ru-RU" sz="2400" i="1">
                                       <a:latin typeface="Cambria Math" panose="02040503050406030204" pitchFamily="18" charset="0"/>
                                     </a:rPr>
                                   </m:ctrlPr>
@@ -4342,7 +4352,7 @@
             </p:txBody>
           </p:sp>
         </mc:Choice>
-        <mc:Fallback>
+        <mc:Fallback xmlns="">
           <p:sp>
             <p:nvSpPr>
               <p:cNvPr id="17" name="Прямоугольник 16"/>
@@ -4551,7 +4561,15 @@
                 </a:r>
                 <a:r>
                   <a:rPr lang="ru-RU" b="1" dirty="0" smtClean="0"/>
-                  <a:t>2.0-2.9 эВ</a:t>
+                  <a:t>1</a:t>
+                </a:r>
+                <a:r>
+                  <a:rPr lang="ru-RU" b="1" dirty="0" smtClean="0"/>
+                  <a:t>.4-2.8 </a:t>
+                </a:r>
+                <a:r>
+                  <a:rPr lang="ru-RU" b="1" dirty="0" smtClean="0"/>
+                  <a:t>эВ</a:t>
                 </a:r>
                 <a:r>
                   <a:rPr lang="ru-RU" dirty="0" smtClean="0"/>
@@ -4923,7 +4941,6 @@
               <a:rPr lang="ru-RU" sz="2400" dirty="0"/>
               <a:t>Энергия электронов</a:t>
             </a:r>
-            <a:endParaRPr lang="ru-RU" sz="2400" dirty="0"/>
           </a:p>
         </p:txBody>
       </p:sp>
@@ -6199,8 +6216,8 @@
               </a:p>
             </p:txBody>
           </p:sp>
-          <mc:AlternateContent xmlns:mc="http://schemas.openxmlformats.org/markup-compatibility/2006">
-            <mc:Choice xmlns:a14="http://schemas.microsoft.com/office/drawing/2010/main" Requires="a14">
+          <mc:AlternateContent xmlns:mc="http://schemas.openxmlformats.org/markup-compatibility/2006" xmlns:a14="http://schemas.microsoft.com/office/drawing/2010/main">
+            <mc:Choice Requires="a14">
               <p:sp>
                 <p:nvSpPr>
                   <p:cNvPr id="7" name="TextBox 6"/>
@@ -6309,7 +6326,7 @@
                 </p:txBody>
               </p:sp>
             </mc:Choice>
-            <mc:Fallback>
+            <mc:Fallback xmlns="">
               <p:sp>
                 <p:nvSpPr>
                   <p:cNvPr id="7" name="TextBox 6"/>
@@ -6579,8 +6596,8 @@
               </a:fontRef>
             </p:style>
           </p:cxnSp>
-          <mc:AlternateContent xmlns:mc="http://schemas.openxmlformats.org/markup-compatibility/2006">
-            <mc:Choice xmlns:a14="http://schemas.microsoft.com/office/drawing/2010/main" Requires="a14">
+          <mc:AlternateContent xmlns:mc="http://schemas.openxmlformats.org/markup-compatibility/2006" xmlns:a14="http://schemas.microsoft.com/office/drawing/2010/main">
+            <mc:Choice Requires="a14">
               <p:sp>
                 <p:nvSpPr>
                   <p:cNvPr id="15" name="TextBox 14"/>
@@ -6624,7 +6641,7 @@
                 </p:txBody>
               </p:sp>
             </mc:Choice>
-            <mc:Fallback>
+            <mc:Fallback xmlns="">
               <p:sp>
                 <p:nvSpPr>
                   <p:cNvPr id="15" name="TextBox 14"/>
@@ -6663,8 +6680,8 @@
               </p:sp>
             </mc:Fallback>
           </mc:AlternateContent>
-          <mc:AlternateContent xmlns:mc="http://schemas.openxmlformats.org/markup-compatibility/2006">
-            <mc:Choice xmlns:a14="http://schemas.microsoft.com/office/drawing/2010/main" Requires="a14">
+          <mc:AlternateContent xmlns:mc="http://schemas.openxmlformats.org/markup-compatibility/2006" xmlns:a14="http://schemas.microsoft.com/office/drawing/2010/main">
+            <mc:Choice Requires="a14">
               <p:sp>
                 <p:nvSpPr>
                   <p:cNvPr id="16" name="TextBox 15"/>
@@ -6708,7 +6725,7 @@
                 </p:txBody>
               </p:sp>
             </mc:Choice>
-            <mc:Fallback>
+            <mc:Fallback xmlns="">
               <p:sp>
                 <p:nvSpPr>
                   <p:cNvPr id="16" name="TextBox 15"/>
@@ -6747,8 +6764,8 @@
               </p:sp>
             </mc:Fallback>
           </mc:AlternateContent>
-          <mc:AlternateContent xmlns:mc="http://schemas.openxmlformats.org/markup-compatibility/2006">
-            <mc:Choice xmlns:a14="http://schemas.microsoft.com/office/drawing/2010/main" Requires="a14">
+          <mc:AlternateContent xmlns:mc="http://schemas.openxmlformats.org/markup-compatibility/2006" xmlns:a14="http://schemas.microsoft.com/office/drawing/2010/main">
+            <mc:Choice Requires="a14">
               <p:sp>
                 <p:nvSpPr>
                   <p:cNvPr id="17" name="TextBox 16"/>
@@ -6792,7 +6809,7 @@
                 </p:txBody>
               </p:sp>
             </mc:Choice>
-            <mc:Fallback>
+            <mc:Fallback xmlns="">
               <p:sp>
                 <p:nvSpPr>
                   <p:cNvPr id="17" name="TextBox 16"/>
@@ -6831,8 +6848,8 @@
               </p:sp>
             </mc:Fallback>
           </mc:AlternateContent>
-          <mc:AlternateContent xmlns:mc="http://schemas.openxmlformats.org/markup-compatibility/2006">
-            <mc:Choice xmlns:a14="http://schemas.microsoft.com/office/drawing/2010/main" Requires="a14">
+          <mc:AlternateContent xmlns:mc="http://schemas.openxmlformats.org/markup-compatibility/2006" xmlns:a14="http://schemas.microsoft.com/office/drawing/2010/main">
+            <mc:Choice Requires="a14">
               <p:sp>
                 <p:nvSpPr>
                   <p:cNvPr id="18" name="TextBox 17"/>
@@ -6888,7 +6905,7 @@
                 </p:txBody>
               </p:sp>
             </mc:Choice>
-            <mc:Fallback>
+            <mc:Fallback xmlns="">
               <p:sp>
                 <p:nvSpPr>
                   <p:cNvPr id="18" name="TextBox 17"/>
@@ -7106,8 +7123,8 @@
           </a:p>
         </p:txBody>
       </p:sp>
-      <mc:AlternateContent xmlns:mc="http://schemas.openxmlformats.org/markup-compatibility/2006">
-        <mc:Choice xmlns:a14="http://schemas.microsoft.com/office/drawing/2010/main" Requires="a14">
+      <mc:AlternateContent xmlns:mc="http://schemas.openxmlformats.org/markup-compatibility/2006" xmlns:a14="http://schemas.microsoft.com/office/drawing/2010/main">
+        <mc:Choice Requires="a14">
           <p:sp>
             <p:nvSpPr>
               <p:cNvPr id="6" name="Прямоугольник 5"/>
@@ -7430,7 +7447,7 @@
             </p:txBody>
           </p:sp>
         </mc:Choice>
-        <mc:Fallback>
+        <mc:Fallback xmlns="">
           <p:sp>
             <p:nvSpPr>
               <p:cNvPr id="6" name="Прямоугольник 5"/>

--- a/конференция/звенигород 21/звенигород21.pptx
+++ b/конференция/звенигород 21/звенигород21.pptx
@@ -4,13 +4,16 @@
   <p:sldMasterIdLst>
     <p:sldMasterId id="2147483648" r:id="rId1"/>
   </p:sldMasterIdLst>
+  <p:notesMasterIdLst>
+    <p:notesMasterId r:id="rId14"/>
+  </p:notesMasterIdLst>
   <p:sldIdLst>
     <p:sldId id="256" r:id="rId2"/>
     <p:sldId id="257" r:id="rId3"/>
     <p:sldId id="258" r:id="rId4"/>
     <p:sldId id="259" r:id="rId5"/>
     <p:sldId id="260" r:id="rId6"/>
-    <p:sldId id="261" r:id="rId7"/>
+    <p:sldId id="268" r:id="rId7"/>
     <p:sldId id="262" r:id="rId8"/>
     <p:sldId id="263" r:id="rId9"/>
     <p:sldId id="264" r:id="rId10"/>
@@ -123,6 +126,356 @@
 </p:presentation>
 </file>
 
+<file path=ppt/notesMasters/notesMaster1.xml><?xml version="1.0" encoding="utf-8"?>
+<p:notesMaster xmlns:a="http://schemas.openxmlformats.org/drawingml/2006/main" xmlns:r="http://schemas.openxmlformats.org/officeDocument/2006/relationships" xmlns:p="http://schemas.openxmlformats.org/presentationml/2006/main">
+  <p:cSld>
+    <p:bg>
+      <p:bgRef idx="1001">
+        <a:schemeClr val="bg1"/>
+      </p:bgRef>
+    </p:bg>
+    <p:spTree>
+      <p:nvGrpSpPr>
+        <p:cNvPr id="1" name=""/>
+        <p:cNvGrpSpPr/>
+        <p:nvPr/>
+      </p:nvGrpSpPr>
+      <p:grpSpPr>
+        <a:xfrm>
+          <a:off x="0" y="0"/>
+          <a:ext cx="0" cy="0"/>
+          <a:chOff x="0" y="0"/>
+          <a:chExt cx="0" cy="0"/>
+        </a:xfrm>
+      </p:grpSpPr>
+      <p:sp>
+        <p:nvSpPr>
+          <p:cNvPr id="2" name="Верхний колонтитул 1"/>
+          <p:cNvSpPr>
+            <a:spLocks noGrp="1"/>
+          </p:cNvSpPr>
+          <p:nvPr>
+            <p:ph type="hdr" sz="quarter"/>
+          </p:nvPr>
+        </p:nvSpPr>
+        <p:spPr>
+          <a:xfrm>
+            <a:off x="0" y="0"/>
+            <a:ext cx="2971800" cy="458788"/>
+          </a:xfrm>
+          <a:prstGeom prst="rect">
+            <a:avLst/>
+          </a:prstGeom>
+        </p:spPr>
+        <p:txBody>
+          <a:bodyPr vert="horz" lIns="91440" tIns="45720" rIns="91440" bIns="45720" rtlCol="0"/>
+          <a:lstStyle>
+            <a:lvl1pPr algn="l">
+              <a:defRPr sz="1200"/>
+            </a:lvl1pPr>
+          </a:lstStyle>
+          <a:p>
+            <a:endParaRPr lang="ru-RU"/>
+          </a:p>
+        </p:txBody>
+      </p:sp>
+      <p:sp>
+        <p:nvSpPr>
+          <p:cNvPr id="3" name="Дата 2"/>
+          <p:cNvSpPr>
+            <a:spLocks noGrp="1"/>
+          </p:cNvSpPr>
+          <p:nvPr>
+            <p:ph type="dt" idx="1"/>
+          </p:nvPr>
+        </p:nvSpPr>
+        <p:spPr>
+          <a:xfrm>
+            <a:off x="3884613" y="0"/>
+            <a:ext cx="2971800" cy="458788"/>
+          </a:xfrm>
+          <a:prstGeom prst="rect">
+            <a:avLst/>
+          </a:prstGeom>
+        </p:spPr>
+        <p:txBody>
+          <a:bodyPr vert="horz" lIns="91440" tIns="45720" rIns="91440" bIns="45720" rtlCol="0"/>
+          <a:lstStyle>
+            <a:lvl1pPr algn="r">
+              <a:defRPr sz="1200"/>
+            </a:lvl1pPr>
+          </a:lstStyle>
+          <a:p>
+            <a:fld id="{F7D55C1D-A154-4711-9524-B1FA3FCBE86D}" type="datetimeFigureOut">
+              <a:rPr lang="ru-RU" smtClean="0"/>
+              <a:t>11.03.2021</a:t>
+            </a:fld>
+            <a:endParaRPr lang="ru-RU"/>
+          </a:p>
+        </p:txBody>
+      </p:sp>
+      <p:sp>
+        <p:nvSpPr>
+          <p:cNvPr id="4" name="Образ слайда 3"/>
+          <p:cNvSpPr>
+            <a:spLocks noGrp="1" noRot="1" noChangeAspect="1"/>
+          </p:cNvSpPr>
+          <p:nvPr>
+            <p:ph type="sldImg" idx="2"/>
+          </p:nvPr>
+        </p:nvSpPr>
+        <p:spPr>
+          <a:xfrm>
+            <a:off x="685800" y="1143000"/>
+            <a:ext cx="5486400" cy="3086100"/>
+          </a:xfrm>
+          <a:prstGeom prst="rect">
+            <a:avLst/>
+          </a:prstGeom>
+          <a:noFill/>
+          <a:ln w="12700">
+            <a:solidFill>
+              <a:prstClr val="black"/>
+            </a:solidFill>
+          </a:ln>
+        </p:spPr>
+        <p:txBody>
+          <a:bodyPr vert="horz" lIns="91440" tIns="45720" rIns="91440" bIns="45720" rtlCol="0" anchor="ctr"/>
+          <a:lstStyle/>
+          <a:p>
+            <a:endParaRPr lang="ru-RU"/>
+          </a:p>
+        </p:txBody>
+      </p:sp>
+      <p:sp>
+        <p:nvSpPr>
+          <p:cNvPr id="5" name="Заметки 4"/>
+          <p:cNvSpPr>
+            <a:spLocks noGrp="1"/>
+          </p:cNvSpPr>
+          <p:nvPr>
+            <p:ph type="body" sz="quarter" idx="3"/>
+          </p:nvPr>
+        </p:nvSpPr>
+        <p:spPr>
+          <a:xfrm>
+            <a:off x="685800" y="4400550"/>
+            <a:ext cx="5486400" cy="3600450"/>
+          </a:xfrm>
+          <a:prstGeom prst="rect">
+            <a:avLst/>
+          </a:prstGeom>
+        </p:spPr>
+        <p:txBody>
+          <a:bodyPr vert="horz" lIns="91440" tIns="45720" rIns="91440" bIns="45720" rtlCol="0"/>
+          <a:lstStyle/>
+          <a:p>
+            <a:pPr lvl="0"/>
+            <a:r>
+              <a:rPr lang="ru-RU" smtClean="0"/>
+              <a:t>Образец текста</a:t>
+            </a:r>
+          </a:p>
+          <a:p>
+            <a:pPr lvl="1"/>
+            <a:r>
+              <a:rPr lang="ru-RU" smtClean="0"/>
+              <a:t>Второй уровень</a:t>
+            </a:r>
+          </a:p>
+          <a:p>
+            <a:pPr lvl="2"/>
+            <a:r>
+              <a:rPr lang="ru-RU" smtClean="0"/>
+              <a:t>Третий уровень</a:t>
+            </a:r>
+          </a:p>
+          <a:p>
+            <a:pPr lvl="3"/>
+            <a:r>
+              <a:rPr lang="ru-RU" smtClean="0"/>
+              <a:t>Четвертый уровень</a:t>
+            </a:r>
+          </a:p>
+          <a:p>
+            <a:pPr lvl="4"/>
+            <a:r>
+              <a:rPr lang="ru-RU" smtClean="0"/>
+              <a:t>Пятый уровень</a:t>
+            </a:r>
+            <a:endParaRPr lang="ru-RU"/>
+          </a:p>
+        </p:txBody>
+      </p:sp>
+      <p:sp>
+        <p:nvSpPr>
+          <p:cNvPr id="6" name="Нижний колонтитул 5"/>
+          <p:cNvSpPr>
+            <a:spLocks noGrp="1"/>
+          </p:cNvSpPr>
+          <p:nvPr>
+            <p:ph type="ftr" sz="quarter" idx="4"/>
+          </p:nvPr>
+        </p:nvSpPr>
+        <p:spPr>
+          <a:xfrm>
+            <a:off x="0" y="8685213"/>
+            <a:ext cx="2971800" cy="458787"/>
+          </a:xfrm>
+          <a:prstGeom prst="rect">
+            <a:avLst/>
+          </a:prstGeom>
+        </p:spPr>
+        <p:txBody>
+          <a:bodyPr vert="horz" lIns="91440" tIns="45720" rIns="91440" bIns="45720" rtlCol="0" anchor="b"/>
+          <a:lstStyle>
+            <a:lvl1pPr algn="l">
+              <a:defRPr sz="1200"/>
+            </a:lvl1pPr>
+          </a:lstStyle>
+          <a:p>
+            <a:endParaRPr lang="ru-RU"/>
+          </a:p>
+        </p:txBody>
+      </p:sp>
+      <p:sp>
+        <p:nvSpPr>
+          <p:cNvPr id="7" name="Номер слайда 6"/>
+          <p:cNvSpPr>
+            <a:spLocks noGrp="1"/>
+          </p:cNvSpPr>
+          <p:nvPr>
+            <p:ph type="sldNum" sz="quarter" idx="5"/>
+          </p:nvPr>
+        </p:nvSpPr>
+        <p:spPr>
+          <a:xfrm>
+            <a:off x="3884613" y="8685213"/>
+            <a:ext cx="2971800" cy="458787"/>
+          </a:xfrm>
+          <a:prstGeom prst="rect">
+            <a:avLst/>
+          </a:prstGeom>
+        </p:spPr>
+        <p:txBody>
+          <a:bodyPr vert="horz" lIns="91440" tIns="45720" rIns="91440" bIns="45720" rtlCol="0" anchor="b"/>
+          <a:lstStyle>
+            <a:lvl1pPr algn="r">
+              <a:defRPr sz="1200"/>
+            </a:lvl1pPr>
+          </a:lstStyle>
+          <a:p>
+            <a:fld id="{67F04618-45CB-4720-BBC2-50101EF33380}" type="slidenum">
+              <a:rPr lang="ru-RU" smtClean="0"/>
+              <a:t>‹#›</a:t>
+            </a:fld>
+            <a:endParaRPr lang="ru-RU"/>
+          </a:p>
+        </p:txBody>
+      </p:sp>
+    </p:spTree>
+    <p:extLst>
+      <p:ext uri="{BB962C8B-B14F-4D97-AF65-F5344CB8AC3E}">
+        <p14:creationId xmlns:p14="http://schemas.microsoft.com/office/powerpoint/2010/main" val="2779784520"/>
+      </p:ext>
+    </p:extLst>
+  </p:cSld>
+  <p:clrMap bg1="lt1" tx1="dk1" bg2="lt2" tx2="dk2" accent1="accent1" accent2="accent2" accent3="accent3" accent4="accent4" accent5="accent5" accent6="accent6" hlink="hlink" folHlink="folHlink"/>
+  <p:notesStyle>
+    <a:lvl1pPr marL="0" algn="l" defTabSz="914400" rtl="0" eaLnBrk="1" latinLnBrk="0" hangingPunct="1">
+      <a:defRPr sz="1200" kern="1200">
+        <a:solidFill>
+          <a:schemeClr val="tx1"/>
+        </a:solidFill>
+        <a:latin typeface="+mn-lt"/>
+        <a:ea typeface="+mn-ea"/>
+        <a:cs typeface="+mn-cs"/>
+      </a:defRPr>
+    </a:lvl1pPr>
+    <a:lvl2pPr marL="457200" algn="l" defTabSz="914400" rtl="0" eaLnBrk="1" latinLnBrk="0" hangingPunct="1">
+      <a:defRPr sz="1200" kern="1200">
+        <a:solidFill>
+          <a:schemeClr val="tx1"/>
+        </a:solidFill>
+        <a:latin typeface="+mn-lt"/>
+        <a:ea typeface="+mn-ea"/>
+        <a:cs typeface="+mn-cs"/>
+      </a:defRPr>
+    </a:lvl2pPr>
+    <a:lvl3pPr marL="914400" algn="l" defTabSz="914400" rtl="0" eaLnBrk="1" latinLnBrk="0" hangingPunct="1">
+      <a:defRPr sz="1200" kern="1200">
+        <a:solidFill>
+          <a:schemeClr val="tx1"/>
+        </a:solidFill>
+        <a:latin typeface="+mn-lt"/>
+        <a:ea typeface="+mn-ea"/>
+        <a:cs typeface="+mn-cs"/>
+      </a:defRPr>
+    </a:lvl3pPr>
+    <a:lvl4pPr marL="1371600" algn="l" defTabSz="914400" rtl="0" eaLnBrk="1" latinLnBrk="0" hangingPunct="1">
+      <a:defRPr sz="1200" kern="1200">
+        <a:solidFill>
+          <a:schemeClr val="tx1"/>
+        </a:solidFill>
+        <a:latin typeface="+mn-lt"/>
+        <a:ea typeface="+mn-ea"/>
+        <a:cs typeface="+mn-cs"/>
+      </a:defRPr>
+    </a:lvl4pPr>
+    <a:lvl5pPr marL="1828800" algn="l" defTabSz="914400" rtl="0" eaLnBrk="1" latinLnBrk="0" hangingPunct="1">
+      <a:defRPr sz="1200" kern="1200">
+        <a:solidFill>
+          <a:schemeClr val="tx1"/>
+        </a:solidFill>
+        <a:latin typeface="+mn-lt"/>
+        <a:ea typeface="+mn-ea"/>
+        <a:cs typeface="+mn-cs"/>
+      </a:defRPr>
+    </a:lvl5pPr>
+    <a:lvl6pPr marL="2286000" algn="l" defTabSz="914400" rtl="0" eaLnBrk="1" latinLnBrk="0" hangingPunct="1">
+      <a:defRPr sz="1200" kern="1200">
+        <a:solidFill>
+          <a:schemeClr val="tx1"/>
+        </a:solidFill>
+        <a:latin typeface="+mn-lt"/>
+        <a:ea typeface="+mn-ea"/>
+        <a:cs typeface="+mn-cs"/>
+      </a:defRPr>
+    </a:lvl6pPr>
+    <a:lvl7pPr marL="2743200" algn="l" defTabSz="914400" rtl="0" eaLnBrk="1" latinLnBrk="0" hangingPunct="1">
+      <a:defRPr sz="1200" kern="1200">
+        <a:solidFill>
+          <a:schemeClr val="tx1"/>
+        </a:solidFill>
+        <a:latin typeface="+mn-lt"/>
+        <a:ea typeface="+mn-ea"/>
+        <a:cs typeface="+mn-cs"/>
+      </a:defRPr>
+    </a:lvl7pPr>
+    <a:lvl8pPr marL="3200400" algn="l" defTabSz="914400" rtl="0" eaLnBrk="1" latinLnBrk="0" hangingPunct="1">
+      <a:defRPr sz="1200" kern="1200">
+        <a:solidFill>
+          <a:schemeClr val="tx1"/>
+        </a:solidFill>
+        <a:latin typeface="+mn-lt"/>
+        <a:ea typeface="+mn-ea"/>
+        <a:cs typeface="+mn-cs"/>
+      </a:defRPr>
+    </a:lvl8pPr>
+    <a:lvl9pPr marL="3657600" algn="l" defTabSz="914400" rtl="0" eaLnBrk="1" latinLnBrk="0" hangingPunct="1">
+      <a:defRPr sz="1200" kern="1200">
+        <a:solidFill>
+          <a:schemeClr val="tx1"/>
+        </a:solidFill>
+        <a:latin typeface="+mn-lt"/>
+        <a:ea typeface="+mn-ea"/>
+        <a:cs typeface="+mn-cs"/>
+      </a:defRPr>
+    </a:lvl9pPr>
+  </p:notesStyle>
+</p:notesMaster>
+</file>
+
 <file path=ppt/slideLayouts/slideLayout1.xml><?xml version="1.0" encoding="utf-8"?>
 <p:sldLayout xmlns:a="http://schemas.openxmlformats.org/drawingml/2006/main" xmlns:r="http://schemas.openxmlformats.org/officeDocument/2006/relationships" xmlns:p="http://schemas.openxmlformats.org/presentationml/2006/main" type="title" preserve="1">
   <p:cSld name="Титульный слайд">
@@ -252,9 +605,9 @@
           <a:bodyPr/>
           <a:lstStyle/>
           <a:p>
-            <a:fld id="{21B33B83-622F-4903-820A-63C58DEEEDB0}" type="datetimeFigureOut">
+            <a:fld id="{4BCDFBBF-EC8C-4C87-8117-70FE4D6E7A1B}" type="datetime1">
               <a:rPr lang="ru-RU" smtClean="0"/>
-              <a:t>10.03.2021</a:t>
+              <a:t>11.03.2021</a:t>
             </a:fld>
             <a:endParaRPr lang="ru-RU"/>
           </a:p>
@@ -422,9 +775,9 @@
           <a:bodyPr/>
           <a:lstStyle/>
           <a:p>
-            <a:fld id="{21B33B83-622F-4903-820A-63C58DEEEDB0}" type="datetimeFigureOut">
+            <a:fld id="{37A44E4C-D519-4C53-B50C-5505EB2683C8}" type="datetime1">
               <a:rPr lang="ru-RU" smtClean="0"/>
-              <a:t>10.03.2021</a:t>
+              <a:t>11.03.2021</a:t>
             </a:fld>
             <a:endParaRPr lang="ru-RU"/>
           </a:p>
@@ -602,9 +955,9 @@
           <a:bodyPr/>
           <a:lstStyle/>
           <a:p>
-            <a:fld id="{21B33B83-622F-4903-820A-63C58DEEEDB0}" type="datetimeFigureOut">
+            <a:fld id="{B279B224-0C90-4764-BECE-2371B5D94BD4}" type="datetime1">
               <a:rPr lang="ru-RU" smtClean="0"/>
-              <a:t>10.03.2021</a:t>
+              <a:t>11.03.2021</a:t>
             </a:fld>
             <a:endParaRPr lang="ru-RU"/>
           </a:p>
@@ -772,9 +1125,9 @@
           <a:bodyPr/>
           <a:lstStyle/>
           <a:p>
-            <a:fld id="{21B33B83-622F-4903-820A-63C58DEEEDB0}" type="datetimeFigureOut">
+            <a:fld id="{5582A512-79AF-4C1F-BF9D-462BC1FCCFA0}" type="datetime1">
               <a:rPr lang="ru-RU" smtClean="0"/>
-              <a:t>10.03.2021</a:t>
+              <a:t>11.03.2021</a:t>
             </a:fld>
             <a:endParaRPr lang="ru-RU"/>
           </a:p>
@@ -1018,9 +1371,9 @@
           <a:bodyPr/>
           <a:lstStyle/>
           <a:p>
-            <a:fld id="{21B33B83-622F-4903-820A-63C58DEEEDB0}" type="datetimeFigureOut">
+            <a:fld id="{D7AE4C7E-E627-4DA4-B6B8-850AEF4F7BC2}" type="datetime1">
               <a:rPr lang="ru-RU" smtClean="0"/>
-              <a:t>10.03.2021</a:t>
+              <a:t>11.03.2021</a:t>
             </a:fld>
             <a:endParaRPr lang="ru-RU"/>
           </a:p>
@@ -1250,9 +1603,9 @@
           <a:bodyPr/>
           <a:lstStyle/>
           <a:p>
-            <a:fld id="{21B33B83-622F-4903-820A-63C58DEEEDB0}" type="datetimeFigureOut">
+            <a:fld id="{73B56BA5-4F41-41AF-8BD8-E2CD42C6862F}" type="datetime1">
               <a:rPr lang="ru-RU" smtClean="0"/>
-              <a:t>10.03.2021</a:t>
+              <a:t>11.03.2021</a:t>
             </a:fld>
             <a:endParaRPr lang="ru-RU"/>
           </a:p>
@@ -1617,9 +1970,9 @@
           <a:bodyPr/>
           <a:lstStyle/>
           <a:p>
-            <a:fld id="{21B33B83-622F-4903-820A-63C58DEEEDB0}" type="datetimeFigureOut">
+            <a:fld id="{0DF487A4-7DE3-4860-85C9-49FDD669A906}" type="datetime1">
               <a:rPr lang="ru-RU" smtClean="0"/>
-              <a:t>10.03.2021</a:t>
+              <a:t>11.03.2021</a:t>
             </a:fld>
             <a:endParaRPr lang="ru-RU"/>
           </a:p>
@@ -1735,9 +2088,9 @@
           <a:bodyPr/>
           <a:lstStyle/>
           <a:p>
-            <a:fld id="{21B33B83-622F-4903-820A-63C58DEEEDB0}" type="datetimeFigureOut">
+            <a:fld id="{C1A88C33-8A17-400A-8B56-D24460C5C0DC}" type="datetime1">
               <a:rPr lang="ru-RU" smtClean="0"/>
-              <a:t>10.03.2021</a:t>
+              <a:t>11.03.2021</a:t>
             </a:fld>
             <a:endParaRPr lang="ru-RU"/>
           </a:p>
@@ -1830,9 +2183,9 @@
           <a:bodyPr/>
           <a:lstStyle/>
           <a:p>
-            <a:fld id="{21B33B83-622F-4903-820A-63C58DEEEDB0}" type="datetimeFigureOut">
+            <a:fld id="{0F835C61-00AA-4FB4-B27D-4EF80EAEFA5D}" type="datetime1">
               <a:rPr lang="ru-RU" smtClean="0"/>
-              <a:t>10.03.2021</a:t>
+              <a:t>11.03.2021</a:t>
             </a:fld>
             <a:endParaRPr lang="ru-RU"/>
           </a:p>
@@ -2107,9 +2460,9 @@
           <a:bodyPr/>
           <a:lstStyle/>
           <a:p>
-            <a:fld id="{21B33B83-622F-4903-820A-63C58DEEEDB0}" type="datetimeFigureOut">
+            <a:fld id="{A7AA2D40-F6CA-4D8C-8966-EBED997BC50D}" type="datetime1">
               <a:rPr lang="ru-RU" smtClean="0"/>
-              <a:t>10.03.2021</a:t>
+              <a:t>11.03.2021</a:t>
             </a:fld>
             <a:endParaRPr lang="ru-RU"/>
           </a:p>
@@ -2360,9 +2713,9 @@
           <a:bodyPr/>
           <a:lstStyle/>
           <a:p>
-            <a:fld id="{21B33B83-622F-4903-820A-63C58DEEEDB0}" type="datetimeFigureOut">
+            <a:fld id="{6826C45A-2710-42A3-8015-E825D0DB8249}" type="datetime1">
               <a:rPr lang="ru-RU" smtClean="0"/>
-              <a:t>10.03.2021</a:t>
+              <a:t>11.03.2021</a:t>
             </a:fld>
             <a:endParaRPr lang="ru-RU"/>
           </a:p>
@@ -2573,9 +2926,9 @@
             </a:lvl1pPr>
           </a:lstStyle>
           <a:p>
-            <a:fld id="{21B33B83-622F-4903-820A-63C58DEEEDB0}" type="datetimeFigureOut">
+            <a:fld id="{73EDAB0A-51D9-4FE7-8B34-B080672EA6C6}" type="datetime1">
               <a:rPr lang="ru-RU" smtClean="0"/>
-              <a:t>10.03.2021</a:t>
+              <a:t>11.03.2021</a:t>
             </a:fld>
             <a:endParaRPr lang="ru-RU"/>
           </a:p>
@@ -2680,6 +3033,7 @@
     <p:sldLayoutId id="2147483658" r:id="rId10"/>
     <p:sldLayoutId id="2147483659" r:id="rId11"/>
   </p:sldLayoutIdLst>
+  <p:hf hdr="0" ftr="0" dt="0"/>
   <p:txStyles>
     <p:titleStyle>
       <a:lvl1pPr algn="l" defTabSz="914400" rtl="0" eaLnBrk="1" latinLnBrk="0" hangingPunct="1">
@@ -3710,17 +4064,32 @@
             <a:pPr algn="ctr"/>
             <a:r>
               <a:rPr lang="ru-RU" b="1" i="1" dirty="0" smtClean="0"/>
-              <a:t>Теоретическая зависимость построена для энергии электронов </a:t>
-            </a:r>
-            <a:r>
-              <a:rPr lang="ru-RU" b="1" i="1" dirty="0" smtClean="0"/>
-              <a:t>2.8 </a:t>
-            </a:r>
-            <a:r>
-              <a:rPr lang="ru-RU" b="1" i="1" dirty="0" smtClean="0"/>
-              <a:t>эВ</a:t>
+              <a:t>Теоретическая зависимость построена для энергии электронов 2.8 эВ</a:t>
             </a:r>
             <a:endParaRPr lang="ru-RU" b="1" i="1" dirty="0"/>
+          </a:p>
+        </p:txBody>
+      </p:sp>
+      <p:sp>
+        <p:nvSpPr>
+          <p:cNvPr id="2" name="Номер слайда 1"/>
+          <p:cNvSpPr>
+            <a:spLocks noGrp="1"/>
+          </p:cNvSpPr>
+          <p:nvPr>
+            <p:ph type="sldNum" sz="quarter" idx="12"/>
+          </p:nvPr>
+        </p:nvSpPr>
+        <p:spPr/>
+        <p:txBody>
+          <a:bodyPr/>
+          <a:lstStyle/>
+          <a:p>
+            <a:fld id="{9FAB18EA-D421-4479-A48C-D4262B204458}" type="slidenum">
+              <a:rPr lang="ru-RU" smtClean="0"/>
+              <a:t>10</a:t>
+            </a:fld>
+            <a:endParaRPr lang="ru-RU"/>
           </a:p>
         </p:txBody>
       </p:sp>
@@ -4391,6 +4760,29 @@
           </p:sp>
         </mc:Fallback>
       </mc:AlternateContent>
+      <p:sp>
+        <p:nvSpPr>
+          <p:cNvPr id="2" name="Номер слайда 1"/>
+          <p:cNvSpPr>
+            <a:spLocks noGrp="1"/>
+          </p:cNvSpPr>
+          <p:nvPr>
+            <p:ph type="sldNum" sz="quarter" idx="12"/>
+          </p:nvPr>
+        </p:nvSpPr>
+        <p:spPr/>
+        <p:txBody>
+          <a:bodyPr/>
+          <a:lstStyle/>
+          <a:p>
+            <a:fld id="{9FAB18EA-D421-4479-A48C-D4262B204458}" type="slidenum">
+              <a:rPr lang="ru-RU" smtClean="0"/>
+              <a:t>11</a:t>
+            </a:fld>
+            <a:endParaRPr lang="ru-RU"/>
+          </a:p>
+        </p:txBody>
+      </p:sp>
     </p:spTree>
     <p:extLst>
       <p:ext uri="{BB962C8B-B14F-4D97-AF65-F5344CB8AC3E}">
@@ -4428,8 +4820,8 @@
           <a:chExt cx="0" cy="0"/>
         </a:xfrm>
       </p:grpSpPr>
-      <mc:AlternateContent xmlns:mc="http://schemas.openxmlformats.org/markup-compatibility/2006">
-        <mc:Choice xmlns:a14="http://schemas.microsoft.com/office/drawing/2010/main" Requires="a14">
+      <mc:AlternateContent xmlns:mc="http://schemas.openxmlformats.org/markup-compatibility/2006" xmlns:a14="http://schemas.microsoft.com/office/drawing/2010/main">
+        <mc:Choice Requires="a14">
           <p:sp>
             <p:nvSpPr>
               <p:cNvPr id="3" name="Объект 2"/>
@@ -4561,15 +4953,7 @@
                 </a:r>
                 <a:r>
                   <a:rPr lang="ru-RU" b="1" dirty="0" smtClean="0"/>
-                  <a:t>1</a:t>
-                </a:r>
-                <a:r>
-                  <a:rPr lang="ru-RU" b="1" dirty="0" smtClean="0"/>
-                  <a:t>.4-2.8 </a:t>
-                </a:r>
-                <a:r>
-                  <a:rPr lang="ru-RU" b="1" dirty="0" smtClean="0"/>
-                  <a:t>эВ</a:t>
+                  <a:t>1.4-2.8 эВ</a:t>
                 </a:r>
                 <a:r>
                   <a:rPr lang="ru-RU" dirty="0" smtClean="0"/>
@@ -4615,7 +4999,7 @@
             </p:txBody>
           </p:sp>
         </mc:Choice>
-        <mc:Fallback>
+        <mc:Fallback xmlns="">
           <p:sp>
             <p:nvSpPr>
               <p:cNvPr id="3" name="Объект 2"/>
@@ -4675,6 +5059,29 @@
             <a:endParaRPr lang="ru-RU" sz="3600" b="1" u="sng" dirty="0">
               <a:latin typeface="Arial Black" panose="020B0A04020102020204" pitchFamily="34" charset="0"/>
             </a:endParaRPr>
+          </a:p>
+        </p:txBody>
+      </p:sp>
+      <p:sp>
+        <p:nvSpPr>
+          <p:cNvPr id="2" name="Номер слайда 1"/>
+          <p:cNvSpPr>
+            <a:spLocks noGrp="1"/>
+          </p:cNvSpPr>
+          <p:nvPr>
+            <p:ph type="sldNum" sz="quarter" idx="12"/>
+          </p:nvPr>
+        </p:nvSpPr>
+        <p:spPr/>
+        <p:txBody>
+          <a:bodyPr/>
+          <a:lstStyle/>
+          <a:p>
+            <a:fld id="{9FAB18EA-D421-4479-A48C-D4262B204458}" type="slidenum">
+              <a:rPr lang="ru-RU" smtClean="0"/>
+              <a:t>12</a:t>
+            </a:fld>
+            <a:endParaRPr lang="ru-RU"/>
           </a:p>
         </p:txBody>
       </p:sp>
@@ -4780,6 +5187,29 @@
           </a:p>
           <a:p>
             <a:endParaRPr lang="ru-RU" dirty="0"/>
+          </a:p>
+        </p:txBody>
+      </p:sp>
+      <p:sp>
+        <p:nvSpPr>
+          <p:cNvPr id="4" name="Номер слайда 3"/>
+          <p:cNvSpPr>
+            <a:spLocks noGrp="1"/>
+          </p:cNvSpPr>
+          <p:nvPr>
+            <p:ph type="sldNum" sz="quarter" idx="12"/>
+          </p:nvPr>
+        </p:nvSpPr>
+        <p:spPr/>
+        <p:txBody>
+          <a:bodyPr/>
+          <a:lstStyle/>
+          <a:p>
+            <a:fld id="{9FAB18EA-D421-4479-A48C-D4262B204458}" type="slidenum">
+              <a:rPr lang="ru-RU" smtClean="0"/>
+              <a:t>2</a:t>
+            </a:fld>
+            <a:endParaRPr lang="ru-RU"/>
           </a:p>
         </p:txBody>
       </p:sp>
@@ -4895,14 +5325,14 @@
         <p:spPr>
           <a:xfrm>
             <a:off x="838200" y="4309933"/>
-            <a:ext cx="6096000" cy="1569660"/>
+            <a:ext cx="5129463" cy="1938992"/>
           </a:xfrm>
           <a:prstGeom prst="rect">
             <a:avLst/>
           </a:prstGeom>
         </p:spPr>
         <p:txBody>
-          <a:bodyPr>
+          <a:bodyPr wrap="square">
             <a:spAutoFit/>
           </a:bodyPr>
           <a:lstStyle/>
@@ -4939,8 +5369,23 @@
             </a:pPr>
             <a:r>
               <a:rPr lang="ru-RU" sz="2400" dirty="0"/>
-              <a:t>Энергия электронов</a:t>
-            </a:r>
+              <a:t>Энергия </a:t>
+            </a:r>
+            <a:r>
+              <a:rPr lang="ru-RU" sz="2400" dirty="0" smtClean="0"/>
+              <a:t>электронов</a:t>
+            </a:r>
+          </a:p>
+          <a:p>
+            <a:pPr marL="285750" indent="-285750">
+              <a:buFont typeface="Arial" panose="020B0604020202020204" pitchFamily="34" charset="0"/>
+              <a:buChar char="•"/>
+            </a:pPr>
+            <a:r>
+              <a:rPr lang="ru-RU" sz="2400" dirty="0" smtClean="0"/>
+              <a:t>Приведенное электрическое поле</a:t>
+            </a:r>
+            <a:endParaRPr lang="ru-RU" sz="2400" dirty="0"/>
           </a:p>
         </p:txBody>
       </p:sp>
@@ -4966,8 +5411,8 @@
         </p:blipFill>
         <p:spPr>
           <a:xfrm>
-            <a:off x="7484978" y="3000310"/>
-            <a:ext cx="3868822" cy="1813064"/>
+            <a:off x="6430689" y="2615298"/>
+            <a:ext cx="5099574" cy="2389837"/>
           </a:xfrm>
           <a:prstGeom prst="rect">
             <a:avLst/>
@@ -4984,6 +5429,29 @@
           </a:effectLst>
         </p:spPr>
       </p:pic>
+      <p:sp>
+        <p:nvSpPr>
+          <p:cNvPr id="2" name="Номер слайда 1"/>
+          <p:cNvSpPr>
+            <a:spLocks noGrp="1"/>
+          </p:cNvSpPr>
+          <p:nvPr>
+            <p:ph type="sldNum" sz="quarter" idx="12"/>
+          </p:nvPr>
+        </p:nvSpPr>
+        <p:spPr/>
+        <p:txBody>
+          <a:bodyPr/>
+          <a:lstStyle/>
+          <a:p>
+            <a:fld id="{9FAB18EA-D421-4479-A48C-D4262B204458}" type="slidenum">
+              <a:rPr lang="ru-RU" smtClean="0"/>
+              <a:t>3</a:t>
+            </a:fld>
+            <a:endParaRPr lang="ru-RU"/>
+          </a:p>
+        </p:txBody>
+      </p:sp>
     </p:spTree>
     <p:extLst>
       <p:ext uri="{BB962C8B-B14F-4D97-AF65-F5344CB8AC3E}">
@@ -5052,213 +5520,1026 @@
       </p:sp>
       <p:grpSp>
         <p:nvGrpSpPr>
-          <p:cNvPr id="5" name="Группа 4"/>
+          <p:cNvPr id="12" name="Группа 11"/>
           <p:cNvGrpSpPr/>
           <p:nvPr/>
         </p:nvGrpSpPr>
         <p:grpSpPr>
           <a:xfrm>
-            <a:off x="2003752" y="1795187"/>
-            <a:ext cx="8184496" cy="3823537"/>
-            <a:chOff x="579279" y="1549679"/>
-            <a:chExt cx="8184496" cy="3823537"/>
+            <a:off x="6096000" y="1491917"/>
+            <a:ext cx="5979055" cy="5085347"/>
+            <a:chOff x="5309419" y="854559"/>
+            <a:chExt cx="6616458" cy="5733054"/>
           </a:xfrm>
         </p:grpSpPr>
+        <p:sp>
+          <p:nvSpPr>
+            <p:cNvPr id="13" name="Прямоугольник 12"/>
+            <p:cNvSpPr/>
+            <p:nvPr/>
+          </p:nvSpPr>
+          <p:spPr>
+            <a:xfrm>
+              <a:off x="5309419" y="854559"/>
+              <a:ext cx="6489291" cy="5733054"/>
+            </a:xfrm>
+            <a:prstGeom prst="rect">
+              <a:avLst/>
+            </a:prstGeom>
+            <a:solidFill>
+              <a:schemeClr val="bg1">
+                <a:lumMod val="85000"/>
+              </a:schemeClr>
+            </a:solidFill>
+            <a:ln>
+              <a:noFill/>
+            </a:ln>
+          </p:spPr>
+          <p:style>
+            <a:lnRef idx="2">
+              <a:schemeClr val="accent1">
+                <a:shade val="50000"/>
+              </a:schemeClr>
+            </a:lnRef>
+            <a:fillRef idx="1">
+              <a:schemeClr val="accent1"/>
+            </a:fillRef>
+            <a:effectRef idx="0">
+              <a:schemeClr val="accent1"/>
+            </a:effectRef>
+            <a:fontRef idx="minor">
+              <a:schemeClr val="lt1"/>
+            </a:fontRef>
+          </p:style>
+          <p:txBody>
+            <a:bodyPr rtlCol="0" anchor="ctr"/>
+            <a:lstStyle/>
+            <a:p>
+              <a:pPr algn="ctr"/>
+              <a:endParaRPr lang="ru-RU"/>
+            </a:p>
+          </p:txBody>
+        </p:sp>
         <p:pic>
           <p:nvPicPr>
-            <p:cNvPr id="6" name="Рисунок 5"/>
+            <p:cNvPr id="14" name="Рисунок 2"/>
             <p:cNvPicPr>
               <a:picLocks noChangeAspect="1"/>
             </p:cNvPicPr>
             <p:nvPr/>
           </p:nvPicPr>
           <p:blipFill>
-            <a:blip r:embed="rId2">
+            <a:blip r:embed="rId2" cstate="print">
+              <a:clrChange>
+                <a:clrFrom>
+                  <a:srgbClr val="FEFEFE"/>
+                </a:clrFrom>
+                <a:clrTo>
+                  <a:srgbClr val="FEFEFE">
+                    <a:alpha val="0"/>
+                  </a:srgbClr>
+                </a:clrTo>
+              </a:clrChange>
               <a:extLst>
                 <a:ext uri="{28A0092B-C50C-407E-A947-70E740481C1C}">
                   <a14:useLocalDpi xmlns:a14="http://schemas.microsoft.com/office/drawing/2010/main" val="0"/>
                 </a:ext>
               </a:extLst>
             </a:blip>
+            <a:srcRect/>
             <a:stretch>
               <a:fillRect/>
             </a:stretch>
           </p:blipFill>
-          <p:spPr>
+          <p:spPr bwMode="auto">
             <a:xfrm>
-              <a:off x="579279" y="1556792"/>
-              <a:ext cx="7988664" cy="3816424"/>
-            </a:xfrm>
-            <a:prstGeom prst="rect">
-              <a:avLst/>
-            </a:prstGeom>
-            <a:ln>
-              <a:noFill/>
-            </a:ln>
-            <a:effectLst>
-              <a:outerShdw blurRad="292100" dist="139700" dir="2700000" algn="tl" rotWithShape="0">
-                <a:srgbClr val="333333">
-                  <a:alpha val="65000"/>
-                </a:srgbClr>
-              </a:outerShdw>
-            </a:effectLst>
-          </p:spPr>
-        </p:pic>
-        <p:cxnSp>
-          <p:nvCxnSpPr>
-            <p:cNvPr id="7" name="Прямая со стрелкой 6"/>
-            <p:cNvCxnSpPr/>
-            <p:nvPr/>
-          </p:nvCxnSpPr>
-          <p:spPr>
-            <a:xfrm>
-              <a:off x="7883607" y="2204864"/>
-              <a:ext cx="612000" cy="0"/>
-            </a:xfrm>
-            <a:prstGeom prst="straightConnector1">
-              <a:avLst/>
-            </a:prstGeom>
-            <a:ln>
-              <a:tailEnd type="arrow"/>
-            </a:ln>
-          </p:spPr>
-          <p:style>
-            <a:lnRef idx="3">
-              <a:schemeClr val="dk1"/>
-            </a:lnRef>
-            <a:fillRef idx="0">
-              <a:schemeClr val="dk1"/>
-            </a:fillRef>
-            <a:effectRef idx="2">
-              <a:schemeClr val="dk1"/>
-            </a:effectRef>
-            <a:fontRef idx="minor">
-              <a:schemeClr val="tx1"/>
-            </a:fontRef>
-          </p:style>
-        </p:cxnSp>
-        <p:cxnSp>
-          <p:nvCxnSpPr>
-            <p:cNvPr id="8" name="Прямая со стрелкой 7"/>
-            <p:cNvCxnSpPr/>
-            <p:nvPr/>
-          </p:nvCxnSpPr>
-          <p:spPr>
-            <a:xfrm flipV="1">
-              <a:off x="7883607" y="1592864"/>
-              <a:ext cx="0" cy="612000"/>
-            </a:xfrm>
-            <a:prstGeom prst="straightConnector1">
-              <a:avLst/>
-            </a:prstGeom>
-            <a:ln>
-              <a:tailEnd type="arrow"/>
-            </a:ln>
-          </p:spPr>
-          <p:style>
-            <a:lnRef idx="3">
-              <a:schemeClr val="dk1"/>
-            </a:lnRef>
-            <a:fillRef idx="0">
-              <a:schemeClr val="dk1"/>
-            </a:fillRef>
-            <a:effectRef idx="2">
-              <a:schemeClr val="dk1"/>
-            </a:effectRef>
-            <a:fontRef idx="minor">
-              <a:schemeClr val="tx1"/>
-            </a:fontRef>
-          </p:style>
-        </p:cxnSp>
-        <p:sp>
-          <p:nvSpPr>
-            <p:cNvPr id="9" name="TextBox 8"/>
-            <p:cNvSpPr txBox="1"/>
-            <p:nvPr/>
-          </p:nvSpPr>
-          <p:spPr>
-            <a:xfrm>
-              <a:off x="8227438" y="2204864"/>
-              <a:ext cx="536337" cy="338554"/>
+              <a:off x="5445169" y="1011615"/>
+              <a:ext cx="6217791" cy="4726207"/>
             </a:xfrm>
             <a:prstGeom prst="rect">
               <a:avLst/>
             </a:prstGeom>
             <a:noFill/>
+            <a:ln>
+              <a:noFill/>
+            </a:ln>
+            <a:extLst>
+              <a:ext uri="{909E8E84-426E-40DD-AFC4-6F175D3DCCD1}">
+                <a14:hiddenFill xmlns:a14="http://schemas.microsoft.com/office/drawing/2010/main">
+                  <a:solidFill>
+                    <a:srgbClr val="FFFFFF"/>
+                  </a:solidFill>
+                </a14:hiddenFill>
+              </a:ext>
+              <a:ext uri="{91240B29-F687-4F45-9708-019B960494DF}">
+                <a14:hiddenLine xmlns:a14="http://schemas.microsoft.com/office/drawing/2010/main" w="9525">
+                  <a:solidFill>
+                    <a:srgbClr val="000000"/>
+                  </a:solidFill>
+                  <a:miter lim="800000"/>
+                  <a:headEnd/>
+                  <a:tailEnd/>
+                </a14:hiddenLine>
+              </a:ext>
+            </a:extLst>
           </p:spPr>
-          <p:txBody>
-            <a:bodyPr wrap="square" rtlCol="0">
-              <a:spAutoFit/>
-            </a:bodyPr>
-            <a:lstStyle/>
-            <a:p>
-              <a:r>
-                <a:rPr lang="en-US" sz="1600" b="1" dirty="0"/>
-                <a:t>x</a:t>
-              </a:r>
-              <a:endParaRPr lang="ru-RU" sz="1600" b="1" dirty="0"/>
-            </a:p>
-          </p:txBody>
-        </p:sp>
+        </p:pic>
         <p:sp>
           <p:nvSpPr>
-            <p:cNvPr id="10" name="TextBox 9"/>
-            <p:cNvSpPr txBox="1"/>
+            <p:cNvPr id="15" name="Text Box 130"/>
+            <p:cNvSpPr txBox="1">
+              <a:spLocks noChangeArrowheads="1"/>
+            </p:cNvSpPr>
             <p:nvPr/>
           </p:nvSpPr>
-          <p:spPr>
+          <p:spPr bwMode="auto">
             <a:xfrm>
-              <a:off x="7921438" y="1549679"/>
-              <a:ext cx="536337" cy="338554"/>
+              <a:off x="5839710" y="5253473"/>
+              <a:ext cx="6086167" cy="884858"/>
             </a:xfrm>
             <a:prstGeom prst="rect">
               <a:avLst/>
             </a:prstGeom>
             <a:noFill/>
+            <a:ln>
+              <a:noFill/>
+            </a:ln>
+            <a:extLst>
+              <a:ext uri="{909E8E84-426E-40DD-AFC4-6F175D3DCCD1}">
+                <a14:hiddenFill xmlns:a14="http://schemas.microsoft.com/office/drawing/2010/main">
+                  <a:solidFill>
+                    <a:srgbClr val="FFFFFF"/>
+                  </a:solidFill>
+                </a14:hiddenFill>
+              </a:ext>
+              <a:ext uri="{91240B29-F687-4F45-9708-019B960494DF}">
+                <a14:hiddenLine xmlns:a14="http://schemas.microsoft.com/office/drawing/2010/main" w="9525">
+                  <a:solidFill>
+                    <a:srgbClr val="000000"/>
+                  </a:solidFill>
+                  <a:miter lim="800000"/>
+                  <a:headEnd/>
+                  <a:tailEnd/>
+                </a14:hiddenLine>
+              </a:ext>
+            </a:extLst>
           </p:spPr>
           <p:txBody>
-            <a:bodyPr wrap="square" rtlCol="0">
+            <a:bodyPr wrap="square">
               <a:spAutoFit/>
             </a:bodyPr>
-            <a:lstStyle/>
+            <a:lstStyle>
+              <a:lvl1pPr>
+                <a:spcBef>
+                  <a:spcPct val="20000"/>
+                </a:spcBef>
+                <a:buFont typeface="Arial" panose="020B0604020202020204" pitchFamily="34" charset="0"/>
+                <a:buChar char="•"/>
+                <a:defRPr sz="3200">
+                  <a:solidFill>
+                    <a:schemeClr val="tx1"/>
+                  </a:solidFill>
+                  <a:latin typeface="Calibri" panose="020F0502020204030204" pitchFamily="34" charset="0"/>
+                </a:defRPr>
+              </a:lvl1pPr>
+              <a:lvl2pPr marL="742950" indent="-285750">
+                <a:spcBef>
+                  <a:spcPct val="20000"/>
+                </a:spcBef>
+                <a:buFont typeface="Arial" panose="020B0604020202020204" pitchFamily="34" charset="0"/>
+                <a:buChar char="–"/>
+                <a:defRPr sz="2800">
+                  <a:solidFill>
+                    <a:schemeClr val="tx1"/>
+                  </a:solidFill>
+                  <a:latin typeface="Calibri" panose="020F0502020204030204" pitchFamily="34" charset="0"/>
+                </a:defRPr>
+              </a:lvl2pPr>
+              <a:lvl3pPr marL="1143000" indent="-228600">
+                <a:spcBef>
+                  <a:spcPct val="20000"/>
+                </a:spcBef>
+                <a:buFont typeface="Arial" panose="020B0604020202020204" pitchFamily="34" charset="0"/>
+                <a:buChar char="•"/>
+                <a:defRPr sz="2400">
+                  <a:solidFill>
+                    <a:schemeClr val="tx1"/>
+                  </a:solidFill>
+                  <a:latin typeface="Calibri" panose="020F0502020204030204" pitchFamily="34" charset="0"/>
+                </a:defRPr>
+              </a:lvl3pPr>
+              <a:lvl4pPr marL="1600200" indent="-228600">
+                <a:spcBef>
+                  <a:spcPct val="20000"/>
+                </a:spcBef>
+                <a:buFont typeface="Arial" panose="020B0604020202020204" pitchFamily="34" charset="0"/>
+                <a:buChar char="–"/>
+                <a:defRPr sz="2000">
+                  <a:solidFill>
+                    <a:schemeClr val="tx1"/>
+                  </a:solidFill>
+                  <a:latin typeface="Calibri" panose="020F0502020204030204" pitchFamily="34" charset="0"/>
+                </a:defRPr>
+              </a:lvl4pPr>
+              <a:lvl5pPr marL="2057400" indent="-228600">
+                <a:spcBef>
+                  <a:spcPct val="20000"/>
+                </a:spcBef>
+                <a:buFont typeface="Arial" panose="020B0604020202020204" pitchFamily="34" charset="0"/>
+                <a:buChar char="»"/>
+                <a:defRPr sz="2000">
+                  <a:solidFill>
+                    <a:schemeClr val="tx1"/>
+                  </a:solidFill>
+                  <a:latin typeface="Calibri" panose="020F0502020204030204" pitchFamily="34" charset="0"/>
+                </a:defRPr>
+              </a:lvl5pPr>
+              <a:lvl6pPr marL="2514600" indent="-228600" eaLnBrk="0" fontAlgn="base" hangingPunct="0">
+                <a:spcBef>
+                  <a:spcPct val="20000"/>
+                </a:spcBef>
+                <a:spcAft>
+                  <a:spcPct val="0"/>
+                </a:spcAft>
+                <a:buFont typeface="Arial" panose="020B0604020202020204" pitchFamily="34" charset="0"/>
+                <a:buChar char="»"/>
+                <a:defRPr sz="2000">
+                  <a:solidFill>
+                    <a:schemeClr val="tx1"/>
+                  </a:solidFill>
+                  <a:latin typeface="Calibri" panose="020F0502020204030204" pitchFamily="34" charset="0"/>
+                </a:defRPr>
+              </a:lvl6pPr>
+              <a:lvl7pPr marL="2971800" indent="-228600" eaLnBrk="0" fontAlgn="base" hangingPunct="0">
+                <a:spcBef>
+                  <a:spcPct val="20000"/>
+                </a:spcBef>
+                <a:spcAft>
+                  <a:spcPct val="0"/>
+                </a:spcAft>
+                <a:buFont typeface="Arial" panose="020B0604020202020204" pitchFamily="34" charset="0"/>
+                <a:buChar char="»"/>
+                <a:defRPr sz="2000">
+                  <a:solidFill>
+                    <a:schemeClr val="tx1"/>
+                  </a:solidFill>
+                  <a:latin typeface="Calibri" panose="020F0502020204030204" pitchFamily="34" charset="0"/>
+                </a:defRPr>
+              </a:lvl7pPr>
+              <a:lvl8pPr marL="3429000" indent="-228600" eaLnBrk="0" fontAlgn="base" hangingPunct="0">
+                <a:spcBef>
+                  <a:spcPct val="20000"/>
+                </a:spcBef>
+                <a:spcAft>
+                  <a:spcPct val="0"/>
+                </a:spcAft>
+                <a:buFont typeface="Arial" panose="020B0604020202020204" pitchFamily="34" charset="0"/>
+                <a:buChar char="»"/>
+                <a:defRPr sz="2000">
+                  <a:solidFill>
+                    <a:schemeClr val="tx1"/>
+                  </a:solidFill>
+                  <a:latin typeface="Calibri" panose="020F0502020204030204" pitchFamily="34" charset="0"/>
+                </a:defRPr>
+              </a:lvl8pPr>
+              <a:lvl9pPr marL="3886200" indent="-228600" eaLnBrk="0" fontAlgn="base" hangingPunct="0">
+                <a:spcBef>
+                  <a:spcPct val="20000"/>
+                </a:spcBef>
+                <a:spcAft>
+                  <a:spcPct val="0"/>
+                </a:spcAft>
+                <a:buFont typeface="Arial" panose="020B0604020202020204" pitchFamily="34" charset="0"/>
+                <a:buChar char="»"/>
+                <a:defRPr sz="2000">
+                  <a:solidFill>
+                    <a:schemeClr val="tx1"/>
+                  </a:solidFill>
+                  <a:latin typeface="Calibri" panose="020F0502020204030204" pitchFamily="34" charset="0"/>
+                </a:defRPr>
+              </a:lvl9pPr>
+            </a:lstStyle>
             <a:p>
+              <a:pPr eaLnBrk="1" hangingPunct="1">
+                <a:spcBef>
+                  <a:spcPts val="300"/>
+                </a:spcBef>
+                <a:buFontTx/>
+                <a:buNone/>
+              </a:pPr>
               <a:r>
-                <a:rPr lang="en-US" sz="1600" b="1" dirty="0" smtClean="0"/>
-                <a:t>z</a:t>
+                <a:rPr lang="ru-RU" altLang="ru-RU" sz="1100" dirty="0">
+                  <a:latin typeface="Arial" panose="020B0604020202020204" pitchFamily="34" charset="0"/>
+                </a:rPr>
+                <a:t>1 – ударная труба;			7 – </a:t>
               </a:r>
-              <a:endParaRPr lang="ru-RU" sz="1600" b="1" dirty="0"/>
+              <a:r>
+                <a:rPr lang="ru-RU" altLang="ru-RU" sz="1100" dirty="0" err="1">
+                  <a:latin typeface="Arial" panose="020B0604020202020204" pitchFamily="34" charset="0"/>
+                </a:rPr>
+                <a:t>пьезодатчики</a:t>
+              </a:r>
+              <a:r>
+                <a:rPr lang="ru-RU" altLang="ru-RU" sz="1100" dirty="0">
+                  <a:latin typeface="Arial" panose="020B0604020202020204" pitchFamily="34" charset="0"/>
+                </a:rPr>
+                <a:t>;</a:t>
+              </a:r>
+            </a:p>
+            <a:p>
+              <a:pPr eaLnBrk="1" hangingPunct="1">
+                <a:spcBef>
+                  <a:spcPts val="300"/>
+                </a:spcBef>
+                <a:buFontTx/>
+                <a:buNone/>
+              </a:pPr>
+              <a:r>
+                <a:rPr lang="ru-RU" altLang="ru-RU" sz="1100" dirty="0">
+                  <a:latin typeface="Arial" panose="020B0604020202020204" pitchFamily="34" charset="0"/>
+                </a:rPr>
+                <a:t>2 – разрядная камера;			8 – блок синхронизации;</a:t>
+              </a:r>
+            </a:p>
+            <a:p>
+              <a:pPr eaLnBrk="1" hangingPunct="1">
+                <a:spcBef>
+                  <a:spcPts val="300"/>
+                </a:spcBef>
+                <a:buFontTx/>
+                <a:buNone/>
+              </a:pPr>
+              <a:r>
+                <a:rPr lang="ru-RU" altLang="ru-RU" sz="1100" dirty="0">
+                  <a:latin typeface="Arial" panose="020B0604020202020204" pitchFamily="34" charset="0"/>
+                </a:rPr>
+                <a:t>3 – камеры </a:t>
+              </a:r>
+              <a:r>
+                <a:rPr lang="ru-RU" altLang="ru-RU" sz="1100" dirty="0" smtClean="0">
+                  <a:latin typeface="Arial" panose="020B0604020202020204" pitchFamily="34" charset="0"/>
+                </a:rPr>
+                <a:t>(фото-</a:t>
+              </a:r>
+              <a:r>
+                <a:rPr lang="ru-RU" altLang="ru-RU" sz="1100" dirty="0">
+                  <a:latin typeface="Arial" panose="020B0604020202020204" pitchFamily="34" charset="0"/>
+                </a:rPr>
+                <a:t>, </a:t>
+              </a:r>
+              <a:r>
+                <a:rPr lang="ru-RU" altLang="ru-RU" sz="1100" dirty="0" smtClean="0">
+                  <a:latin typeface="Arial" panose="020B0604020202020204" pitchFamily="34" charset="0"/>
+                </a:rPr>
+                <a:t>высокоскоростные);</a:t>
+              </a:r>
+              <a:r>
+                <a:rPr lang="ru-RU" altLang="ru-RU" sz="1100" dirty="0">
+                  <a:latin typeface="Arial" panose="020B0604020202020204" pitchFamily="34" charset="0"/>
+                </a:rPr>
+                <a:t>		9 – блок управления разрядом;</a:t>
+              </a:r>
+            </a:p>
+            <a:p>
+              <a:pPr eaLnBrk="1" hangingPunct="1">
+                <a:spcBef>
+                  <a:spcPts val="300"/>
+                </a:spcBef>
+                <a:buFontTx/>
+                <a:buNone/>
+              </a:pPr>
+              <a:r>
+                <a:rPr lang="ru-RU" altLang="ru-RU" sz="1100" dirty="0">
+                  <a:latin typeface="Arial" panose="020B0604020202020204" pitchFamily="34" charset="0"/>
+                </a:rPr>
+                <a:t>4, 5, 6 – спектрометр, оптоволокно, линза;	10, 11 – осциллограф, ПК</a:t>
+              </a:r>
             </a:p>
           </p:txBody>
         </p:sp>
       </p:grpSp>
       <p:sp>
         <p:nvSpPr>
-          <p:cNvPr id="11" name="TextBox 10"/>
-          <p:cNvSpPr txBox="1"/>
+          <p:cNvPr id="16" name="Rectangle 34"/>
+          <p:cNvSpPr>
+            <a:spLocks noChangeArrowheads="1"/>
+          </p:cNvSpPr>
           <p:nvPr/>
         </p:nvSpPr>
-        <p:spPr>
+        <p:spPr bwMode="auto">
           <a:xfrm>
-            <a:off x="2506156" y="5847300"/>
-            <a:ext cx="7179688" cy="461665"/>
+            <a:off x="516115" y="1648367"/>
+            <a:ext cx="4027877" cy="2386223"/>
           </a:xfrm>
           <a:prstGeom prst="rect">
             <a:avLst/>
           </a:prstGeom>
           <a:noFill/>
+          <a:ln w="9525">
+            <a:noFill/>
+            <a:miter lim="800000"/>
+            <a:headEnd/>
+            <a:tailEnd/>
+          </a:ln>
         </p:spPr>
         <p:txBody>
-          <a:bodyPr wrap="square" rtlCol="0">
-            <a:spAutoFit/>
-          </a:bodyPr>
+          <a:bodyPr/>
           <a:lstStyle/>
           <a:p>
-            <a:pPr algn="ctr"/>
-            <a:r>
-              <a:rPr lang="ru-RU" sz="2400" b="1" i="1" dirty="0" smtClean="0"/>
-              <a:t>Ударная труба с разрядной камерой</a:t>
-            </a:r>
-            <a:endParaRPr lang="ru-RU" sz="2400" b="1" i="1" dirty="0"/>
+            <a:pPr marL="342900" indent="-342900" algn="ctr" eaLnBrk="0" hangingPunct="0">
+              <a:lnSpc>
+                <a:spcPct val="120000"/>
+              </a:lnSpc>
+              <a:buClr>
+                <a:srgbClr val="FF0000"/>
+              </a:buClr>
+              <a:buSzPct val="80000"/>
+              <a:defRPr/>
+            </a:pPr>
+            <a:r>
+              <a:rPr lang="ru-RU" sz="1400" b="1" dirty="0">
+                <a:effectLst>
+                  <a:outerShdw blurRad="38100" dist="38100" dir="2700000" algn="tl">
+                    <a:srgbClr val="C0C0C0"/>
+                  </a:outerShdw>
+                </a:effectLst>
+                <a:latin typeface="Arial" panose="020B0604020202020204" pitchFamily="34" charset="0"/>
+              </a:rPr>
+              <a:t>Параметры </a:t>
+            </a:r>
+            <a:r>
+              <a:rPr lang="ru-RU" sz="1400" b="1" dirty="0" smtClean="0">
+                <a:effectLst>
+                  <a:outerShdw blurRad="38100" dist="38100" dir="2700000" algn="tl">
+                    <a:srgbClr val="C0C0C0"/>
+                  </a:outerShdw>
+                </a:effectLst>
+                <a:latin typeface="Arial" panose="020B0604020202020204" pitchFamily="34" charset="0"/>
+              </a:rPr>
+              <a:t>течения в ударной трубе</a:t>
+            </a:r>
+            <a:endParaRPr lang="ru-RU" sz="1400" b="1" dirty="0">
+              <a:effectLst>
+                <a:outerShdw blurRad="38100" dist="38100" dir="2700000" algn="tl">
+                  <a:srgbClr val="C0C0C0"/>
+                </a:outerShdw>
+              </a:effectLst>
+              <a:latin typeface="Arial" panose="020B0604020202020204" pitchFamily="34" charset="0"/>
+            </a:endParaRPr>
+          </a:p>
+          <a:p>
+            <a:pPr marL="342900" indent="-342900" eaLnBrk="0" hangingPunct="0">
+              <a:lnSpc>
+                <a:spcPct val="80000"/>
+              </a:lnSpc>
+              <a:spcBef>
+                <a:spcPct val="20000"/>
+              </a:spcBef>
+              <a:buClr>
+                <a:schemeClr val="hlink"/>
+              </a:buClr>
+              <a:buSzPct val="80000"/>
+              <a:buFont typeface="Wingdings" pitchFamily="2" charset="2"/>
+              <a:buChar char="q"/>
+              <a:defRPr/>
+            </a:pPr>
+            <a:endParaRPr lang="ru-RU" sz="1400" dirty="0">
+              <a:latin typeface="Arial" panose="020B0604020202020204" pitchFamily="34" charset="0"/>
+            </a:endParaRPr>
+          </a:p>
+          <a:p>
+            <a:pPr marL="342900" indent="-342900" eaLnBrk="0" hangingPunct="0">
+              <a:spcBef>
+                <a:spcPts val="300"/>
+              </a:spcBef>
+              <a:buSzPct val="150000"/>
+              <a:buFont typeface="Wingdings" pitchFamily="2" charset="2"/>
+              <a:buChar char="§"/>
+              <a:defRPr/>
+            </a:pPr>
+            <a:r>
+              <a:rPr lang="ru-RU" sz="1400" dirty="0">
+                <a:latin typeface="Arial" panose="020B0604020202020204" pitchFamily="34" charset="0"/>
+              </a:rPr>
+              <a:t>рабочий газ - воздух</a:t>
+            </a:r>
+          </a:p>
+          <a:p>
+            <a:pPr marL="342900" indent="-342900" eaLnBrk="0" hangingPunct="0">
+              <a:spcBef>
+                <a:spcPts val="300"/>
+              </a:spcBef>
+              <a:buSzPct val="150000"/>
+              <a:buFont typeface="Wingdings" pitchFamily="2" charset="2"/>
+              <a:buChar char="§"/>
+              <a:defRPr/>
+            </a:pPr>
+            <a:r>
+              <a:rPr lang="ru-RU" sz="1400" dirty="0" smtClean="0">
+                <a:latin typeface="Arial" panose="020B0604020202020204" pitchFamily="34" charset="0"/>
+              </a:rPr>
+              <a:t>числа </a:t>
+            </a:r>
+            <a:r>
+              <a:rPr lang="ru-RU" sz="1400" dirty="0">
+                <a:latin typeface="Arial" panose="020B0604020202020204" pitchFamily="34" charset="0"/>
+              </a:rPr>
+              <a:t>Маха УВ  </a:t>
+            </a:r>
+            <a:r>
+              <a:rPr lang="ru-RU" sz="1400" dirty="0" smtClean="0">
+                <a:latin typeface="Arial" panose="020B0604020202020204" pitchFamily="34" charset="0"/>
+              </a:rPr>
+              <a:t>2.8</a:t>
+            </a:r>
+            <a:r>
+              <a:rPr lang="en-US" sz="1400" dirty="0" smtClean="0">
+                <a:latin typeface="Arial" panose="020B0604020202020204" pitchFamily="34" charset="0"/>
+              </a:rPr>
+              <a:t>÷</a:t>
+            </a:r>
+            <a:r>
+              <a:rPr lang="ru-RU" sz="1400" dirty="0" smtClean="0">
+                <a:latin typeface="Arial" panose="020B0604020202020204" pitchFamily="34" charset="0"/>
+              </a:rPr>
+              <a:t>4.2</a:t>
+            </a:r>
+            <a:endParaRPr lang="ru-RU" sz="1400" dirty="0">
+              <a:latin typeface="Arial" panose="020B0604020202020204" pitchFamily="34" charset="0"/>
+            </a:endParaRPr>
+          </a:p>
+          <a:p>
+            <a:pPr marL="342900" indent="-342900" eaLnBrk="0" hangingPunct="0">
+              <a:spcBef>
+                <a:spcPts val="300"/>
+              </a:spcBef>
+              <a:buSzPct val="150000"/>
+              <a:buFont typeface="Wingdings" pitchFamily="2" charset="2"/>
+              <a:buChar char="§"/>
+              <a:defRPr/>
+            </a:pPr>
+            <a:r>
+              <a:rPr lang="ru-RU" sz="1400" dirty="0">
+                <a:latin typeface="Arial" panose="020B0604020202020204" pitchFamily="34" charset="0"/>
+              </a:rPr>
+              <a:t>скорость потока до </a:t>
+            </a:r>
+            <a:r>
+              <a:rPr lang="ru-RU" sz="1400" dirty="0" smtClean="0">
+                <a:latin typeface="Arial" panose="020B0604020202020204" pitchFamily="34" charset="0"/>
+              </a:rPr>
+              <a:t>1100 </a:t>
+            </a:r>
+            <a:r>
+              <a:rPr lang="ru-RU" sz="1400" dirty="0">
+                <a:latin typeface="Arial" panose="020B0604020202020204" pitchFamily="34" charset="0"/>
+              </a:rPr>
+              <a:t>м/с</a:t>
+            </a:r>
+            <a:r>
+              <a:rPr lang="en-US" sz="1400" dirty="0">
+                <a:latin typeface="Arial" panose="020B0604020202020204" pitchFamily="34" charset="0"/>
+              </a:rPr>
+              <a:t> </a:t>
+            </a:r>
+            <a:r>
+              <a:rPr lang="ru-RU" sz="1400" dirty="0">
+                <a:latin typeface="Arial" panose="020B0604020202020204" pitchFamily="34" charset="0"/>
+              </a:rPr>
+              <a:t/>
+            </a:r>
+            <a:br>
+              <a:rPr lang="ru-RU" sz="1400" dirty="0">
+                <a:latin typeface="Arial" panose="020B0604020202020204" pitchFamily="34" charset="0"/>
+              </a:rPr>
+            </a:br>
+            <a:r>
+              <a:rPr lang="en-US" sz="1400" i="1" dirty="0">
+                <a:latin typeface="Arial" panose="020B0604020202020204" pitchFamily="34" charset="0"/>
+              </a:rPr>
+              <a:t>(</a:t>
+            </a:r>
+            <a:r>
+              <a:rPr lang="ru-RU" sz="1400" i="1" dirty="0">
+                <a:latin typeface="Arial" panose="020B0604020202020204" pitchFamily="34" charset="0"/>
+              </a:rPr>
+              <a:t>числа Маха потока до </a:t>
+            </a:r>
+            <a:r>
+              <a:rPr lang="ru-RU" sz="1400" i="1" dirty="0" smtClean="0">
+                <a:latin typeface="Arial" panose="020B0604020202020204" pitchFamily="34" charset="0"/>
+              </a:rPr>
+              <a:t>1.6</a:t>
+            </a:r>
+            <a:r>
+              <a:rPr lang="en-US" sz="1400" i="1" dirty="0" smtClean="0">
+                <a:latin typeface="Arial" panose="020B0604020202020204" pitchFamily="34" charset="0"/>
+              </a:rPr>
+              <a:t>)</a:t>
+            </a:r>
+            <a:endParaRPr lang="ru-RU" sz="1400" i="1" dirty="0">
+              <a:latin typeface="Arial" panose="020B0604020202020204" pitchFamily="34" charset="0"/>
+            </a:endParaRPr>
+          </a:p>
+          <a:p>
+            <a:pPr marL="342900" indent="-342900" eaLnBrk="0" hangingPunct="0">
+              <a:spcBef>
+                <a:spcPts val="300"/>
+              </a:spcBef>
+              <a:buSzPct val="150000"/>
+              <a:buFont typeface="Wingdings" pitchFamily="2" charset="2"/>
+              <a:buChar char="§"/>
+              <a:defRPr/>
+            </a:pPr>
+            <a:r>
+              <a:rPr lang="ru-RU" sz="1400" dirty="0" smtClean="0">
+                <a:latin typeface="Arial" panose="020B0604020202020204" pitchFamily="34" charset="0"/>
+              </a:rPr>
+              <a:t>плотность </a:t>
+            </a:r>
+            <a:r>
+              <a:rPr lang="en-US" sz="1400" dirty="0" smtClean="0">
+                <a:latin typeface="Arial" panose="020B0604020202020204" pitchFamily="34" charset="0"/>
+              </a:rPr>
+              <a:t>0.</a:t>
+            </a:r>
+            <a:r>
+              <a:rPr lang="ru-RU" sz="1400" dirty="0" smtClean="0">
+                <a:latin typeface="Arial" panose="020B0604020202020204" pitchFamily="34" charset="0"/>
+              </a:rPr>
+              <a:t>05-</a:t>
+            </a:r>
+            <a:r>
+              <a:rPr lang="en-US" sz="1400" dirty="0" smtClean="0">
+                <a:latin typeface="Arial" panose="020B0604020202020204" pitchFamily="34" charset="0"/>
+              </a:rPr>
+              <a:t>0.</a:t>
+            </a:r>
+            <a:r>
+              <a:rPr lang="ru-RU" sz="1400" dirty="0" smtClean="0">
+                <a:latin typeface="Arial" panose="020B0604020202020204" pitchFamily="34" charset="0"/>
+              </a:rPr>
+              <a:t>35</a:t>
+            </a:r>
+            <a:r>
+              <a:rPr lang="en-US" sz="1400" dirty="0">
+                <a:latin typeface="Arial" panose="020B0604020202020204" pitchFamily="34" charset="0"/>
+              </a:rPr>
+              <a:t> </a:t>
+            </a:r>
+            <a:r>
+              <a:rPr lang="ru-RU" sz="1400" dirty="0">
+                <a:latin typeface="Arial" panose="020B0604020202020204" pitchFamily="34" charset="0"/>
+              </a:rPr>
+              <a:t>кг</a:t>
+            </a:r>
+            <a:r>
+              <a:rPr lang="en-US" sz="1400" dirty="0">
+                <a:latin typeface="Arial" panose="020B0604020202020204" pitchFamily="34" charset="0"/>
+              </a:rPr>
+              <a:t>/</a:t>
+            </a:r>
+            <a:r>
+              <a:rPr lang="ru-RU" sz="1400" dirty="0">
+                <a:latin typeface="Arial" panose="020B0604020202020204" pitchFamily="34" charset="0"/>
+              </a:rPr>
+              <a:t>м</a:t>
+            </a:r>
+            <a:r>
+              <a:rPr lang="en-US" sz="1400" baseline="30000" dirty="0">
+                <a:latin typeface="Arial" panose="020B0604020202020204" pitchFamily="34" charset="0"/>
+              </a:rPr>
+              <a:t>3</a:t>
+            </a:r>
+            <a:endParaRPr lang="ru-RU" sz="1400" dirty="0">
+              <a:latin typeface="Arial" panose="020B0604020202020204" pitchFamily="34" charset="0"/>
+            </a:endParaRPr>
+          </a:p>
+          <a:p>
+            <a:pPr marL="342900" indent="-342900" eaLnBrk="0" hangingPunct="0">
+              <a:spcBef>
+                <a:spcPts val="300"/>
+              </a:spcBef>
+              <a:buSzPct val="150000"/>
+              <a:buFont typeface="Wingdings" pitchFamily="2" charset="2"/>
+              <a:buChar char="§"/>
+              <a:defRPr/>
+            </a:pPr>
+            <a:r>
+              <a:rPr lang="ru-RU" sz="1400" dirty="0">
+                <a:latin typeface="Arial" panose="020B0604020202020204" pitchFamily="34" charset="0"/>
+              </a:rPr>
+              <a:t>числа Рейнольдса  ~</a:t>
+            </a:r>
+            <a:r>
+              <a:rPr lang="ru-RU" sz="1400" dirty="0" smtClean="0">
+                <a:latin typeface="Arial" panose="020B0604020202020204" pitchFamily="34" charset="0"/>
+              </a:rPr>
+              <a:t>10</a:t>
+            </a:r>
+            <a:r>
+              <a:rPr lang="ru-RU" sz="1400" baseline="30000" dirty="0" smtClean="0">
+                <a:latin typeface="Arial" panose="020B0604020202020204" pitchFamily="34" charset="0"/>
+              </a:rPr>
+              <a:t>5</a:t>
+            </a:r>
+            <a:endParaRPr lang="ru-RU" sz="1400" baseline="30000" dirty="0">
+              <a:latin typeface="Arial" panose="020B0604020202020204" pitchFamily="34" charset="0"/>
+            </a:endParaRPr>
+          </a:p>
+          <a:p>
+            <a:pPr marL="342900" indent="-342900" eaLnBrk="0" hangingPunct="0">
+              <a:spcBef>
+                <a:spcPts val="300"/>
+              </a:spcBef>
+              <a:buSzPct val="150000"/>
+              <a:buFont typeface="Wingdings" pitchFamily="2" charset="2"/>
+              <a:buChar char="§"/>
+              <a:defRPr/>
+            </a:pPr>
+            <a:r>
+              <a:rPr lang="ru-RU" sz="1400" dirty="0">
+                <a:latin typeface="Arial" panose="020B0604020202020204" pitchFamily="34" charset="0"/>
+              </a:rPr>
+              <a:t>сечение канала </a:t>
+            </a:r>
+            <a:r>
+              <a:rPr lang="en-US" sz="1400" dirty="0">
+                <a:latin typeface="Arial" panose="020B0604020202020204" pitchFamily="34" charset="0"/>
+              </a:rPr>
+              <a:t>24</a:t>
+            </a:r>
+            <a:r>
+              <a:rPr lang="en-US" sz="1400" dirty="0">
+                <a:latin typeface="Arial" panose="020B0604020202020204" pitchFamily="34" charset="0"/>
+                <a:sym typeface="Symbol" pitchFamily="18" charset="2"/>
+              </a:rPr>
+              <a:t>48 </a:t>
+            </a:r>
+            <a:r>
+              <a:rPr lang="ru-RU" sz="1400" dirty="0">
+                <a:latin typeface="Arial" panose="020B0604020202020204" pitchFamily="34" charset="0"/>
+                <a:sym typeface="Symbol" pitchFamily="18" charset="2"/>
+              </a:rPr>
+              <a:t>мм</a:t>
+            </a:r>
+            <a:r>
+              <a:rPr lang="en-US" sz="1400" baseline="30000" dirty="0">
+                <a:latin typeface="Arial" panose="020B0604020202020204" pitchFamily="34" charset="0"/>
+                <a:sym typeface="Symbol" pitchFamily="18" charset="2"/>
+              </a:rPr>
+              <a:t>2</a:t>
+            </a:r>
+            <a:endParaRPr lang="ru-RU" sz="1400" baseline="30000" dirty="0">
+              <a:latin typeface="Arial" panose="020B0604020202020204" pitchFamily="34" charset="0"/>
+              <a:sym typeface="Symbol" pitchFamily="18" charset="2"/>
+            </a:endParaRPr>
+          </a:p>
+        </p:txBody>
+      </p:sp>
+      <p:sp>
+        <p:nvSpPr>
+          <p:cNvPr id="17" name="CustomShape 3"/>
+          <p:cNvSpPr/>
+          <p:nvPr/>
+        </p:nvSpPr>
+        <p:spPr>
+          <a:xfrm>
+            <a:off x="247478" y="4269122"/>
+            <a:ext cx="4565153" cy="2308142"/>
+          </a:xfrm>
+          <a:prstGeom prst="rect">
+            <a:avLst/>
+          </a:prstGeom>
+          <a:noFill/>
+          <a:ln>
+            <a:noFill/>
+          </a:ln>
+        </p:spPr>
+        <p:style>
+          <a:lnRef idx="0">
+            <a:scrgbClr r="0" g="0" b="0"/>
+          </a:lnRef>
+          <a:fillRef idx="0">
+            <a:scrgbClr r="0" g="0" b="0"/>
+          </a:fillRef>
+          <a:effectRef idx="0">
+            <a:scrgbClr r="0" g="0" b="0"/>
+          </a:effectRef>
+          <a:fontRef idx="minor"/>
+        </p:style>
+        <p:txBody>
+          <a:bodyPr lIns="90000" tIns="45000" rIns="90000" bIns="45000"/>
+          <a:lstStyle/>
+          <a:p>
+            <a:pPr marL="360" algn="ctr">
+              <a:lnSpc>
+                <a:spcPct val="100000"/>
+              </a:lnSpc>
+              <a:buClr>
+                <a:srgbClr val="000000"/>
+              </a:buClr>
+            </a:pPr>
+            <a:r>
+              <a:rPr lang="ru-RU" sz="1600" b="1" strike="noStrike" spc="-1" dirty="0" smtClean="0">
+                <a:solidFill>
+                  <a:srgbClr val="000000"/>
+                </a:solidFill>
+                <a:uFill>
+                  <a:solidFill>
+                    <a:srgbClr val="FFFFFF"/>
+                  </a:solidFill>
+                </a:uFill>
+                <a:latin typeface="Times New Roman" panose="02020603050405020304" pitchFamily="18" charset="0"/>
+                <a:cs typeface="Times New Roman" panose="02020603050405020304" pitchFamily="18" charset="0"/>
+              </a:rPr>
+              <a:t>Оборудование</a:t>
+            </a:r>
+          </a:p>
+          <a:p>
+            <a:pPr marL="285840" indent="-285480">
+              <a:spcBef>
+                <a:spcPts val="600"/>
+              </a:spcBef>
+              <a:buClr>
+                <a:srgbClr val="000000"/>
+              </a:buClr>
+              <a:buFont typeface="Arial"/>
+              <a:buChar char="•"/>
+            </a:pPr>
+            <a:r>
+              <a:rPr lang="ru-RU" sz="1600" b="0" strike="noStrike" spc="-1" dirty="0" smtClean="0">
+                <a:solidFill>
+                  <a:srgbClr val="000000"/>
+                </a:solidFill>
+                <a:uFill>
+                  <a:solidFill>
+                    <a:srgbClr val="FFFFFF"/>
+                  </a:solidFill>
+                </a:uFill>
+                <a:latin typeface="Times New Roman" panose="02020603050405020304" pitchFamily="18" charset="0"/>
+                <a:cs typeface="Times New Roman" panose="02020603050405020304" pitchFamily="18" charset="0"/>
+              </a:rPr>
+              <a:t>Спектрометр AvaSpec-2048 (200-1100 </a:t>
+            </a:r>
+            <a:r>
+              <a:rPr lang="ru-RU" sz="1600" b="0" strike="noStrike" spc="-1" dirty="0" err="1" smtClean="0">
+                <a:solidFill>
+                  <a:srgbClr val="000000"/>
+                </a:solidFill>
+                <a:uFill>
+                  <a:solidFill>
+                    <a:srgbClr val="FFFFFF"/>
+                  </a:solidFill>
+                </a:uFill>
+                <a:latin typeface="Times New Roman" panose="02020603050405020304" pitchFamily="18" charset="0"/>
+                <a:cs typeface="Times New Roman" panose="02020603050405020304" pitchFamily="18" charset="0"/>
+              </a:rPr>
+              <a:t>нм</a:t>
+            </a:r>
+            <a:r>
+              <a:rPr lang="ru-RU" sz="1600" b="0" strike="noStrike" spc="-1" dirty="0" smtClean="0">
+                <a:solidFill>
+                  <a:srgbClr val="000000"/>
+                </a:solidFill>
+                <a:uFill>
+                  <a:solidFill>
+                    <a:srgbClr val="FFFFFF"/>
+                  </a:solidFill>
+                </a:uFill>
+                <a:latin typeface="Times New Roman" panose="02020603050405020304" pitchFamily="18" charset="0"/>
+                <a:cs typeface="Times New Roman" panose="02020603050405020304" pitchFamily="18" charset="0"/>
+              </a:rPr>
+              <a:t>)</a:t>
+            </a:r>
+            <a:endParaRPr lang="ru-RU" sz="1600" b="0" strike="noStrike" spc="-1" dirty="0">
+              <a:solidFill>
+                <a:srgbClr val="000000"/>
+              </a:solidFill>
+              <a:uFill>
+                <a:solidFill>
+                  <a:srgbClr val="FFFFFF"/>
+                </a:solidFill>
+              </a:uFill>
+              <a:latin typeface="Times New Roman" panose="02020603050405020304" pitchFamily="18" charset="0"/>
+              <a:cs typeface="Times New Roman" panose="02020603050405020304" pitchFamily="18" charset="0"/>
+            </a:endParaRPr>
+          </a:p>
+          <a:p>
+            <a:pPr marL="285840" indent="-285480">
+              <a:spcBef>
+                <a:spcPts val="600"/>
+              </a:spcBef>
+              <a:buClr>
+                <a:srgbClr val="000000"/>
+              </a:buClr>
+              <a:buFont typeface="Arial"/>
+              <a:buChar char="•"/>
+            </a:pPr>
+            <a:r>
+              <a:rPr lang="ru-RU" sz="1600" b="0" strike="noStrike" spc="-1" dirty="0" err="1" smtClean="0">
+                <a:solidFill>
+                  <a:srgbClr val="000000"/>
+                </a:solidFill>
+                <a:uFill>
+                  <a:solidFill>
+                    <a:srgbClr val="FFFFFF"/>
+                  </a:solidFill>
+                </a:uFill>
+                <a:latin typeface="Times New Roman" panose="02020603050405020304" pitchFamily="18" charset="0"/>
+                <a:cs typeface="Times New Roman" panose="02020603050405020304" pitchFamily="18" charset="0"/>
+              </a:rPr>
+              <a:t>Малоиндуктивный</a:t>
+            </a:r>
+            <a:r>
+              <a:rPr lang="ru-RU" sz="1600" b="0" strike="noStrike" spc="-1" dirty="0" smtClean="0">
+                <a:solidFill>
+                  <a:srgbClr val="000000"/>
+                </a:solidFill>
+                <a:uFill>
+                  <a:solidFill>
+                    <a:srgbClr val="FFFFFF"/>
+                  </a:solidFill>
+                </a:uFill>
+                <a:latin typeface="Times New Roman" panose="02020603050405020304" pitchFamily="18" charset="0"/>
+                <a:cs typeface="Times New Roman" panose="02020603050405020304" pitchFamily="18" charset="0"/>
+              </a:rPr>
+              <a:t> шунт для регистрации тока разряда</a:t>
+            </a:r>
+            <a:endParaRPr lang="ru-RU" sz="1600" b="0" strike="noStrike" spc="-1" dirty="0">
+              <a:solidFill>
+                <a:srgbClr val="000000"/>
+              </a:solidFill>
+              <a:uFill>
+                <a:solidFill>
+                  <a:srgbClr val="FFFFFF"/>
+                </a:solidFill>
+              </a:uFill>
+              <a:latin typeface="Times New Roman" panose="02020603050405020304" pitchFamily="18" charset="0"/>
+              <a:cs typeface="Times New Roman" panose="02020603050405020304" pitchFamily="18" charset="0"/>
+            </a:endParaRPr>
+          </a:p>
+          <a:p>
+            <a:pPr marL="285840" indent="-285480">
+              <a:spcBef>
+                <a:spcPts val="600"/>
+              </a:spcBef>
+              <a:buClr>
+                <a:srgbClr val="000000"/>
+              </a:buClr>
+              <a:buFont typeface="Arial"/>
+              <a:buChar char="•"/>
+            </a:pPr>
+            <a:r>
+              <a:rPr lang="ru-RU" sz="1600" b="0" strike="noStrike" spc="-1" dirty="0" smtClean="0">
+                <a:solidFill>
+                  <a:srgbClr val="000000"/>
+                </a:solidFill>
+                <a:uFill>
+                  <a:solidFill>
+                    <a:srgbClr val="FFFFFF"/>
+                  </a:solidFill>
+                </a:uFill>
+                <a:latin typeface="Times New Roman" panose="02020603050405020304" pitchFamily="18" charset="0"/>
+                <a:cs typeface="Times New Roman" panose="02020603050405020304" pitchFamily="18" charset="0"/>
+              </a:rPr>
+              <a:t>Высокоскоростная камера (частота кадров 750000 к/с, время экспозиции 1 мкс) для регистрации поля течения (теневая визуализация)</a:t>
+            </a:r>
+            <a:endParaRPr lang="ru-RU" sz="1600" b="0" strike="noStrike" spc="-1" dirty="0">
+              <a:solidFill>
+                <a:srgbClr val="000000"/>
+              </a:solidFill>
+              <a:uFill>
+                <a:solidFill>
+                  <a:srgbClr val="FFFFFF"/>
+                </a:solidFill>
+              </a:uFill>
+              <a:latin typeface="Times New Roman" panose="02020603050405020304" pitchFamily="18" charset="0"/>
+              <a:cs typeface="Times New Roman" panose="02020603050405020304" pitchFamily="18" charset="0"/>
+            </a:endParaRPr>
+          </a:p>
+        </p:txBody>
+      </p:sp>
+      <p:sp>
+        <p:nvSpPr>
+          <p:cNvPr id="2" name="Номер слайда 1"/>
+          <p:cNvSpPr>
+            <a:spLocks noGrp="1"/>
+          </p:cNvSpPr>
+          <p:nvPr>
+            <p:ph type="sldNum" sz="quarter" idx="12"/>
+          </p:nvPr>
+        </p:nvSpPr>
+        <p:spPr/>
+        <p:txBody>
+          <a:bodyPr/>
+          <a:lstStyle/>
+          <a:p>
+            <a:fld id="{9FAB18EA-D421-4479-A48C-D4262B204458}" type="slidenum">
+              <a:rPr lang="ru-RU" smtClean="0"/>
+              <a:t>4</a:t>
+            </a:fld>
+            <a:endParaRPr lang="ru-RU"/>
           </a:p>
         </p:txBody>
       </p:sp>
@@ -5320,7 +6601,7 @@
               <a:rPr lang="ru-RU" sz="3600" b="1" u="sng" dirty="0" smtClean="0">
                 <a:latin typeface="Arial Black" panose="020B0A04020102020204" pitchFamily="34" charset="0"/>
               </a:rPr>
-              <a:t>Экспериментальная установка</a:t>
+              <a:t>Поверхностный скользящий разряд</a:t>
             </a:r>
             <a:endParaRPr lang="ru-RU" sz="3600" b="1" u="sng" dirty="0">
               <a:latin typeface="Arial Black" panose="020B0A04020102020204" pitchFamily="34" charset="0"/>
@@ -5328,207 +6609,66 @@
           </a:p>
         </p:txBody>
       </p:sp>
-      <p:grpSp>
-        <p:nvGrpSpPr>
-          <p:cNvPr id="5" name="Группа 4"/>
-          <p:cNvGrpSpPr/>
+      <p:pic>
+        <p:nvPicPr>
+          <p:cNvPr id="6" name="Picture 2"/>
+          <p:cNvPicPr>
+            <a:picLocks noChangeAspect="1" noChangeArrowheads="1"/>
+          </p:cNvPicPr>
           <p:nvPr/>
-        </p:nvGrpSpPr>
-        <p:grpSpPr>
-          <a:xfrm>
-            <a:off x="2548681" y="1648632"/>
-            <a:ext cx="7976153" cy="4567073"/>
-            <a:chOff x="3088295" y="1885735"/>
-            <a:chExt cx="6693467" cy="4062877"/>
-          </a:xfrm>
-        </p:grpSpPr>
-        <p:pic>
-          <p:nvPicPr>
-            <p:cNvPr id="6" name="Picture 2"/>
-            <p:cNvPicPr>
-              <a:picLocks noChangeAspect="1" noChangeArrowheads="1"/>
-            </p:cNvPicPr>
-            <p:nvPr/>
-          </p:nvPicPr>
-          <p:blipFill>
-            <a:blip r:embed="rId2">
-              <a:extLst>
-                <a:ext uri="{28A0092B-C50C-407E-A947-70E740481C1C}">
-                  <a14:useLocalDpi xmlns:a14="http://schemas.microsoft.com/office/drawing/2010/main" val="0"/>
-                </a:ext>
-              </a:extLst>
-            </a:blip>
-            <a:srcRect/>
-            <a:stretch>
-              <a:fillRect/>
-            </a:stretch>
-          </p:blipFill>
-          <p:spPr bwMode="auto">
-            <a:xfrm>
-              <a:off x="3088295" y="1885735"/>
-              <a:ext cx="5745549" cy="4062877"/>
-            </a:xfrm>
-            <a:prstGeom prst="rect">
-              <a:avLst/>
-            </a:prstGeom>
-            <a:ln>
-              <a:noFill/>
-            </a:ln>
-            <a:effectLst>
-              <a:outerShdw blurRad="292100" dist="139700" dir="2700000" algn="tl" rotWithShape="0">
-                <a:srgbClr val="333333">
-                  <a:alpha val="65000"/>
-                </a:srgbClr>
-              </a:outerShdw>
-            </a:effectLst>
+        </p:nvPicPr>
+        <p:blipFill>
+          <a:blip r:embed="rId2">
             <a:extLst>
-              <a:ext uri="{909E8E84-426E-40DD-AFC4-6F175D3DCCD1}">
-                <a14:hiddenFill xmlns:a14="http://schemas.microsoft.com/office/drawing/2010/main">
-                  <a:solidFill>
-                    <a:schemeClr val="accent1"/>
-                  </a:solidFill>
-                </a14:hiddenFill>
-              </a:ext>
-              <a:ext uri="{91240B29-F687-4F45-9708-019B960494DF}">
-                <a14:hiddenLine xmlns:a14="http://schemas.microsoft.com/office/drawing/2010/main" w="9525">
-                  <a:solidFill>
-                    <a:schemeClr val="tx1"/>
-                  </a:solidFill>
-                  <a:miter lim="800000"/>
-                  <a:headEnd/>
-                  <a:tailEnd/>
-                </a14:hiddenLine>
+              <a:ext uri="{28A0092B-C50C-407E-A947-70E740481C1C}">
+                <a14:useLocalDpi xmlns:a14="http://schemas.microsoft.com/office/drawing/2010/main" val="0"/>
               </a:ext>
             </a:extLst>
-          </p:spPr>
-        </p:pic>
-        <p:cxnSp>
-          <p:nvCxnSpPr>
-            <p:cNvPr id="7" name="Прямая со стрелкой 6"/>
-            <p:cNvCxnSpPr/>
-            <p:nvPr/>
-          </p:nvCxnSpPr>
-          <p:spPr>
-            <a:xfrm flipV="1">
-              <a:off x="8921371" y="2073772"/>
-              <a:ext cx="0" cy="612000"/>
-            </a:xfrm>
-            <a:prstGeom prst="straightConnector1">
-              <a:avLst/>
-            </a:prstGeom>
-            <a:ln>
-              <a:tailEnd type="arrow"/>
-            </a:ln>
-          </p:spPr>
-          <p:style>
-            <a:lnRef idx="3">
-              <a:schemeClr val="dk1"/>
-            </a:lnRef>
-            <a:fillRef idx="0">
-              <a:schemeClr val="dk1"/>
-            </a:fillRef>
-            <a:effectRef idx="2">
-              <a:schemeClr val="dk1"/>
-            </a:effectRef>
-            <a:fontRef idx="minor">
-              <a:schemeClr val="tx1"/>
-            </a:fontRef>
-          </p:style>
-        </p:cxnSp>
-        <p:cxnSp>
-          <p:nvCxnSpPr>
-            <p:cNvPr id="8" name="Прямая со стрелкой 7"/>
-            <p:cNvCxnSpPr/>
-            <p:nvPr/>
-          </p:nvCxnSpPr>
-          <p:spPr>
-            <a:xfrm rot="5400000" flipV="1">
-              <a:off x="9227371" y="2379772"/>
-              <a:ext cx="0" cy="612000"/>
-            </a:xfrm>
-            <a:prstGeom prst="straightConnector1">
-              <a:avLst/>
-            </a:prstGeom>
-            <a:ln>
-              <a:tailEnd type="arrow"/>
-            </a:ln>
-          </p:spPr>
-          <p:style>
-            <a:lnRef idx="3">
-              <a:schemeClr val="dk1"/>
-            </a:lnRef>
-            <a:fillRef idx="0">
-              <a:schemeClr val="dk1"/>
-            </a:fillRef>
-            <a:effectRef idx="2">
-              <a:schemeClr val="dk1"/>
-            </a:effectRef>
-            <a:fontRef idx="minor">
-              <a:schemeClr val="tx1"/>
-            </a:fontRef>
-          </p:style>
-        </p:cxnSp>
-        <p:sp>
-          <p:nvSpPr>
-            <p:cNvPr id="9" name="TextBox 8"/>
-            <p:cNvSpPr txBox="1"/>
-            <p:nvPr/>
-          </p:nvSpPr>
-          <p:spPr>
-            <a:xfrm>
-              <a:off x="9245425" y="2695536"/>
-              <a:ext cx="536337" cy="338554"/>
-            </a:xfrm>
-            <a:prstGeom prst="rect">
-              <a:avLst/>
-            </a:prstGeom>
+          </a:blip>
+          <a:srcRect/>
+          <a:stretch>
+            <a:fillRect/>
+          </a:stretch>
+        </p:blipFill>
+        <p:spPr bwMode="auto">
+          <a:xfrm>
+            <a:off x="403824" y="2300351"/>
+            <a:ext cx="4835086" cy="3312084"/>
+          </a:xfrm>
+          <a:prstGeom prst="rect">
+            <a:avLst/>
+          </a:prstGeom>
+          <a:ln>
             <a:noFill/>
-          </p:spPr>
-          <p:txBody>
-            <a:bodyPr wrap="square" rtlCol="0">
-              <a:spAutoFit/>
-            </a:bodyPr>
-            <a:lstStyle/>
-            <a:p>
-              <a:r>
-                <a:rPr lang="en-US" sz="1600" b="1" dirty="0"/>
-                <a:t>x</a:t>
-              </a:r>
-              <a:endParaRPr lang="ru-RU" sz="1600" b="1" dirty="0"/>
-            </a:p>
-          </p:txBody>
-        </p:sp>
-        <p:sp>
-          <p:nvSpPr>
-            <p:cNvPr id="10" name="TextBox 9"/>
-            <p:cNvSpPr txBox="1"/>
-            <p:nvPr/>
-          </p:nvSpPr>
-          <p:spPr>
-            <a:xfrm>
-              <a:off x="8959202" y="2041218"/>
-              <a:ext cx="536337" cy="338554"/>
-            </a:xfrm>
-            <a:prstGeom prst="rect">
-              <a:avLst/>
-            </a:prstGeom>
-            <a:noFill/>
-          </p:spPr>
-          <p:txBody>
-            <a:bodyPr wrap="square" rtlCol="0">
-              <a:spAutoFit/>
-            </a:bodyPr>
-            <a:lstStyle/>
-            <a:p>
-              <a:r>
-                <a:rPr lang="en-US" sz="1600" b="1" dirty="0" smtClean="0"/>
-                <a:t>y</a:t>
-              </a:r>
-              <a:endParaRPr lang="ru-RU" sz="1600" b="1" dirty="0"/>
-            </a:p>
-          </p:txBody>
-        </p:sp>
-      </p:grpSp>
+          </a:ln>
+          <a:effectLst>
+            <a:outerShdw blurRad="292100" dist="139700" dir="2700000" algn="tl" rotWithShape="0">
+              <a:srgbClr val="333333">
+                <a:alpha val="65000"/>
+              </a:srgbClr>
+            </a:outerShdw>
+          </a:effectLst>
+          <a:extLst>
+            <a:ext uri="{909E8E84-426E-40DD-AFC4-6F175D3DCCD1}">
+              <a14:hiddenFill xmlns:a14="http://schemas.microsoft.com/office/drawing/2010/main">
+                <a:solidFill>
+                  <a:schemeClr val="accent1"/>
+                </a:solidFill>
+              </a14:hiddenFill>
+            </a:ext>
+            <a:ext uri="{91240B29-F687-4F45-9708-019B960494DF}">
+              <a14:hiddenLine xmlns:a14="http://schemas.microsoft.com/office/drawing/2010/main" w="9525">
+                <a:solidFill>
+                  <a:schemeClr val="tx1"/>
+                </a:solidFill>
+                <a:miter lim="800000"/>
+                <a:headEnd/>
+                <a:tailEnd/>
+              </a14:hiddenLine>
+            </a:ext>
+          </a:extLst>
+        </p:spPr>
+      </p:pic>
       <p:sp>
         <p:nvSpPr>
           <p:cNvPr id="11" name="TextBox 10"/>
@@ -5537,12 +6677,13 @@
         </p:nvSpPr>
         <p:spPr>
           <a:xfrm>
-            <a:off x="2747628" y="6111249"/>
-            <a:ext cx="6696744" cy="400110"/>
+            <a:off x="-527005" y="5612435"/>
+            <a:ext cx="6696744" cy="338554"/>
           </a:xfrm>
           <a:prstGeom prst="rect">
             <a:avLst/>
           </a:prstGeom>
+          <a:noFill/>
           <a:ln>
             <a:noFill/>
           </a:ln>
@@ -5569,7 +6710,7 @@
           <a:p>
             <a:pPr algn="ctr"/>
             <a:r>
-              <a:rPr lang="ru-RU" sz="2000" b="1" i="1" dirty="0">
+              <a:rPr lang="ru-RU" sz="1600" b="1" i="1" dirty="0">
                 <a:solidFill>
                   <a:prstClr val="black"/>
                 </a:solidFill>
@@ -5577,7 +6718,7 @@
               <a:t>Схема разрядной </a:t>
             </a:r>
             <a:r>
-              <a:rPr lang="ru-RU" sz="2000" b="1" i="1" dirty="0" smtClean="0">
+              <a:rPr lang="ru-RU" sz="1600" b="1" i="1" dirty="0" smtClean="0">
                 <a:solidFill>
                   <a:prstClr val="black"/>
                 </a:solidFill>
@@ -5585,7 +6726,7 @@
               <a:t>камеры </a:t>
             </a:r>
             <a:r>
-              <a:rPr lang="ru-RU" sz="2000" b="1" i="1" dirty="0">
+              <a:rPr lang="ru-RU" sz="1600" b="1" i="1" dirty="0">
                 <a:solidFill>
                   <a:prstClr val="black"/>
                 </a:solidFill>
@@ -5593,19 +6734,1220 @@
               <a:t>(вид сверху</a:t>
             </a:r>
             <a:r>
-              <a:rPr lang="ru-RU" sz="2000" b="1" i="1" dirty="0" smtClean="0">
+              <a:rPr lang="ru-RU" sz="1600" b="1" i="1" dirty="0" smtClean="0">
                 <a:solidFill>
                   <a:prstClr val="black"/>
                 </a:solidFill>
               </a:rPr>
               <a:t>)</a:t>
             </a:r>
-            <a:endParaRPr lang="ru-RU" sz="2000" b="1" i="1" dirty="0">
+            <a:r>
+              <a:rPr lang="en-US" sz="1600" b="1" i="1" dirty="0" smtClean="0">
+                <a:solidFill>
+                  <a:prstClr val="black"/>
+                </a:solidFill>
+              </a:rPr>
+              <a:t>; </a:t>
+            </a:r>
+            <a:r>
+              <a:rPr lang="ru-RU" sz="1600" b="1" i="1" dirty="0" smtClean="0">
+                <a:solidFill>
+                  <a:prstClr val="black"/>
+                </a:solidFill>
+              </a:rPr>
+              <a:t>размеры в мм.</a:t>
+            </a:r>
+            <a:endParaRPr lang="ru-RU" sz="1600" b="1" i="1" dirty="0">
               <a:solidFill>
                 <a:prstClr val="black"/>
               </a:solidFill>
               <a:latin typeface="Arial"/>
             </a:endParaRPr>
+          </a:p>
+        </p:txBody>
+      </p:sp>
+      <p:pic>
+        <p:nvPicPr>
+          <p:cNvPr id="12" name="Рисунок 11"/>
+          <p:cNvPicPr>
+            <a:picLocks noChangeAspect="1"/>
+          </p:cNvPicPr>
+          <p:nvPr/>
+        </p:nvPicPr>
+        <p:blipFill>
+          <a:blip r:embed="rId3"/>
+          <a:stretch>
+            <a:fillRect/>
+          </a:stretch>
+        </p:blipFill>
+        <p:spPr>
+          <a:xfrm>
+            <a:off x="6619863" y="2658610"/>
+            <a:ext cx="5064516" cy="2595565"/>
+          </a:xfrm>
+          <a:prstGeom prst="rect">
+            <a:avLst/>
+          </a:prstGeom>
+        </p:spPr>
+      </p:pic>
+      <p:grpSp>
+        <p:nvGrpSpPr>
+          <p:cNvPr id="13" name="Group 47"/>
+          <p:cNvGrpSpPr>
+            <a:grpSpLocks/>
+          </p:cNvGrpSpPr>
+          <p:nvPr/>
+        </p:nvGrpSpPr>
+        <p:grpSpPr bwMode="auto">
+          <a:xfrm>
+            <a:off x="7855188" y="2338765"/>
+            <a:ext cx="1074605" cy="669522"/>
+            <a:chOff x="6130" y="1744"/>
+            <a:chExt cx="1064" cy="661"/>
+          </a:xfrm>
+        </p:grpSpPr>
+        <p:sp>
+          <p:nvSpPr>
+            <p:cNvPr id="14" name="Text Box 48"/>
+            <p:cNvSpPr txBox="1">
+              <a:spLocks noChangeArrowheads="1"/>
+            </p:cNvSpPr>
+            <p:nvPr/>
+          </p:nvSpPr>
+          <p:spPr bwMode="auto">
+            <a:xfrm>
+              <a:off x="6130" y="1744"/>
+              <a:ext cx="424" cy="349"/>
+            </a:xfrm>
+            <a:prstGeom prst="rect">
+              <a:avLst/>
+            </a:prstGeom>
+            <a:noFill/>
+            <a:ln>
+              <a:noFill/>
+            </a:ln>
+            <a:extLst>
+              <a:ext uri="{909E8E84-426E-40DD-AFC4-6F175D3DCCD1}">
+                <a14:hiddenFill xmlns:a14="http://schemas.microsoft.com/office/drawing/2010/main">
+                  <a:solidFill>
+                    <a:srgbClr val="BBE0E3"/>
+                  </a:solidFill>
+                </a14:hiddenFill>
+              </a:ext>
+              <a:ext uri="{91240B29-F687-4F45-9708-019B960494DF}">
+                <a14:hiddenLine xmlns:a14="http://schemas.microsoft.com/office/drawing/2010/main" w="9525">
+                  <a:solidFill>
+                    <a:srgbClr val="000000"/>
+                  </a:solidFill>
+                  <a:miter lim="800000"/>
+                  <a:headEnd/>
+                  <a:tailEnd/>
+                </a14:hiddenLine>
+              </a:ext>
+            </a:extLst>
+          </p:spPr>
+          <p:txBody>
+            <a:bodyPr/>
+            <a:lstStyle>
+              <a:lvl1pPr>
+                <a:spcBef>
+                  <a:spcPct val="20000"/>
+                </a:spcBef>
+                <a:buFont typeface="Arial" panose="020B0604020202020204" pitchFamily="34" charset="0"/>
+                <a:buChar char="•"/>
+                <a:defRPr sz="3200">
+                  <a:solidFill>
+                    <a:schemeClr val="tx1"/>
+                  </a:solidFill>
+                  <a:latin typeface="Calibri" panose="020F0502020204030204" pitchFamily="34" charset="0"/>
+                </a:defRPr>
+              </a:lvl1pPr>
+              <a:lvl2pPr marL="742950" indent="-285750">
+                <a:spcBef>
+                  <a:spcPct val="20000"/>
+                </a:spcBef>
+                <a:buFont typeface="Arial" panose="020B0604020202020204" pitchFamily="34" charset="0"/>
+                <a:buChar char="–"/>
+                <a:defRPr sz="2800">
+                  <a:solidFill>
+                    <a:schemeClr val="tx1"/>
+                  </a:solidFill>
+                  <a:latin typeface="Calibri" panose="020F0502020204030204" pitchFamily="34" charset="0"/>
+                </a:defRPr>
+              </a:lvl2pPr>
+              <a:lvl3pPr marL="1143000" indent="-228600">
+                <a:spcBef>
+                  <a:spcPct val="20000"/>
+                </a:spcBef>
+                <a:buFont typeface="Arial" panose="020B0604020202020204" pitchFamily="34" charset="0"/>
+                <a:buChar char="•"/>
+                <a:defRPr sz="2400">
+                  <a:solidFill>
+                    <a:schemeClr val="tx1"/>
+                  </a:solidFill>
+                  <a:latin typeface="Calibri" panose="020F0502020204030204" pitchFamily="34" charset="0"/>
+                </a:defRPr>
+              </a:lvl3pPr>
+              <a:lvl4pPr marL="1600200" indent="-228600">
+                <a:spcBef>
+                  <a:spcPct val="20000"/>
+                </a:spcBef>
+                <a:buFont typeface="Arial" panose="020B0604020202020204" pitchFamily="34" charset="0"/>
+                <a:buChar char="–"/>
+                <a:defRPr sz="2000">
+                  <a:solidFill>
+                    <a:schemeClr val="tx1"/>
+                  </a:solidFill>
+                  <a:latin typeface="Calibri" panose="020F0502020204030204" pitchFamily="34" charset="0"/>
+                </a:defRPr>
+              </a:lvl4pPr>
+              <a:lvl5pPr marL="2057400" indent="-228600">
+                <a:spcBef>
+                  <a:spcPct val="20000"/>
+                </a:spcBef>
+                <a:buFont typeface="Arial" panose="020B0604020202020204" pitchFamily="34" charset="0"/>
+                <a:buChar char="»"/>
+                <a:defRPr sz="2000">
+                  <a:solidFill>
+                    <a:schemeClr val="tx1"/>
+                  </a:solidFill>
+                  <a:latin typeface="Calibri" panose="020F0502020204030204" pitchFamily="34" charset="0"/>
+                </a:defRPr>
+              </a:lvl5pPr>
+              <a:lvl6pPr marL="2514600" indent="-228600" eaLnBrk="0" fontAlgn="base" hangingPunct="0">
+                <a:spcBef>
+                  <a:spcPct val="20000"/>
+                </a:spcBef>
+                <a:spcAft>
+                  <a:spcPct val="0"/>
+                </a:spcAft>
+                <a:buFont typeface="Arial" panose="020B0604020202020204" pitchFamily="34" charset="0"/>
+                <a:buChar char="»"/>
+                <a:defRPr sz="2000">
+                  <a:solidFill>
+                    <a:schemeClr val="tx1"/>
+                  </a:solidFill>
+                  <a:latin typeface="Calibri" panose="020F0502020204030204" pitchFamily="34" charset="0"/>
+                </a:defRPr>
+              </a:lvl6pPr>
+              <a:lvl7pPr marL="2971800" indent="-228600" eaLnBrk="0" fontAlgn="base" hangingPunct="0">
+                <a:spcBef>
+                  <a:spcPct val="20000"/>
+                </a:spcBef>
+                <a:spcAft>
+                  <a:spcPct val="0"/>
+                </a:spcAft>
+                <a:buFont typeface="Arial" panose="020B0604020202020204" pitchFamily="34" charset="0"/>
+                <a:buChar char="»"/>
+                <a:defRPr sz="2000">
+                  <a:solidFill>
+                    <a:schemeClr val="tx1"/>
+                  </a:solidFill>
+                  <a:latin typeface="Calibri" panose="020F0502020204030204" pitchFamily="34" charset="0"/>
+                </a:defRPr>
+              </a:lvl7pPr>
+              <a:lvl8pPr marL="3429000" indent="-228600" eaLnBrk="0" fontAlgn="base" hangingPunct="0">
+                <a:spcBef>
+                  <a:spcPct val="20000"/>
+                </a:spcBef>
+                <a:spcAft>
+                  <a:spcPct val="0"/>
+                </a:spcAft>
+                <a:buFont typeface="Arial" panose="020B0604020202020204" pitchFamily="34" charset="0"/>
+                <a:buChar char="»"/>
+                <a:defRPr sz="2000">
+                  <a:solidFill>
+                    <a:schemeClr val="tx1"/>
+                  </a:solidFill>
+                  <a:latin typeface="Calibri" panose="020F0502020204030204" pitchFamily="34" charset="0"/>
+                </a:defRPr>
+              </a:lvl8pPr>
+              <a:lvl9pPr marL="3886200" indent="-228600" eaLnBrk="0" fontAlgn="base" hangingPunct="0">
+                <a:spcBef>
+                  <a:spcPct val="20000"/>
+                </a:spcBef>
+                <a:spcAft>
+                  <a:spcPct val="0"/>
+                </a:spcAft>
+                <a:buFont typeface="Arial" panose="020B0604020202020204" pitchFamily="34" charset="0"/>
+                <a:buChar char="»"/>
+                <a:defRPr sz="2000">
+                  <a:solidFill>
+                    <a:schemeClr val="tx1"/>
+                  </a:solidFill>
+                  <a:latin typeface="Calibri" panose="020F0502020204030204" pitchFamily="34" charset="0"/>
+                </a:defRPr>
+              </a:lvl9pPr>
+            </a:lstStyle>
+            <a:p>
+              <a:pPr fontAlgn="base">
+                <a:spcBef>
+                  <a:spcPct val="0"/>
+                </a:spcBef>
+                <a:spcAft>
+                  <a:spcPct val="0"/>
+                </a:spcAft>
+                <a:buFontTx/>
+                <a:buNone/>
+              </a:pPr>
+              <a:r>
+                <a:rPr lang="en-US" altLang="ru-RU" sz="1400" i="1" smtClean="0">
+                  <a:solidFill>
+                    <a:srgbClr val="000000"/>
+                  </a:solidFill>
+                  <a:latin typeface="Times New Roman" panose="02020603050405020304" pitchFamily="18" charset="0"/>
+                  <a:cs typeface="Times New Roman" panose="02020603050405020304" pitchFamily="18" charset="0"/>
+                </a:rPr>
+                <a:t>y</a:t>
+              </a:r>
+              <a:endParaRPr lang="ru-RU" altLang="ru-RU" sz="1400" i="1" smtClean="0">
+                <a:solidFill>
+                  <a:srgbClr val="000000"/>
+                </a:solidFill>
+                <a:latin typeface="Times New Roman" panose="02020603050405020304" pitchFamily="18" charset="0"/>
+                <a:cs typeface="Times New Roman" panose="02020603050405020304" pitchFamily="18" charset="0"/>
+              </a:endParaRPr>
+            </a:p>
+          </p:txBody>
+        </p:sp>
+        <p:sp>
+          <p:nvSpPr>
+            <p:cNvPr id="15" name="Text Box 49"/>
+            <p:cNvSpPr txBox="1">
+              <a:spLocks noChangeArrowheads="1"/>
+            </p:cNvSpPr>
+            <p:nvPr/>
+          </p:nvSpPr>
+          <p:spPr bwMode="auto">
+            <a:xfrm>
+              <a:off x="6553" y="1864"/>
+              <a:ext cx="424" cy="349"/>
+            </a:xfrm>
+            <a:prstGeom prst="rect">
+              <a:avLst/>
+            </a:prstGeom>
+            <a:noFill/>
+            <a:ln>
+              <a:noFill/>
+            </a:ln>
+            <a:extLst>
+              <a:ext uri="{909E8E84-426E-40DD-AFC4-6F175D3DCCD1}">
+                <a14:hiddenFill xmlns:a14="http://schemas.microsoft.com/office/drawing/2010/main">
+                  <a:solidFill>
+                    <a:srgbClr val="BBE0E3"/>
+                  </a:solidFill>
+                </a14:hiddenFill>
+              </a:ext>
+              <a:ext uri="{91240B29-F687-4F45-9708-019B960494DF}">
+                <a14:hiddenLine xmlns:a14="http://schemas.microsoft.com/office/drawing/2010/main" w="9525">
+                  <a:solidFill>
+                    <a:srgbClr val="000000"/>
+                  </a:solidFill>
+                  <a:miter lim="800000"/>
+                  <a:headEnd/>
+                  <a:tailEnd/>
+                </a14:hiddenLine>
+              </a:ext>
+            </a:extLst>
+          </p:spPr>
+          <p:txBody>
+            <a:bodyPr/>
+            <a:lstStyle>
+              <a:lvl1pPr>
+                <a:spcBef>
+                  <a:spcPct val="20000"/>
+                </a:spcBef>
+                <a:buFont typeface="Arial" panose="020B0604020202020204" pitchFamily="34" charset="0"/>
+                <a:buChar char="•"/>
+                <a:defRPr sz="3200">
+                  <a:solidFill>
+                    <a:schemeClr val="tx1"/>
+                  </a:solidFill>
+                  <a:latin typeface="Calibri" panose="020F0502020204030204" pitchFamily="34" charset="0"/>
+                </a:defRPr>
+              </a:lvl1pPr>
+              <a:lvl2pPr marL="742950" indent="-285750">
+                <a:spcBef>
+                  <a:spcPct val="20000"/>
+                </a:spcBef>
+                <a:buFont typeface="Arial" panose="020B0604020202020204" pitchFamily="34" charset="0"/>
+                <a:buChar char="–"/>
+                <a:defRPr sz="2800">
+                  <a:solidFill>
+                    <a:schemeClr val="tx1"/>
+                  </a:solidFill>
+                  <a:latin typeface="Calibri" panose="020F0502020204030204" pitchFamily="34" charset="0"/>
+                </a:defRPr>
+              </a:lvl2pPr>
+              <a:lvl3pPr marL="1143000" indent="-228600">
+                <a:spcBef>
+                  <a:spcPct val="20000"/>
+                </a:spcBef>
+                <a:buFont typeface="Arial" panose="020B0604020202020204" pitchFamily="34" charset="0"/>
+                <a:buChar char="•"/>
+                <a:defRPr sz="2400">
+                  <a:solidFill>
+                    <a:schemeClr val="tx1"/>
+                  </a:solidFill>
+                  <a:latin typeface="Calibri" panose="020F0502020204030204" pitchFamily="34" charset="0"/>
+                </a:defRPr>
+              </a:lvl3pPr>
+              <a:lvl4pPr marL="1600200" indent="-228600">
+                <a:spcBef>
+                  <a:spcPct val="20000"/>
+                </a:spcBef>
+                <a:buFont typeface="Arial" panose="020B0604020202020204" pitchFamily="34" charset="0"/>
+                <a:buChar char="–"/>
+                <a:defRPr sz="2000">
+                  <a:solidFill>
+                    <a:schemeClr val="tx1"/>
+                  </a:solidFill>
+                  <a:latin typeface="Calibri" panose="020F0502020204030204" pitchFamily="34" charset="0"/>
+                </a:defRPr>
+              </a:lvl4pPr>
+              <a:lvl5pPr marL="2057400" indent="-228600">
+                <a:spcBef>
+                  <a:spcPct val="20000"/>
+                </a:spcBef>
+                <a:buFont typeface="Arial" panose="020B0604020202020204" pitchFamily="34" charset="0"/>
+                <a:buChar char="»"/>
+                <a:defRPr sz="2000">
+                  <a:solidFill>
+                    <a:schemeClr val="tx1"/>
+                  </a:solidFill>
+                  <a:latin typeface="Calibri" panose="020F0502020204030204" pitchFamily="34" charset="0"/>
+                </a:defRPr>
+              </a:lvl5pPr>
+              <a:lvl6pPr marL="2514600" indent="-228600" eaLnBrk="0" fontAlgn="base" hangingPunct="0">
+                <a:spcBef>
+                  <a:spcPct val="20000"/>
+                </a:spcBef>
+                <a:spcAft>
+                  <a:spcPct val="0"/>
+                </a:spcAft>
+                <a:buFont typeface="Arial" panose="020B0604020202020204" pitchFamily="34" charset="0"/>
+                <a:buChar char="»"/>
+                <a:defRPr sz="2000">
+                  <a:solidFill>
+                    <a:schemeClr val="tx1"/>
+                  </a:solidFill>
+                  <a:latin typeface="Calibri" panose="020F0502020204030204" pitchFamily="34" charset="0"/>
+                </a:defRPr>
+              </a:lvl6pPr>
+              <a:lvl7pPr marL="2971800" indent="-228600" eaLnBrk="0" fontAlgn="base" hangingPunct="0">
+                <a:spcBef>
+                  <a:spcPct val="20000"/>
+                </a:spcBef>
+                <a:spcAft>
+                  <a:spcPct val="0"/>
+                </a:spcAft>
+                <a:buFont typeface="Arial" panose="020B0604020202020204" pitchFamily="34" charset="0"/>
+                <a:buChar char="»"/>
+                <a:defRPr sz="2000">
+                  <a:solidFill>
+                    <a:schemeClr val="tx1"/>
+                  </a:solidFill>
+                  <a:latin typeface="Calibri" panose="020F0502020204030204" pitchFamily="34" charset="0"/>
+                </a:defRPr>
+              </a:lvl7pPr>
+              <a:lvl8pPr marL="3429000" indent="-228600" eaLnBrk="0" fontAlgn="base" hangingPunct="0">
+                <a:spcBef>
+                  <a:spcPct val="20000"/>
+                </a:spcBef>
+                <a:spcAft>
+                  <a:spcPct val="0"/>
+                </a:spcAft>
+                <a:buFont typeface="Arial" panose="020B0604020202020204" pitchFamily="34" charset="0"/>
+                <a:buChar char="»"/>
+                <a:defRPr sz="2000">
+                  <a:solidFill>
+                    <a:schemeClr val="tx1"/>
+                  </a:solidFill>
+                  <a:latin typeface="Calibri" panose="020F0502020204030204" pitchFamily="34" charset="0"/>
+                </a:defRPr>
+              </a:lvl8pPr>
+              <a:lvl9pPr marL="3886200" indent="-228600" eaLnBrk="0" fontAlgn="base" hangingPunct="0">
+                <a:spcBef>
+                  <a:spcPct val="20000"/>
+                </a:spcBef>
+                <a:spcAft>
+                  <a:spcPct val="0"/>
+                </a:spcAft>
+                <a:buFont typeface="Arial" panose="020B0604020202020204" pitchFamily="34" charset="0"/>
+                <a:buChar char="»"/>
+                <a:defRPr sz="2000">
+                  <a:solidFill>
+                    <a:schemeClr val="tx1"/>
+                  </a:solidFill>
+                  <a:latin typeface="Calibri" panose="020F0502020204030204" pitchFamily="34" charset="0"/>
+                </a:defRPr>
+              </a:lvl9pPr>
+            </a:lstStyle>
+            <a:p>
+              <a:pPr fontAlgn="base">
+                <a:spcBef>
+                  <a:spcPct val="0"/>
+                </a:spcBef>
+                <a:spcAft>
+                  <a:spcPct val="0"/>
+                </a:spcAft>
+                <a:buFontTx/>
+                <a:buNone/>
+              </a:pPr>
+              <a:r>
+                <a:rPr lang="en-US" altLang="ru-RU" sz="1400" i="1" dirty="0" smtClean="0">
+                  <a:solidFill>
+                    <a:srgbClr val="000000"/>
+                  </a:solidFill>
+                  <a:latin typeface="Times New Roman" panose="02020603050405020304" pitchFamily="18" charset="0"/>
+                  <a:cs typeface="Times New Roman" panose="02020603050405020304" pitchFamily="18" charset="0"/>
+                </a:rPr>
+                <a:t>x</a:t>
+              </a:r>
+              <a:endParaRPr lang="ru-RU" altLang="ru-RU" sz="1400" i="1" dirty="0" smtClean="0">
+                <a:solidFill>
+                  <a:srgbClr val="000000"/>
+                </a:solidFill>
+                <a:latin typeface="Times New Roman" panose="02020603050405020304" pitchFamily="18" charset="0"/>
+                <a:cs typeface="Times New Roman" panose="02020603050405020304" pitchFamily="18" charset="0"/>
+              </a:endParaRPr>
+            </a:p>
+          </p:txBody>
+        </p:sp>
+        <p:grpSp>
+          <p:nvGrpSpPr>
+            <p:cNvPr id="16" name="Group 50"/>
+            <p:cNvGrpSpPr>
+              <a:grpSpLocks/>
+            </p:cNvGrpSpPr>
+            <p:nvPr/>
+          </p:nvGrpSpPr>
+          <p:grpSpPr bwMode="auto">
+            <a:xfrm>
+              <a:off x="6399" y="1837"/>
+              <a:ext cx="578" cy="526"/>
+              <a:chOff x="5720" y="2197"/>
+              <a:chExt cx="578" cy="526"/>
+            </a:xfrm>
+          </p:grpSpPr>
+          <p:sp>
+            <p:nvSpPr>
+              <p:cNvPr id="18" name="Line 51"/>
+              <p:cNvSpPr>
+                <a:spLocks noChangeShapeType="1"/>
+              </p:cNvSpPr>
+              <p:nvPr/>
+            </p:nvSpPr>
+            <p:spPr bwMode="auto">
+              <a:xfrm flipV="1">
+                <a:off x="5723" y="2197"/>
+                <a:ext cx="0" cy="524"/>
+              </a:xfrm>
+              <a:prstGeom prst="line">
+                <a:avLst/>
+              </a:prstGeom>
+              <a:noFill/>
+              <a:ln w="9525">
+                <a:solidFill>
+                  <a:srgbClr val="000000"/>
+                </a:solidFill>
+                <a:round/>
+                <a:headEnd/>
+                <a:tailEnd type="arrow" w="med" len="med"/>
+              </a:ln>
+              <a:extLst>
+                <a:ext uri="{909E8E84-426E-40DD-AFC4-6F175D3DCCD1}">
+                  <a14:hiddenFill xmlns:a14="http://schemas.microsoft.com/office/drawing/2010/main">
+                    <a:noFill/>
+                  </a14:hiddenFill>
+                </a:ext>
+              </a:extLst>
+            </p:spPr>
+            <p:txBody>
+              <a:bodyPr/>
+              <a:lstStyle/>
+              <a:p>
+                <a:pPr eaLnBrk="0" fontAlgn="base" hangingPunct="0">
+                  <a:spcBef>
+                    <a:spcPct val="0"/>
+                  </a:spcBef>
+                  <a:spcAft>
+                    <a:spcPct val="0"/>
+                  </a:spcAft>
+                </a:pPr>
+                <a:endParaRPr lang="ru-RU" smtClean="0">
+                  <a:solidFill>
+                    <a:prstClr val="black"/>
+                  </a:solidFill>
+                  <a:cs typeface="Arial" panose="020B0604020202020204" pitchFamily="34" charset="0"/>
+                </a:endParaRPr>
+              </a:p>
+            </p:txBody>
+          </p:sp>
+          <p:sp>
+            <p:nvSpPr>
+              <p:cNvPr id="19" name="Line 52"/>
+              <p:cNvSpPr>
+                <a:spLocks noChangeShapeType="1"/>
+              </p:cNvSpPr>
+              <p:nvPr/>
+            </p:nvSpPr>
+            <p:spPr bwMode="auto">
+              <a:xfrm flipV="1">
+                <a:off x="5720" y="2471"/>
+                <a:ext cx="362" cy="245"/>
+              </a:xfrm>
+              <a:prstGeom prst="line">
+                <a:avLst/>
+              </a:prstGeom>
+              <a:noFill/>
+              <a:ln w="9525">
+                <a:solidFill>
+                  <a:srgbClr val="000000"/>
+                </a:solidFill>
+                <a:round/>
+                <a:headEnd/>
+                <a:tailEnd type="arrow" w="med" len="med"/>
+              </a:ln>
+              <a:extLst>
+                <a:ext uri="{909E8E84-426E-40DD-AFC4-6F175D3DCCD1}">
+                  <a14:hiddenFill xmlns:a14="http://schemas.microsoft.com/office/drawing/2010/main">
+                    <a:noFill/>
+                  </a14:hiddenFill>
+                </a:ext>
+              </a:extLst>
+            </p:spPr>
+            <p:txBody>
+              <a:bodyPr/>
+              <a:lstStyle/>
+              <a:p>
+                <a:pPr eaLnBrk="0" fontAlgn="base" hangingPunct="0">
+                  <a:spcBef>
+                    <a:spcPct val="0"/>
+                  </a:spcBef>
+                  <a:spcAft>
+                    <a:spcPct val="0"/>
+                  </a:spcAft>
+                </a:pPr>
+                <a:endParaRPr lang="ru-RU" smtClean="0">
+                  <a:solidFill>
+                    <a:prstClr val="black"/>
+                  </a:solidFill>
+                  <a:cs typeface="Arial" panose="020B0604020202020204" pitchFamily="34" charset="0"/>
+                </a:endParaRPr>
+              </a:p>
+            </p:txBody>
+          </p:sp>
+          <p:sp>
+            <p:nvSpPr>
+              <p:cNvPr id="20" name="Line 53"/>
+              <p:cNvSpPr>
+                <a:spLocks noChangeShapeType="1"/>
+              </p:cNvSpPr>
+              <p:nvPr/>
+            </p:nvSpPr>
+            <p:spPr bwMode="auto">
+              <a:xfrm flipV="1">
+                <a:off x="5728" y="2716"/>
+                <a:ext cx="570" cy="7"/>
+              </a:xfrm>
+              <a:prstGeom prst="line">
+                <a:avLst/>
+              </a:prstGeom>
+              <a:noFill/>
+              <a:ln w="9525">
+                <a:solidFill>
+                  <a:srgbClr val="000000"/>
+                </a:solidFill>
+                <a:round/>
+                <a:headEnd/>
+                <a:tailEnd type="arrow" w="med" len="med"/>
+              </a:ln>
+              <a:extLst>
+                <a:ext uri="{909E8E84-426E-40DD-AFC4-6F175D3DCCD1}">
+                  <a14:hiddenFill xmlns:a14="http://schemas.microsoft.com/office/drawing/2010/main">
+                    <a:noFill/>
+                  </a14:hiddenFill>
+                </a:ext>
+              </a:extLst>
+            </p:spPr>
+            <p:txBody>
+              <a:bodyPr/>
+              <a:lstStyle/>
+              <a:p>
+                <a:pPr eaLnBrk="0" fontAlgn="base" hangingPunct="0">
+                  <a:spcBef>
+                    <a:spcPct val="0"/>
+                  </a:spcBef>
+                  <a:spcAft>
+                    <a:spcPct val="0"/>
+                  </a:spcAft>
+                </a:pPr>
+                <a:endParaRPr lang="ru-RU" smtClean="0">
+                  <a:solidFill>
+                    <a:prstClr val="black"/>
+                  </a:solidFill>
+                  <a:cs typeface="Arial" panose="020B0604020202020204" pitchFamily="34" charset="0"/>
+                </a:endParaRPr>
+              </a:p>
+            </p:txBody>
+          </p:sp>
+        </p:grpSp>
+        <p:sp>
+          <p:nvSpPr>
+            <p:cNvPr id="17" name="Text Box 54"/>
+            <p:cNvSpPr txBox="1">
+              <a:spLocks noChangeArrowheads="1"/>
+            </p:cNvSpPr>
+            <p:nvPr/>
+          </p:nvSpPr>
+          <p:spPr bwMode="auto">
+            <a:xfrm>
+              <a:off x="6770" y="2056"/>
+              <a:ext cx="424" cy="349"/>
+            </a:xfrm>
+            <a:prstGeom prst="rect">
+              <a:avLst/>
+            </a:prstGeom>
+            <a:noFill/>
+            <a:ln>
+              <a:noFill/>
+            </a:ln>
+            <a:extLst>
+              <a:ext uri="{909E8E84-426E-40DD-AFC4-6F175D3DCCD1}">
+                <a14:hiddenFill xmlns:a14="http://schemas.microsoft.com/office/drawing/2010/main">
+                  <a:solidFill>
+                    <a:srgbClr val="BBE0E3"/>
+                  </a:solidFill>
+                </a14:hiddenFill>
+              </a:ext>
+              <a:ext uri="{91240B29-F687-4F45-9708-019B960494DF}">
+                <a14:hiddenLine xmlns:a14="http://schemas.microsoft.com/office/drawing/2010/main" w="9525">
+                  <a:solidFill>
+                    <a:srgbClr val="000000"/>
+                  </a:solidFill>
+                  <a:miter lim="800000"/>
+                  <a:headEnd/>
+                  <a:tailEnd/>
+                </a14:hiddenLine>
+              </a:ext>
+            </a:extLst>
+          </p:spPr>
+          <p:txBody>
+            <a:bodyPr/>
+            <a:lstStyle>
+              <a:lvl1pPr>
+                <a:spcBef>
+                  <a:spcPct val="20000"/>
+                </a:spcBef>
+                <a:buFont typeface="Arial" panose="020B0604020202020204" pitchFamily="34" charset="0"/>
+                <a:buChar char="•"/>
+                <a:defRPr sz="3200">
+                  <a:solidFill>
+                    <a:schemeClr val="tx1"/>
+                  </a:solidFill>
+                  <a:latin typeface="Calibri" panose="020F0502020204030204" pitchFamily="34" charset="0"/>
+                </a:defRPr>
+              </a:lvl1pPr>
+              <a:lvl2pPr marL="742950" indent="-285750">
+                <a:spcBef>
+                  <a:spcPct val="20000"/>
+                </a:spcBef>
+                <a:buFont typeface="Arial" panose="020B0604020202020204" pitchFamily="34" charset="0"/>
+                <a:buChar char="–"/>
+                <a:defRPr sz="2800">
+                  <a:solidFill>
+                    <a:schemeClr val="tx1"/>
+                  </a:solidFill>
+                  <a:latin typeface="Calibri" panose="020F0502020204030204" pitchFamily="34" charset="0"/>
+                </a:defRPr>
+              </a:lvl2pPr>
+              <a:lvl3pPr marL="1143000" indent="-228600">
+                <a:spcBef>
+                  <a:spcPct val="20000"/>
+                </a:spcBef>
+                <a:buFont typeface="Arial" panose="020B0604020202020204" pitchFamily="34" charset="0"/>
+                <a:buChar char="•"/>
+                <a:defRPr sz="2400">
+                  <a:solidFill>
+                    <a:schemeClr val="tx1"/>
+                  </a:solidFill>
+                  <a:latin typeface="Calibri" panose="020F0502020204030204" pitchFamily="34" charset="0"/>
+                </a:defRPr>
+              </a:lvl3pPr>
+              <a:lvl4pPr marL="1600200" indent="-228600">
+                <a:spcBef>
+                  <a:spcPct val="20000"/>
+                </a:spcBef>
+                <a:buFont typeface="Arial" panose="020B0604020202020204" pitchFamily="34" charset="0"/>
+                <a:buChar char="–"/>
+                <a:defRPr sz="2000">
+                  <a:solidFill>
+                    <a:schemeClr val="tx1"/>
+                  </a:solidFill>
+                  <a:latin typeface="Calibri" panose="020F0502020204030204" pitchFamily="34" charset="0"/>
+                </a:defRPr>
+              </a:lvl4pPr>
+              <a:lvl5pPr marL="2057400" indent="-228600">
+                <a:spcBef>
+                  <a:spcPct val="20000"/>
+                </a:spcBef>
+                <a:buFont typeface="Arial" panose="020B0604020202020204" pitchFamily="34" charset="0"/>
+                <a:buChar char="»"/>
+                <a:defRPr sz="2000">
+                  <a:solidFill>
+                    <a:schemeClr val="tx1"/>
+                  </a:solidFill>
+                  <a:latin typeface="Calibri" panose="020F0502020204030204" pitchFamily="34" charset="0"/>
+                </a:defRPr>
+              </a:lvl5pPr>
+              <a:lvl6pPr marL="2514600" indent="-228600" eaLnBrk="0" fontAlgn="base" hangingPunct="0">
+                <a:spcBef>
+                  <a:spcPct val="20000"/>
+                </a:spcBef>
+                <a:spcAft>
+                  <a:spcPct val="0"/>
+                </a:spcAft>
+                <a:buFont typeface="Arial" panose="020B0604020202020204" pitchFamily="34" charset="0"/>
+                <a:buChar char="»"/>
+                <a:defRPr sz="2000">
+                  <a:solidFill>
+                    <a:schemeClr val="tx1"/>
+                  </a:solidFill>
+                  <a:latin typeface="Calibri" panose="020F0502020204030204" pitchFamily="34" charset="0"/>
+                </a:defRPr>
+              </a:lvl6pPr>
+              <a:lvl7pPr marL="2971800" indent="-228600" eaLnBrk="0" fontAlgn="base" hangingPunct="0">
+                <a:spcBef>
+                  <a:spcPct val="20000"/>
+                </a:spcBef>
+                <a:spcAft>
+                  <a:spcPct val="0"/>
+                </a:spcAft>
+                <a:buFont typeface="Arial" panose="020B0604020202020204" pitchFamily="34" charset="0"/>
+                <a:buChar char="»"/>
+                <a:defRPr sz="2000">
+                  <a:solidFill>
+                    <a:schemeClr val="tx1"/>
+                  </a:solidFill>
+                  <a:latin typeface="Calibri" panose="020F0502020204030204" pitchFamily="34" charset="0"/>
+                </a:defRPr>
+              </a:lvl7pPr>
+              <a:lvl8pPr marL="3429000" indent="-228600" eaLnBrk="0" fontAlgn="base" hangingPunct="0">
+                <a:spcBef>
+                  <a:spcPct val="20000"/>
+                </a:spcBef>
+                <a:spcAft>
+                  <a:spcPct val="0"/>
+                </a:spcAft>
+                <a:buFont typeface="Arial" panose="020B0604020202020204" pitchFamily="34" charset="0"/>
+                <a:buChar char="»"/>
+                <a:defRPr sz="2000">
+                  <a:solidFill>
+                    <a:schemeClr val="tx1"/>
+                  </a:solidFill>
+                  <a:latin typeface="Calibri" panose="020F0502020204030204" pitchFamily="34" charset="0"/>
+                </a:defRPr>
+              </a:lvl8pPr>
+              <a:lvl9pPr marL="3886200" indent="-228600" eaLnBrk="0" fontAlgn="base" hangingPunct="0">
+                <a:spcBef>
+                  <a:spcPct val="20000"/>
+                </a:spcBef>
+                <a:spcAft>
+                  <a:spcPct val="0"/>
+                </a:spcAft>
+                <a:buFont typeface="Arial" panose="020B0604020202020204" pitchFamily="34" charset="0"/>
+                <a:buChar char="»"/>
+                <a:defRPr sz="2000">
+                  <a:solidFill>
+                    <a:schemeClr val="tx1"/>
+                  </a:solidFill>
+                  <a:latin typeface="Calibri" panose="020F0502020204030204" pitchFamily="34" charset="0"/>
+                </a:defRPr>
+              </a:lvl9pPr>
+            </a:lstStyle>
+            <a:p>
+              <a:pPr fontAlgn="base">
+                <a:spcBef>
+                  <a:spcPct val="0"/>
+                </a:spcBef>
+                <a:spcAft>
+                  <a:spcPct val="0"/>
+                </a:spcAft>
+                <a:buFontTx/>
+                <a:buNone/>
+              </a:pPr>
+              <a:r>
+                <a:rPr lang="en-US" altLang="ru-RU" sz="1400" i="1" dirty="0" smtClean="0">
+                  <a:solidFill>
+                    <a:srgbClr val="000000"/>
+                  </a:solidFill>
+                  <a:latin typeface="Times New Roman" panose="02020603050405020304" pitchFamily="18" charset="0"/>
+                  <a:cs typeface="Times New Roman" panose="02020603050405020304" pitchFamily="18" charset="0"/>
+                </a:rPr>
+                <a:t>z</a:t>
+              </a:r>
+              <a:endParaRPr lang="ru-RU" altLang="ru-RU" sz="1400" i="1" dirty="0" smtClean="0">
+                <a:solidFill>
+                  <a:srgbClr val="000000"/>
+                </a:solidFill>
+                <a:latin typeface="Times New Roman" panose="02020603050405020304" pitchFamily="18" charset="0"/>
+                <a:cs typeface="Times New Roman" panose="02020603050405020304" pitchFamily="18" charset="0"/>
+              </a:endParaRPr>
+            </a:p>
+          </p:txBody>
+        </p:sp>
+      </p:grpSp>
+      <p:sp>
+        <p:nvSpPr>
+          <p:cNvPr id="21" name="Text Box 130"/>
+          <p:cNvSpPr txBox="1">
+            <a:spLocks noChangeArrowheads="1"/>
+          </p:cNvSpPr>
+          <p:nvPr/>
+        </p:nvSpPr>
+        <p:spPr bwMode="auto">
+          <a:xfrm>
+            <a:off x="6653316" y="5254175"/>
+            <a:ext cx="5031063" cy="997196"/>
+          </a:xfrm>
+          <a:prstGeom prst="rect">
+            <a:avLst/>
+          </a:prstGeom>
+          <a:noFill/>
+          <a:ln>
+            <a:noFill/>
+          </a:ln>
+          <a:extLst>
+            <a:ext uri="{909E8E84-426E-40DD-AFC4-6F175D3DCCD1}">
+              <a14:hiddenFill xmlns:a14="http://schemas.microsoft.com/office/drawing/2010/main">
+                <a:solidFill>
+                  <a:srgbClr val="FFFFFF"/>
+                </a:solidFill>
+              </a14:hiddenFill>
+            </a:ext>
+            <a:ext uri="{91240B29-F687-4F45-9708-019B960494DF}">
+              <a14:hiddenLine xmlns:a14="http://schemas.microsoft.com/office/drawing/2010/main" w="9525">
+                <a:solidFill>
+                  <a:srgbClr val="000000"/>
+                </a:solidFill>
+                <a:miter lim="800000"/>
+                <a:headEnd/>
+                <a:tailEnd/>
+              </a14:hiddenLine>
+            </a:ext>
+          </a:extLst>
+        </p:spPr>
+        <p:txBody>
+          <a:bodyPr wrap="square">
+            <a:spAutoFit/>
+          </a:bodyPr>
+          <a:lstStyle>
+            <a:lvl1pPr>
+              <a:spcBef>
+                <a:spcPct val="20000"/>
+              </a:spcBef>
+              <a:buFont typeface="Arial" panose="020B0604020202020204" pitchFamily="34" charset="0"/>
+              <a:buChar char="•"/>
+              <a:defRPr sz="3200">
+                <a:solidFill>
+                  <a:schemeClr val="tx1"/>
+                </a:solidFill>
+                <a:latin typeface="Calibri" panose="020F0502020204030204" pitchFamily="34" charset="0"/>
+              </a:defRPr>
+            </a:lvl1pPr>
+            <a:lvl2pPr marL="742950" indent="-285750">
+              <a:spcBef>
+                <a:spcPct val="20000"/>
+              </a:spcBef>
+              <a:buFont typeface="Arial" panose="020B0604020202020204" pitchFamily="34" charset="0"/>
+              <a:buChar char="–"/>
+              <a:defRPr sz="2800">
+                <a:solidFill>
+                  <a:schemeClr val="tx1"/>
+                </a:solidFill>
+                <a:latin typeface="Calibri" panose="020F0502020204030204" pitchFamily="34" charset="0"/>
+              </a:defRPr>
+            </a:lvl2pPr>
+            <a:lvl3pPr marL="1143000" indent="-228600">
+              <a:spcBef>
+                <a:spcPct val="20000"/>
+              </a:spcBef>
+              <a:buFont typeface="Arial" panose="020B0604020202020204" pitchFamily="34" charset="0"/>
+              <a:buChar char="•"/>
+              <a:defRPr sz="2400">
+                <a:solidFill>
+                  <a:schemeClr val="tx1"/>
+                </a:solidFill>
+                <a:latin typeface="Calibri" panose="020F0502020204030204" pitchFamily="34" charset="0"/>
+              </a:defRPr>
+            </a:lvl3pPr>
+            <a:lvl4pPr marL="1600200" indent="-228600">
+              <a:spcBef>
+                <a:spcPct val="20000"/>
+              </a:spcBef>
+              <a:buFont typeface="Arial" panose="020B0604020202020204" pitchFamily="34" charset="0"/>
+              <a:buChar char="–"/>
+              <a:defRPr sz="2000">
+                <a:solidFill>
+                  <a:schemeClr val="tx1"/>
+                </a:solidFill>
+                <a:latin typeface="Calibri" panose="020F0502020204030204" pitchFamily="34" charset="0"/>
+              </a:defRPr>
+            </a:lvl4pPr>
+            <a:lvl5pPr marL="2057400" indent="-228600">
+              <a:spcBef>
+                <a:spcPct val="20000"/>
+              </a:spcBef>
+              <a:buFont typeface="Arial" panose="020B0604020202020204" pitchFamily="34" charset="0"/>
+              <a:buChar char="»"/>
+              <a:defRPr sz="2000">
+                <a:solidFill>
+                  <a:schemeClr val="tx1"/>
+                </a:solidFill>
+                <a:latin typeface="Calibri" panose="020F0502020204030204" pitchFamily="34" charset="0"/>
+              </a:defRPr>
+            </a:lvl5pPr>
+            <a:lvl6pPr marL="2514600" indent="-228600" eaLnBrk="0" fontAlgn="base" hangingPunct="0">
+              <a:spcBef>
+                <a:spcPct val="20000"/>
+              </a:spcBef>
+              <a:spcAft>
+                <a:spcPct val="0"/>
+              </a:spcAft>
+              <a:buFont typeface="Arial" panose="020B0604020202020204" pitchFamily="34" charset="0"/>
+              <a:buChar char="»"/>
+              <a:defRPr sz="2000">
+                <a:solidFill>
+                  <a:schemeClr val="tx1"/>
+                </a:solidFill>
+                <a:latin typeface="Calibri" panose="020F0502020204030204" pitchFamily="34" charset="0"/>
+              </a:defRPr>
+            </a:lvl6pPr>
+            <a:lvl7pPr marL="2971800" indent="-228600" eaLnBrk="0" fontAlgn="base" hangingPunct="0">
+              <a:spcBef>
+                <a:spcPct val="20000"/>
+              </a:spcBef>
+              <a:spcAft>
+                <a:spcPct val="0"/>
+              </a:spcAft>
+              <a:buFont typeface="Arial" panose="020B0604020202020204" pitchFamily="34" charset="0"/>
+              <a:buChar char="»"/>
+              <a:defRPr sz="2000">
+                <a:solidFill>
+                  <a:schemeClr val="tx1"/>
+                </a:solidFill>
+                <a:latin typeface="Calibri" panose="020F0502020204030204" pitchFamily="34" charset="0"/>
+              </a:defRPr>
+            </a:lvl7pPr>
+            <a:lvl8pPr marL="3429000" indent="-228600" eaLnBrk="0" fontAlgn="base" hangingPunct="0">
+              <a:spcBef>
+                <a:spcPct val="20000"/>
+              </a:spcBef>
+              <a:spcAft>
+                <a:spcPct val="0"/>
+              </a:spcAft>
+              <a:buFont typeface="Arial" panose="020B0604020202020204" pitchFamily="34" charset="0"/>
+              <a:buChar char="»"/>
+              <a:defRPr sz="2000">
+                <a:solidFill>
+                  <a:schemeClr val="tx1"/>
+                </a:solidFill>
+                <a:latin typeface="Calibri" panose="020F0502020204030204" pitchFamily="34" charset="0"/>
+              </a:defRPr>
+            </a:lvl8pPr>
+            <a:lvl9pPr marL="3886200" indent="-228600" eaLnBrk="0" fontAlgn="base" hangingPunct="0">
+              <a:spcBef>
+                <a:spcPct val="20000"/>
+              </a:spcBef>
+              <a:spcAft>
+                <a:spcPct val="0"/>
+              </a:spcAft>
+              <a:buFont typeface="Arial" panose="020B0604020202020204" pitchFamily="34" charset="0"/>
+              <a:buChar char="»"/>
+              <a:defRPr sz="2000">
+                <a:solidFill>
+                  <a:schemeClr val="tx1"/>
+                </a:solidFill>
+                <a:latin typeface="Calibri" panose="020F0502020204030204" pitchFamily="34" charset="0"/>
+              </a:defRPr>
+            </a:lvl9pPr>
+          </a:lstStyle>
+          <a:p>
+            <a:pPr eaLnBrk="0" fontAlgn="base" hangingPunct="0">
+              <a:spcAft>
+                <a:spcPct val="0"/>
+              </a:spcAft>
+              <a:buNone/>
+            </a:pPr>
+            <a:r>
+              <a:rPr lang="ru-RU" altLang="ru-RU" sz="1400" dirty="0" smtClean="0">
+                <a:solidFill>
+                  <a:prstClr val="black"/>
+                </a:solidFill>
+                <a:latin typeface="Times New Roman" panose="02020603050405020304" pitchFamily="18" charset="0"/>
+                <a:cs typeface="Times New Roman" panose="02020603050405020304" pitchFamily="18" charset="0"/>
+              </a:rPr>
+              <a:t>Конфигурация электродов поверхностного скользящего разряда</a:t>
+            </a:r>
+            <a:r>
+              <a:rPr lang="en-US" altLang="ru-RU" sz="1400" dirty="0" smtClean="0">
+                <a:solidFill>
+                  <a:prstClr val="black"/>
+                </a:solidFill>
+                <a:latin typeface="Times New Roman" panose="02020603050405020304" pitchFamily="18" charset="0"/>
+                <a:cs typeface="Times New Roman" panose="02020603050405020304" pitchFamily="18" charset="0"/>
+              </a:rPr>
+              <a:t>:</a:t>
+            </a:r>
+          </a:p>
+          <a:p>
+            <a:pPr eaLnBrk="0" fontAlgn="base" hangingPunct="0">
+              <a:spcAft>
+                <a:spcPct val="0"/>
+              </a:spcAft>
+              <a:buNone/>
+            </a:pPr>
+            <a:r>
+              <a:rPr lang="en-US" altLang="ru-RU" sz="1400" dirty="0" smtClean="0">
+                <a:solidFill>
+                  <a:prstClr val="black"/>
+                </a:solidFill>
+                <a:latin typeface="Times New Roman" panose="02020603050405020304" pitchFamily="18" charset="0"/>
+                <a:cs typeface="Times New Roman" panose="02020603050405020304" pitchFamily="18" charset="0"/>
+              </a:rPr>
+              <a:t>1 – </a:t>
+            </a:r>
+            <a:r>
+              <a:rPr lang="ru-RU" altLang="ru-RU" sz="1400" dirty="0" smtClean="0">
+                <a:solidFill>
+                  <a:prstClr val="black"/>
+                </a:solidFill>
+                <a:latin typeface="Times New Roman" panose="02020603050405020304" pitchFamily="18" charset="0"/>
+                <a:cs typeface="Times New Roman" panose="02020603050405020304" pitchFamily="18" charset="0"/>
+              </a:rPr>
+              <a:t>высоковольтный электрод</a:t>
+            </a:r>
+            <a:r>
+              <a:rPr lang="en-US" altLang="ru-RU" sz="1400" dirty="0" smtClean="0">
+                <a:solidFill>
+                  <a:prstClr val="black"/>
+                </a:solidFill>
+                <a:latin typeface="Times New Roman" panose="02020603050405020304" pitchFamily="18" charset="0"/>
+                <a:cs typeface="Times New Roman" panose="02020603050405020304" pitchFamily="18" charset="0"/>
+              </a:rPr>
+              <a:t>, 2 – </a:t>
+            </a:r>
+            <a:r>
+              <a:rPr lang="ru-RU" altLang="ru-RU" sz="1400" dirty="0" smtClean="0">
+                <a:solidFill>
+                  <a:prstClr val="black"/>
+                </a:solidFill>
+                <a:latin typeface="Times New Roman" panose="02020603050405020304" pitchFamily="18" charset="0"/>
+                <a:cs typeface="Times New Roman" panose="02020603050405020304" pitchFamily="18" charset="0"/>
+              </a:rPr>
+              <a:t>заземленный электрод</a:t>
+            </a:r>
+            <a:r>
+              <a:rPr lang="en-US" altLang="ru-RU" sz="1400" dirty="0" smtClean="0">
+                <a:solidFill>
+                  <a:prstClr val="black"/>
+                </a:solidFill>
+                <a:latin typeface="Times New Roman" panose="02020603050405020304" pitchFamily="18" charset="0"/>
+                <a:cs typeface="Times New Roman" panose="02020603050405020304" pitchFamily="18" charset="0"/>
+              </a:rPr>
+              <a:t>, 3 – </a:t>
+            </a:r>
+            <a:r>
+              <a:rPr lang="ru-RU" altLang="ru-RU" sz="1400" dirty="0" smtClean="0">
+                <a:solidFill>
+                  <a:prstClr val="black"/>
+                </a:solidFill>
+                <a:latin typeface="Times New Roman" panose="02020603050405020304" pitchFamily="18" charset="0"/>
+                <a:cs typeface="Times New Roman" panose="02020603050405020304" pitchFamily="18" charset="0"/>
+              </a:rPr>
+              <a:t>диэлектрик</a:t>
+            </a:r>
+            <a:r>
+              <a:rPr lang="en-US" altLang="ru-RU" sz="1400" dirty="0" smtClean="0">
+                <a:solidFill>
+                  <a:prstClr val="black"/>
+                </a:solidFill>
+                <a:latin typeface="Times New Roman" panose="02020603050405020304" pitchFamily="18" charset="0"/>
+                <a:cs typeface="Times New Roman" panose="02020603050405020304" pitchFamily="18" charset="0"/>
+              </a:rPr>
+              <a:t>; C – </a:t>
+            </a:r>
+            <a:r>
+              <a:rPr lang="ru-RU" altLang="ru-RU" sz="1400" dirty="0" smtClean="0">
+                <a:solidFill>
+                  <a:prstClr val="black"/>
+                </a:solidFill>
+                <a:latin typeface="Times New Roman" panose="02020603050405020304" pitchFamily="18" charset="0"/>
+                <a:cs typeface="Times New Roman" panose="02020603050405020304" pitchFamily="18" charset="0"/>
+              </a:rPr>
+              <a:t>основная емкость</a:t>
+            </a:r>
+            <a:r>
+              <a:rPr lang="en-US" altLang="ru-RU" sz="1400" dirty="0" smtClean="0">
+                <a:solidFill>
+                  <a:prstClr val="black"/>
+                </a:solidFill>
+                <a:latin typeface="Times New Roman" panose="02020603050405020304" pitchFamily="18" charset="0"/>
+                <a:cs typeface="Times New Roman" panose="02020603050405020304" pitchFamily="18" charset="0"/>
+              </a:rPr>
+              <a:t>; S – </a:t>
+            </a:r>
+            <a:r>
+              <a:rPr lang="ru-RU" altLang="ru-RU" sz="1400" dirty="0" smtClean="0">
+                <a:solidFill>
+                  <a:prstClr val="black"/>
+                </a:solidFill>
+                <a:latin typeface="Times New Roman" panose="02020603050405020304" pitchFamily="18" charset="0"/>
+                <a:cs typeface="Times New Roman" panose="02020603050405020304" pitchFamily="18" charset="0"/>
+              </a:rPr>
+              <a:t>управляемый разрядник</a:t>
+            </a:r>
+            <a:r>
+              <a:rPr lang="en-US" altLang="ru-RU" sz="1400" dirty="0" smtClean="0">
+                <a:solidFill>
+                  <a:prstClr val="black"/>
+                </a:solidFill>
+                <a:latin typeface="Times New Roman" panose="02020603050405020304" pitchFamily="18" charset="0"/>
+                <a:cs typeface="Times New Roman" panose="02020603050405020304" pitchFamily="18" charset="0"/>
+              </a:rPr>
+              <a:t>. </a:t>
+            </a:r>
+            <a:endParaRPr lang="ru-RU" altLang="ru-RU" sz="1400" dirty="0" smtClean="0">
+              <a:solidFill>
+                <a:prstClr val="black"/>
+              </a:solidFill>
+              <a:latin typeface="Times New Roman" panose="02020603050405020304" pitchFamily="18" charset="0"/>
+              <a:cs typeface="Times New Roman" panose="02020603050405020304" pitchFamily="18" charset="0"/>
+            </a:endParaRPr>
+          </a:p>
+        </p:txBody>
+      </p:sp>
+      <p:sp>
+        <p:nvSpPr>
+          <p:cNvPr id="2" name="Номер слайда 1"/>
+          <p:cNvSpPr>
+            <a:spLocks noGrp="1"/>
+          </p:cNvSpPr>
+          <p:nvPr>
+            <p:ph type="sldNum" sz="quarter" idx="12"/>
+          </p:nvPr>
+        </p:nvSpPr>
+        <p:spPr/>
+        <p:txBody>
+          <a:bodyPr/>
+          <a:lstStyle/>
+          <a:p>
+            <a:fld id="{9FAB18EA-D421-4479-A48C-D4262B204458}" type="slidenum">
+              <a:rPr lang="ru-RU" smtClean="0"/>
+              <a:t>5</a:t>
+            </a:fld>
+            <a:endParaRPr lang="ru-RU"/>
           </a:p>
         </p:txBody>
       </p:sp>
@@ -5646,11 +7988,479 @@
           <a:chExt cx="0" cy="0"/>
         </a:xfrm>
       </p:grpSpPr>
+      <p:sp>
+        <p:nvSpPr>
+          <p:cNvPr id="4" name="Заголовок 1"/>
+          <p:cNvSpPr>
+            <a:spLocks noGrp="1"/>
+          </p:cNvSpPr>
+          <p:nvPr>
+            <p:ph type="title"/>
+          </p:nvPr>
+        </p:nvSpPr>
+        <p:spPr>
+          <a:xfrm>
+            <a:off x="838200" y="365125"/>
+            <a:ext cx="10515600" cy="1325563"/>
+          </a:xfrm>
+        </p:spPr>
+        <p:txBody>
+          <a:bodyPr>
+            <a:normAutofit/>
+          </a:bodyPr>
+          <a:lstStyle/>
+          <a:p>
+            <a:r>
+              <a:rPr lang="ru-RU" sz="3600" b="1" u="sng" dirty="0" smtClean="0">
+                <a:latin typeface="Arial Black" panose="020B0A04020102020204" pitchFamily="34" charset="0"/>
+              </a:rPr>
+              <a:t>Поверхностный скользящий разряд</a:t>
+            </a:r>
+            <a:endParaRPr lang="ru-RU" sz="3600" b="1" u="sng" dirty="0">
+              <a:latin typeface="Arial Black" panose="020B0A04020102020204" pitchFamily="34" charset="0"/>
+            </a:endParaRPr>
+          </a:p>
+        </p:txBody>
+      </p:sp>
+      <p:sp>
+        <p:nvSpPr>
+          <p:cNvPr id="6" name="Rectangle 277"/>
+          <p:cNvSpPr>
+            <a:spLocks noChangeArrowheads="1"/>
+          </p:cNvSpPr>
+          <p:nvPr/>
+        </p:nvSpPr>
+        <p:spPr bwMode="auto">
+          <a:xfrm>
+            <a:off x="838200" y="1690688"/>
+            <a:ext cx="3445042" cy="2241639"/>
+          </a:xfrm>
+          <a:prstGeom prst="rect">
+            <a:avLst/>
+          </a:prstGeom>
+          <a:noFill/>
+          <a:ln>
+            <a:noFill/>
+          </a:ln>
+          <a:extLst>
+            <a:ext uri="{909E8E84-426E-40DD-AFC4-6F175D3DCCD1}">
+              <a14:hiddenFill xmlns:a14="http://schemas.microsoft.com/office/drawing/2010/main">
+                <a:solidFill>
+                  <a:srgbClr val="FFFFFF"/>
+                </a:solidFill>
+              </a14:hiddenFill>
+            </a:ext>
+            <a:ext uri="{91240B29-F687-4F45-9708-019B960494DF}">
+              <a14:hiddenLine xmlns:a14="http://schemas.microsoft.com/office/drawing/2010/main" w="9525">
+                <a:solidFill>
+                  <a:srgbClr val="000000"/>
+                </a:solidFill>
+                <a:miter lim="800000"/>
+                <a:headEnd/>
+                <a:tailEnd/>
+              </a14:hiddenLine>
+            </a:ext>
+          </a:extLst>
+        </p:spPr>
+        <p:txBody>
+          <a:bodyPr wrap="square">
+            <a:spAutoFit/>
+          </a:bodyPr>
+          <a:lstStyle>
+            <a:lvl1pPr>
+              <a:spcBef>
+                <a:spcPct val="20000"/>
+              </a:spcBef>
+              <a:buFont typeface="Arial" panose="020B0604020202020204" pitchFamily="34" charset="0"/>
+              <a:buChar char="•"/>
+              <a:defRPr sz="3200">
+                <a:solidFill>
+                  <a:schemeClr val="tx1"/>
+                </a:solidFill>
+                <a:latin typeface="Calibri" panose="020F0502020204030204" pitchFamily="34" charset="0"/>
+              </a:defRPr>
+            </a:lvl1pPr>
+            <a:lvl2pPr marL="742950" indent="-285750">
+              <a:spcBef>
+                <a:spcPct val="20000"/>
+              </a:spcBef>
+              <a:buFont typeface="Arial" panose="020B0604020202020204" pitchFamily="34" charset="0"/>
+              <a:buChar char="–"/>
+              <a:defRPr sz="2800">
+                <a:solidFill>
+                  <a:schemeClr val="tx1"/>
+                </a:solidFill>
+                <a:latin typeface="Calibri" panose="020F0502020204030204" pitchFamily="34" charset="0"/>
+              </a:defRPr>
+            </a:lvl2pPr>
+            <a:lvl3pPr marL="1143000" indent="-228600">
+              <a:spcBef>
+                <a:spcPct val="20000"/>
+              </a:spcBef>
+              <a:buFont typeface="Arial" panose="020B0604020202020204" pitchFamily="34" charset="0"/>
+              <a:buChar char="•"/>
+              <a:defRPr sz="2400">
+                <a:solidFill>
+                  <a:schemeClr val="tx1"/>
+                </a:solidFill>
+                <a:latin typeface="Calibri" panose="020F0502020204030204" pitchFamily="34" charset="0"/>
+              </a:defRPr>
+            </a:lvl3pPr>
+            <a:lvl4pPr marL="1600200" indent="-228600">
+              <a:spcBef>
+                <a:spcPct val="20000"/>
+              </a:spcBef>
+              <a:buFont typeface="Arial" panose="020B0604020202020204" pitchFamily="34" charset="0"/>
+              <a:buChar char="–"/>
+              <a:defRPr sz="2000">
+                <a:solidFill>
+                  <a:schemeClr val="tx1"/>
+                </a:solidFill>
+                <a:latin typeface="Calibri" panose="020F0502020204030204" pitchFamily="34" charset="0"/>
+              </a:defRPr>
+            </a:lvl4pPr>
+            <a:lvl5pPr marL="2057400" indent="-228600">
+              <a:spcBef>
+                <a:spcPct val="20000"/>
+              </a:spcBef>
+              <a:buFont typeface="Arial" panose="020B0604020202020204" pitchFamily="34" charset="0"/>
+              <a:buChar char="»"/>
+              <a:defRPr sz="2000">
+                <a:solidFill>
+                  <a:schemeClr val="tx1"/>
+                </a:solidFill>
+                <a:latin typeface="Calibri" panose="020F0502020204030204" pitchFamily="34" charset="0"/>
+              </a:defRPr>
+            </a:lvl5pPr>
+            <a:lvl6pPr marL="2514600" indent="-228600" eaLnBrk="0" fontAlgn="base" hangingPunct="0">
+              <a:spcBef>
+                <a:spcPct val="20000"/>
+              </a:spcBef>
+              <a:spcAft>
+                <a:spcPct val="0"/>
+              </a:spcAft>
+              <a:buFont typeface="Arial" panose="020B0604020202020204" pitchFamily="34" charset="0"/>
+              <a:buChar char="»"/>
+              <a:defRPr sz="2000">
+                <a:solidFill>
+                  <a:schemeClr val="tx1"/>
+                </a:solidFill>
+                <a:latin typeface="Calibri" panose="020F0502020204030204" pitchFamily="34" charset="0"/>
+              </a:defRPr>
+            </a:lvl6pPr>
+            <a:lvl7pPr marL="2971800" indent="-228600" eaLnBrk="0" fontAlgn="base" hangingPunct="0">
+              <a:spcBef>
+                <a:spcPct val="20000"/>
+              </a:spcBef>
+              <a:spcAft>
+                <a:spcPct val="0"/>
+              </a:spcAft>
+              <a:buFont typeface="Arial" panose="020B0604020202020204" pitchFamily="34" charset="0"/>
+              <a:buChar char="»"/>
+              <a:defRPr sz="2000">
+                <a:solidFill>
+                  <a:schemeClr val="tx1"/>
+                </a:solidFill>
+                <a:latin typeface="Calibri" panose="020F0502020204030204" pitchFamily="34" charset="0"/>
+              </a:defRPr>
+            </a:lvl7pPr>
+            <a:lvl8pPr marL="3429000" indent="-228600" eaLnBrk="0" fontAlgn="base" hangingPunct="0">
+              <a:spcBef>
+                <a:spcPct val="20000"/>
+              </a:spcBef>
+              <a:spcAft>
+                <a:spcPct val="0"/>
+              </a:spcAft>
+              <a:buFont typeface="Arial" panose="020B0604020202020204" pitchFamily="34" charset="0"/>
+              <a:buChar char="»"/>
+              <a:defRPr sz="2000">
+                <a:solidFill>
+                  <a:schemeClr val="tx1"/>
+                </a:solidFill>
+                <a:latin typeface="Calibri" panose="020F0502020204030204" pitchFamily="34" charset="0"/>
+              </a:defRPr>
+            </a:lvl8pPr>
+            <a:lvl9pPr marL="3886200" indent="-228600" eaLnBrk="0" fontAlgn="base" hangingPunct="0">
+              <a:spcBef>
+                <a:spcPct val="20000"/>
+              </a:spcBef>
+              <a:spcAft>
+                <a:spcPct val="0"/>
+              </a:spcAft>
+              <a:buFont typeface="Arial" panose="020B0604020202020204" pitchFamily="34" charset="0"/>
+              <a:buChar char="»"/>
+              <a:defRPr sz="2000">
+                <a:solidFill>
+                  <a:schemeClr val="tx1"/>
+                </a:solidFill>
+                <a:latin typeface="Calibri" panose="020F0502020204030204" pitchFamily="34" charset="0"/>
+              </a:defRPr>
+            </a:lvl9pPr>
+          </a:lstStyle>
+          <a:p>
+            <a:pPr>
+              <a:spcBef>
+                <a:spcPts val="200"/>
+              </a:spcBef>
+              <a:buClr>
+                <a:srgbClr val="9900FF"/>
+              </a:buClr>
+              <a:buSzPct val="120000"/>
+              <a:buNone/>
+            </a:pPr>
+            <a:r>
+              <a:rPr lang="ru-RU" altLang="ru-RU" sz="1600" dirty="0" smtClean="0">
+                <a:latin typeface="Arial" panose="020B0604020202020204" pitchFamily="34" charset="0"/>
+              </a:rPr>
+              <a:t>Параметры: </a:t>
+            </a:r>
+          </a:p>
+          <a:p>
+            <a:pPr marL="285750" indent="-285750">
+              <a:spcBef>
+                <a:spcPts val="200"/>
+              </a:spcBef>
+              <a:buSzPct val="120000"/>
+            </a:pPr>
+            <a:r>
+              <a:rPr lang="ru-RU" altLang="ru-RU" sz="1600" dirty="0" smtClean="0">
+                <a:latin typeface="Arial" panose="020B0604020202020204" pitchFamily="34" charset="0"/>
+              </a:rPr>
+              <a:t>напряжение </a:t>
+            </a:r>
+            <a:r>
+              <a:rPr lang="ru-RU" altLang="ru-RU" sz="1600" dirty="0" smtClean="0">
+                <a:latin typeface="Arial" panose="020B0604020202020204" pitchFamily="34" charset="0"/>
+              </a:rPr>
+              <a:t>25 </a:t>
+            </a:r>
+            <a:r>
+              <a:rPr lang="ru-RU" altLang="ru-RU" sz="1600" dirty="0" err="1">
+                <a:latin typeface="Arial" panose="020B0604020202020204" pitchFamily="34" charset="0"/>
+              </a:rPr>
+              <a:t>кВ</a:t>
+            </a:r>
+            <a:endParaRPr lang="ru-RU" altLang="ru-RU" sz="1600" dirty="0">
+              <a:latin typeface="Arial" panose="020B0604020202020204" pitchFamily="34" charset="0"/>
+            </a:endParaRPr>
+          </a:p>
+          <a:p>
+            <a:pPr marL="285750" indent="-285750">
+              <a:spcBef>
+                <a:spcPts val="200"/>
+              </a:spcBef>
+              <a:buSzPct val="120000"/>
+            </a:pPr>
+            <a:r>
+              <a:rPr lang="ru-RU" altLang="ru-RU" sz="1600" dirty="0">
+                <a:latin typeface="Arial" panose="020B0604020202020204" pitchFamily="34" charset="0"/>
+              </a:rPr>
+              <a:t> ток </a:t>
+            </a:r>
+            <a:r>
+              <a:rPr lang="ru-RU" altLang="ru-RU" sz="1600" dirty="0" smtClean="0">
+                <a:latin typeface="Arial" panose="020B0604020202020204" pitchFamily="34" charset="0"/>
+                <a:sym typeface="Symbol" panose="05050102010706020507" pitchFamily="18" charset="2"/>
+              </a:rPr>
+              <a:t> </a:t>
+            </a:r>
+            <a:r>
+              <a:rPr lang="ru-RU" altLang="ru-RU" sz="1600" dirty="0">
+                <a:latin typeface="Arial" panose="020B0604020202020204" pitchFamily="34" charset="0"/>
+              </a:rPr>
+              <a:t>1 кА</a:t>
+            </a:r>
+          </a:p>
+          <a:p>
+            <a:pPr marL="285750" indent="-285750">
+              <a:spcBef>
+                <a:spcPts val="200"/>
+              </a:spcBef>
+              <a:buSzPct val="120000"/>
+            </a:pPr>
+            <a:r>
+              <a:rPr lang="en-US" altLang="ru-RU" sz="1600" dirty="0">
+                <a:latin typeface="Arial" panose="020B0604020202020204" pitchFamily="34" charset="0"/>
+              </a:rPr>
+              <a:t> </a:t>
+            </a:r>
+            <a:r>
+              <a:rPr lang="ru-RU" altLang="ru-RU" sz="1600" dirty="0">
+                <a:latin typeface="Arial" panose="020B0604020202020204" pitchFamily="34" charset="0"/>
+              </a:rPr>
+              <a:t>длительность тока </a:t>
+            </a:r>
+            <a:r>
+              <a:rPr lang="ru-RU" altLang="ru-RU" sz="1600" dirty="0">
+                <a:latin typeface="Arial" panose="020B0604020202020204" pitchFamily="34" charset="0"/>
+                <a:sym typeface="Symbol" panose="05050102010706020507" pitchFamily="18" charset="2"/>
+              </a:rPr>
+              <a:t></a:t>
+            </a:r>
+            <a:r>
+              <a:rPr lang="ru-RU" altLang="ru-RU" sz="1600" dirty="0">
+                <a:latin typeface="Arial" panose="020B0604020202020204" pitchFamily="34" charset="0"/>
+              </a:rPr>
+              <a:t> </a:t>
+            </a:r>
+            <a:r>
+              <a:rPr lang="ru-RU" altLang="ru-RU" sz="1600" dirty="0" smtClean="0">
+                <a:latin typeface="Arial" panose="020B0604020202020204" pitchFamily="34" charset="0"/>
+              </a:rPr>
+              <a:t>300 </a:t>
+            </a:r>
+            <a:r>
+              <a:rPr lang="ru-RU" altLang="ru-RU" sz="1600" dirty="0" err="1">
+                <a:latin typeface="Arial" panose="020B0604020202020204" pitchFamily="34" charset="0"/>
+              </a:rPr>
+              <a:t>нс</a:t>
+            </a:r>
+            <a:endParaRPr lang="ru-RU" altLang="ru-RU" sz="1600" dirty="0">
+              <a:latin typeface="Arial" panose="020B0604020202020204" pitchFamily="34" charset="0"/>
+            </a:endParaRPr>
+          </a:p>
+          <a:p>
+            <a:pPr marL="285750" indent="-285750">
+              <a:spcBef>
+                <a:spcPts val="200"/>
+              </a:spcBef>
+              <a:buSzPct val="120000"/>
+            </a:pPr>
+            <a:r>
+              <a:rPr lang="ru-RU" altLang="ru-RU" sz="1600" dirty="0">
+                <a:latin typeface="Arial" panose="020B0604020202020204" pitchFamily="34" charset="0"/>
+              </a:rPr>
+              <a:t> </a:t>
+            </a:r>
+            <a:r>
+              <a:rPr lang="ru-RU" altLang="ru-RU" sz="1600" i="1" dirty="0">
+                <a:latin typeface="Arial" panose="020B0604020202020204" pitchFamily="34" charset="0"/>
+              </a:rPr>
+              <a:t>E/N   </a:t>
+            </a:r>
+            <a:r>
+              <a:rPr lang="en-US" altLang="ru-RU" sz="1600" dirty="0">
+                <a:latin typeface="Arial" panose="020B0604020202020204" pitchFamily="34" charset="0"/>
+              </a:rPr>
+              <a:t>~</a:t>
+            </a:r>
+            <a:r>
+              <a:rPr lang="ru-RU" altLang="ru-RU" sz="1600" dirty="0">
+                <a:latin typeface="Arial" panose="020B0604020202020204" pitchFamily="34" charset="0"/>
+              </a:rPr>
+              <a:t>200-1000 </a:t>
+            </a:r>
+            <a:r>
+              <a:rPr lang="ru-RU" altLang="ru-RU" sz="1600" dirty="0" err="1" smtClean="0">
+                <a:latin typeface="Arial" panose="020B0604020202020204" pitchFamily="34" charset="0"/>
+              </a:rPr>
+              <a:t>Тд</a:t>
+            </a:r>
+            <a:endParaRPr lang="ru-RU" altLang="ru-RU" sz="1600" dirty="0" smtClean="0">
+              <a:latin typeface="Arial" panose="020B0604020202020204" pitchFamily="34" charset="0"/>
+            </a:endParaRPr>
+          </a:p>
+          <a:p>
+            <a:pPr marL="285750" indent="-285750">
+              <a:spcBef>
+                <a:spcPts val="200"/>
+              </a:spcBef>
+              <a:buSzPct val="120000"/>
+            </a:pPr>
+            <a:r>
+              <a:rPr lang="ru-RU" altLang="ru-RU" sz="1600" dirty="0" smtClean="0">
+                <a:latin typeface="Arial" panose="020B0604020202020204" pitchFamily="34" charset="0"/>
+              </a:rPr>
+              <a:t> давление 2-250 </a:t>
+            </a:r>
+            <a:r>
+              <a:rPr lang="ru-RU" altLang="ru-RU" sz="1600" dirty="0" err="1" smtClean="0">
+                <a:latin typeface="Arial" panose="020B0604020202020204" pitchFamily="34" charset="0"/>
+              </a:rPr>
+              <a:t>торр</a:t>
+            </a:r>
+            <a:endParaRPr lang="ru-RU" altLang="ru-RU" sz="1600" dirty="0" smtClean="0">
+              <a:latin typeface="Arial" panose="020B0604020202020204" pitchFamily="34" charset="0"/>
+            </a:endParaRPr>
+          </a:p>
+          <a:p>
+            <a:pPr marL="285750" indent="-285750">
+              <a:spcBef>
+                <a:spcPts val="200"/>
+              </a:spcBef>
+              <a:buSzPct val="120000"/>
+            </a:pPr>
+            <a:r>
+              <a:rPr lang="ru-RU" altLang="ru-RU" sz="1600" dirty="0" smtClean="0">
+                <a:latin typeface="Arial" panose="020B0604020202020204" pitchFamily="34" charset="0"/>
+              </a:rPr>
+              <a:t> плотность 0.003-0.420 кг/м</a:t>
+            </a:r>
+            <a:r>
+              <a:rPr lang="ru-RU" altLang="ru-RU" sz="1600" baseline="30000" dirty="0" smtClean="0">
+                <a:latin typeface="Arial" panose="020B0604020202020204" pitchFamily="34" charset="0"/>
+              </a:rPr>
+              <a:t>3</a:t>
+            </a:r>
+            <a:r>
+              <a:rPr lang="ru-RU" altLang="ru-RU" sz="1600" dirty="0" smtClean="0">
+                <a:latin typeface="Arial" panose="020B0604020202020204" pitchFamily="34" charset="0"/>
+              </a:rPr>
+              <a:t> </a:t>
+            </a:r>
+          </a:p>
+          <a:p>
+            <a:pPr marL="285750" indent="-285750">
+              <a:spcBef>
+                <a:spcPts val="200"/>
+              </a:spcBef>
+              <a:buSzPct val="120000"/>
+            </a:pPr>
+            <a:r>
+              <a:rPr lang="ru-RU" altLang="ru-RU" sz="1600" dirty="0" smtClean="0">
+                <a:latin typeface="Arial" panose="020B0604020202020204" pitchFamily="34" charset="0"/>
+              </a:rPr>
+              <a:t> площадь 10</a:t>
+            </a:r>
+            <a:r>
+              <a:rPr lang="ru-RU" altLang="ru-RU" sz="1600" dirty="0" smtClean="0">
+                <a:latin typeface="Arial" panose="020B0604020202020204" pitchFamily="34" charset="0"/>
+                <a:sym typeface="Symbol" panose="05050102010706020507" pitchFamily="18" charset="2"/>
+              </a:rPr>
+              <a:t></a:t>
+            </a:r>
+            <a:r>
+              <a:rPr lang="ru-RU" altLang="ru-RU" sz="1600" dirty="0" smtClean="0">
+                <a:latin typeface="Arial" panose="020B0604020202020204" pitchFamily="34" charset="0"/>
+              </a:rPr>
+              <a:t>3 </a:t>
+            </a:r>
+            <a:r>
+              <a:rPr lang="ru-RU" altLang="ru-RU" sz="1600" dirty="0">
+                <a:latin typeface="Arial" panose="020B0604020202020204" pitchFamily="34" charset="0"/>
+              </a:rPr>
+              <a:t>см</a:t>
+            </a:r>
+            <a:r>
+              <a:rPr lang="ru-RU" altLang="ru-RU" sz="1600" baseline="30000" dirty="0">
+                <a:latin typeface="Arial" panose="020B0604020202020204" pitchFamily="34" charset="0"/>
+              </a:rPr>
+              <a:t>2</a:t>
+            </a:r>
+            <a:r>
+              <a:rPr lang="ru-RU" altLang="ru-RU" sz="1600" dirty="0">
+                <a:latin typeface="Arial" panose="020B0604020202020204" pitchFamily="34" charset="0"/>
+              </a:rPr>
+              <a:t> </a:t>
+            </a:r>
+          </a:p>
+        </p:txBody>
+      </p:sp>
       <p:pic>
         <p:nvPicPr>
-          <p:cNvPr id="4" name="Picture 2"/>
-          <p:cNvPicPr>
-            <a:picLocks noChangeAspect="1" noChangeArrowheads="1"/>
+          <p:cNvPr id="8" name="Рисунок 14"/>
+          <p:cNvPicPr preferRelativeResize="0">
+            <a:picLocks noChangeAspect="1"/>
           </p:cNvPicPr>
           <p:nvPr/>
         </p:nvPicPr>
@@ -5669,8 +8479,8 @@
         </p:blipFill>
         <p:spPr bwMode="auto">
           <a:xfrm>
-            <a:off x="1943893" y="1833631"/>
-            <a:ext cx="8304213" cy="4084637"/>
+            <a:off x="7972234" y="4186489"/>
+            <a:ext cx="2386264" cy="1885961"/>
           </a:xfrm>
           <a:prstGeom prst="rect">
             <a:avLst/>
@@ -5679,70 +8489,585 @@
           <a:ln>
             <a:noFill/>
           </a:ln>
-          <a:effectLst/>
           <a:extLst>
             <a:ext uri="{909E8E84-426E-40DD-AFC4-6F175D3DCCD1}">
               <a14:hiddenFill xmlns:a14="http://schemas.microsoft.com/office/drawing/2010/main">
                 <a:solidFill>
-                  <a:schemeClr val="accent1"/>
+                  <a:srgbClr val="FFFFFF"/>
                 </a:solidFill>
               </a14:hiddenFill>
             </a:ext>
             <a:ext uri="{91240B29-F687-4F45-9708-019B960494DF}">
               <a14:hiddenLine xmlns:a14="http://schemas.microsoft.com/office/drawing/2010/main" w="9525">
                 <a:solidFill>
-                  <a:schemeClr val="tx1"/>
+                  <a:srgbClr val="000000"/>
                 </a:solidFill>
                 <a:miter lim="800000"/>
                 <a:headEnd/>
                 <a:tailEnd/>
               </a14:hiddenLine>
             </a:ext>
-            <a:ext uri="{AF507438-7753-43E0-B8FC-AC1667EBCBE1}">
-              <a14:hiddenEffects xmlns:a14="http://schemas.microsoft.com/office/drawing/2010/main">
-                <a:effectLst>
-                  <a:outerShdw dist="35921" dir="2700000" algn="ctr" rotWithShape="0">
-                    <a:schemeClr val="bg2"/>
-                  </a:outerShdw>
-                </a:effectLst>
-              </a14:hiddenEffects>
+          </a:extLst>
+        </p:spPr>
+      </p:pic>
+      <p:pic>
+        <p:nvPicPr>
+          <p:cNvPr id="9" name="Рисунок 13"/>
+          <p:cNvPicPr preferRelativeResize="0">
+            <a:picLocks noChangeAspect="1"/>
+          </p:cNvPicPr>
+          <p:nvPr/>
+        </p:nvPicPr>
+        <p:blipFill>
+          <a:blip r:embed="rId3">
+            <a:extLst>
+              <a:ext uri="{28A0092B-C50C-407E-A947-70E740481C1C}">
+                <a14:useLocalDpi xmlns:a14="http://schemas.microsoft.com/office/drawing/2010/main" val="0"/>
+              </a:ext>
+            </a:extLst>
+          </a:blip>
+          <a:srcRect t="36621"/>
+          <a:stretch>
+            <a:fillRect/>
+          </a:stretch>
+        </p:blipFill>
+        <p:spPr bwMode="auto">
+          <a:xfrm>
+            <a:off x="838200" y="4186489"/>
+            <a:ext cx="5349240" cy="2517459"/>
+          </a:xfrm>
+          <a:prstGeom prst="rect">
+            <a:avLst/>
+          </a:prstGeom>
+          <a:noFill/>
+          <a:ln>
+            <a:noFill/>
+          </a:ln>
+          <a:extLst>
+            <a:ext uri="{909E8E84-426E-40DD-AFC4-6F175D3DCCD1}">
+              <a14:hiddenFill xmlns:a14="http://schemas.microsoft.com/office/drawing/2010/main">
+                <a:solidFill>
+                  <a:srgbClr val="FFFFFF"/>
+                </a:solidFill>
+              </a14:hiddenFill>
+            </a:ext>
+            <a:ext uri="{91240B29-F687-4F45-9708-019B960494DF}">
+              <a14:hiddenLine xmlns:a14="http://schemas.microsoft.com/office/drawing/2010/main" w="9525">
+                <a:solidFill>
+                  <a:srgbClr val="000000"/>
+                </a:solidFill>
+                <a:miter lim="800000"/>
+                <a:headEnd/>
+                <a:tailEnd/>
+              </a14:hiddenLine>
             </a:ext>
           </a:extLst>
         </p:spPr>
       </p:pic>
       <p:sp>
         <p:nvSpPr>
-          <p:cNvPr id="5" name="Заголовок 1"/>
+          <p:cNvPr id="10" name="Прямоугольник 7"/>
+          <p:cNvSpPr>
+            <a:spLocks noChangeArrowheads="1"/>
+          </p:cNvSpPr>
+          <p:nvPr/>
+        </p:nvSpPr>
+        <p:spPr bwMode="auto">
+          <a:xfrm>
+            <a:off x="6187440" y="6065002"/>
+            <a:ext cx="5726828" cy="523220"/>
+          </a:xfrm>
+          <a:prstGeom prst="rect">
+            <a:avLst/>
+          </a:prstGeom>
+          <a:noFill/>
+          <a:ln>
+            <a:noFill/>
+          </a:ln>
+          <a:extLst>
+            <a:ext uri="{909E8E84-426E-40DD-AFC4-6F175D3DCCD1}">
+              <a14:hiddenFill xmlns:a14="http://schemas.microsoft.com/office/drawing/2010/main">
+                <a:solidFill>
+                  <a:srgbClr val="FFFFFF"/>
+                </a:solidFill>
+              </a14:hiddenFill>
+            </a:ext>
+            <a:ext uri="{91240B29-F687-4F45-9708-019B960494DF}">
+              <a14:hiddenLine xmlns:a14="http://schemas.microsoft.com/office/drawing/2010/main" w="9525">
+                <a:solidFill>
+                  <a:srgbClr val="000000"/>
+                </a:solidFill>
+                <a:miter lim="800000"/>
+                <a:headEnd/>
+                <a:tailEnd/>
+              </a14:hiddenLine>
+            </a:ext>
+          </a:extLst>
+        </p:spPr>
+        <p:txBody>
+          <a:bodyPr wrap="square">
+            <a:spAutoFit/>
+          </a:bodyPr>
+          <a:lstStyle>
+            <a:lvl1pPr>
+              <a:spcBef>
+                <a:spcPct val="20000"/>
+              </a:spcBef>
+              <a:buFont typeface="Arial" panose="020B0604020202020204" pitchFamily="34" charset="0"/>
+              <a:buChar char="•"/>
+              <a:defRPr sz="3200">
+                <a:solidFill>
+                  <a:schemeClr val="tx1"/>
+                </a:solidFill>
+                <a:latin typeface="Calibri" panose="020F0502020204030204" pitchFamily="34" charset="0"/>
+              </a:defRPr>
+            </a:lvl1pPr>
+            <a:lvl2pPr marL="742950" indent="-285750">
+              <a:spcBef>
+                <a:spcPct val="20000"/>
+              </a:spcBef>
+              <a:buFont typeface="Arial" panose="020B0604020202020204" pitchFamily="34" charset="0"/>
+              <a:buChar char="–"/>
+              <a:defRPr sz="2800">
+                <a:solidFill>
+                  <a:schemeClr val="tx1"/>
+                </a:solidFill>
+                <a:latin typeface="Calibri" panose="020F0502020204030204" pitchFamily="34" charset="0"/>
+              </a:defRPr>
+            </a:lvl2pPr>
+            <a:lvl3pPr marL="1143000" indent="-228600">
+              <a:spcBef>
+                <a:spcPct val="20000"/>
+              </a:spcBef>
+              <a:buFont typeface="Arial" panose="020B0604020202020204" pitchFamily="34" charset="0"/>
+              <a:buChar char="•"/>
+              <a:defRPr sz="2400">
+                <a:solidFill>
+                  <a:schemeClr val="tx1"/>
+                </a:solidFill>
+                <a:latin typeface="Calibri" panose="020F0502020204030204" pitchFamily="34" charset="0"/>
+              </a:defRPr>
+            </a:lvl3pPr>
+            <a:lvl4pPr marL="1600200" indent="-228600">
+              <a:spcBef>
+                <a:spcPct val="20000"/>
+              </a:spcBef>
+              <a:buFont typeface="Arial" panose="020B0604020202020204" pitchFamily="34" charset="0"/>
+              <a:buChar char="–"/>
+              <a:defRPr sz="2000">
+                <a:solidFill>
+                  <a:schemeClr val="tx1"/>
+                </a:solidFill>
+                <a:latin typeface="Calibri" panose="020F0502020204030204" pitchFamily="34" charset="0"/>
+              </a:defRPr>
+            </a:lvl4pPr>
+            <a:lvl5pPr marL="2057400" indent="-228600">
+              <a:spcBef>
+                <a:spcPct val="20000"/>
+              </a:spcBef>
+              <a:buFont typeface="Arial" panose="020B0604020202020204" pitchFamily="34" charset="0"/>
+              <a:buChar char="»"/>
+              <a:defRPr sz="2000">
+                <a:solidFill>
+                  <a:schemeClr val="tx1"/>
+                </a:solidFill>
+                <a:latin typeface="Calibri" panose="020F0502020204030204" pitchFamily="34" charset="0"/>
+              </a:defRPr>
+            </a:lvl5pPr>
+            <a:lvl6pPr marL="2514600" indent="-228600" eaLnBrk="0" fontAlgn="base" hangingPunct="0">
+              <a:spcBef>
+                <a:spcPct val="20000"/>
+              </a:spcBef>
+              <a:spcAft>
+                <a:spcPct val="0"/>
+              </a:spcAft>
+              <a:buFont typeface="Arial" panose="020B0604020202020204" pitchFamily="34" charset="0"/>
+              <a:buChar char="»"/>
+              <a:defRPr sz="2000">
+                <a:solidFill>
+                  <a:schemeClr val="tx1"/>
+                </a:solidFill>
+                <a:latin typeface="Calibri" panose="020F0502020204030204" pitchFamily="34" charset="0"/>
+              </a:defRPr>
+            </a:lvl6pPr>
+            <a:lvl7pPr marL="2971800" indent="-228600" eaLnBrk="0" fontAlgn="base" hangingPunct="0">
+              <a:spcBef>
+                <a:spcPct val="20000"/>
+              </a:spcBef>
+              <a:spcAft>
+                <a:spcPct val="0"/>
+              </a:spcAft>
+              <a:buFont typeface="Arial" panose="020B0604020202020204" pitchFamily="34" charset="0"/>
+              <a:buChar char="»"/>
+              <a:defRPr sz="2000">
+                <a:solidFill>
+                  <a:schemeClr val="tx1"/>
+                </a:solidFill>
+                <a:latin typeface="Calibri" panose="020F0502020204030204" pitchFamily="34" charset="0"/>
+              </a:defRPr>
+            </a:lvl7pPr>
+            <a:lvl8pPr marL="3429000" indent="-228600" eaLnBrk="0" fontAlgn="base" hangingPunct="0">
+              <a:spcBef>
+                <a:spcPct val="20000"/>
+              </a:spcBef>
+              <a:spcAft>
+                <a:spcPct val="0"/>
+              </a:spcAft>
+              <a:buFont typeface="Arial" panose="020B0604020202020204" pitchFamily="34" charset="0"/>
+              <a:buChar char="»"/>
+              <a:defRPr sz="2000">
+                <a:solidFill>
+                  <a:schemeClr val="tx1"/>
+                </a:solidFill>
+                <a:latin typeface="Calibri" panose="020F0502020204030204" pitchFamily="34" charset="0"/>
+              </a:defRPr>
+            </a:lvl8pPr>
+            <a:lvl9pPr marL="3886200" indent="-228600" eaLnBrk="0" fontAlgn="base" hangingPunct="0">
+              <a:spcBef>
+                <a:spcPct val="20000"/>
+              </a:spcBef>
+              <a:spcAft>
+                <a:spcPct val="0"/>
+              </a:spcAft>
+              <a:buFont typeface="Arial" panose="020B0604020202020204" pitchFamily="34" charset="0"/>
+              <a:buChar char="»"/>
+              <a:defRPr sz="2000">
+                <a:solidFill>
+                  <a:schemeClr val="tx1"/>
+                </a:solidFill>
+                <a:latin typeface="Calibri" panose="020F0502020204030204" pitchFamily="34" charset="0"/>
+              </a:defRPr>
+            </a:lvl9pPr>
+          </a:lstStyle>
+          <a:p>
+            <a:pPr algn="ctr" defTabSz="685800">
+              <a:spcBef>
+                <a:spcPct val="40000"/>
+              </a:spcBef>
+              <a:buClr>
+                <a:srgbClr val="9900FF"/>
+              </a:buClr>
+              <a:buSzPct val="120000"/>
+              <a:buNone/>
+              <a:defRPr/>
+            </a:pPr>
+            <a:r>
+              <a:rPr lang="ru-RU" altLang="ru-RU" sz="1400" b="1" kern="0" dirty="0">
+                <a:latin typeface="Arial" panose="020B0604020202020204" pitchFamily="34" charset="0"/>
+                <a:cs typeface="Arial" panose="020B0604020202020204" pitchFamily="34" charset="0"/>
+              </a:rPr>
+              <a:t>Фотоизображения свечения</a:t>
+            </a:r>
+            <a:r>
+              <a:rPr lang="ru-RU" altLang="ru-RU" sz="1400" kern="0" dirty="0">
+                <a:latin typeface="Arial" panose="020B0604020202020204" pitchFamily="34" charset="0"/>
+                <a:cs typeface="Arial" panose="020B0604020202020204" pitchFamily="34" charset="0"/>
+              </a:rPr>
+              <a:t>: </a:t>
+            </a:r>
+            <a:r>
+              <a:rPr lang="ru-RU" altLang="ru-RU" sz="1400" kern="0" dirty="0" smtClean="0">
+                <a:latin typeface="Arial" panose="020B0604020202020204" pitchFamily="34" charset="0"/>
+                <a:cs typeface="Arial" panose="020B0604020202020204" pitchFamily="34" charset="0"/>
+              </a:rPr>
+              <a:t>вид </a:t>
+            </a:r>
+            <a:r>
+              <a:rPr lang="ru-RU" altLang="ru-RU" sz="1400" kern="0" dirty="0">
+                <a:latin typeface="Arial" panose="020B0604020202020204" pitchFamily="34" charset="0"/>
+                <a:cs typeface="Arial" panose="020B0604020202020204" pitchFamily="34" charset="0"/>
+              </a:rPr>
+              <a:t>в поперечном сечении разрядной камеры; вид </a:t>
+            </a:r>
+            <a:r>
+              <a:rPr lang="ru-RU" altLang="ru-RU" sz="1400" kern="0" dirty="0" smtClean="0">
+                <a:latin typeface="Arial" panose="020B0604020202020204" pitchFamily="34" charset="0"/>
+                <a:cs typeface="Arial" panose="020B0604020202020204" pitchFamily="34" charset="0"/>
+              </a:rPr>
+              <a:t>сбоку</a:t>
+            </a:r>
+            <a:endParaRPr lang="ru-RU" altLang="ru-RU" sz="1400" kern="0" dirty="0">
+              <a:latin typeface="Arial" panose="020B0604020202020204" pitchFamily="34" charset="0"/>
+              <a:cs typeface="Arial" panose="020B0604020202020204" pitchFamily="34" charset="0"/>
+            </a:endParaRPr>
+          </a:p>
+        </p:txBody>
+      </p:sp>
+      <p:pic>
+        <p:nvPicPr>
+          <p:cNvPr id="11" name="Рисунок 10"/>
+          <p:cNvPicPr preferRelativeResize="0">
+            <a:picLocks noChangeAspect="1"/>
+          </p:cNvPicPr>
+          <p:nvPr/>
+        </p:nvPicPr>
+        <p:blipFill>
+          <a:blip r:embed="rId4"/>
+          <a:stretch>
+            <a:fillRect/>
+          </a:stretch>
+        </p:blipFill>
+        <p:spPr>
+          <a:xfrm>
+            <a:off x="6971734" y="1501078"/>
+            <a:ext cx="3386764" cy="2068123"/>
+          </a:xfrm>
+          <a:prstGeom prst="rect">
+            <a:avLst/>
+          </a:prstGeom>
+        </p:spPr>
+      </p:pic>
+      <p:sp>
+        <p:nvSpPr>
+          <p:cNvPr id="12" name="TextBox 2"/>
+          <p:cNvSpPr txBox="1">
+            <a:spLocks noChangeArrowheads="1"/>
+          </p:cNvSpPr>
+          <p:nvPr/>
+        </p:nvSpPr>
+        <p:spPr bwMode="auto">
+          <a:xfrm>
+            <a:off x="7753454" y="3624550"/>
+            <a:ext cx="2594800" cy="307777"/>
+          </a:xfrm>
+          <a:prstGeom prst="rect">
+            <a:avLst/>
+          </a:prstGeom>
+          <a:noFill/>
+          <a:ln>
+            <a:noFill/>
+          </a:ln>
+          <a:extLst>
+            <a:ext uri="{909E8E84-426E-40DD-AFC4-6F175D3DCCD1}">
+              <a14:hiddenFill xmlns:a14="http://schemas.microsoft.com/office/drawing/2010/main">
+                <a:solidFill>
+                  <a:srgbClr val="FFFFFF"/>
+                </a:solidFill>
+              </a14:hiddenFill>
+            </a:ext>
+            <a:ext uri="{91240B29-F687-4F45-9708-019B960494DF}">
+              <a14:hiddenLine xmlns:a14="http://schemas.microsoft.com/office/drawing/2010/main" w="9525">
+                <a:solidFill>
+                  <a:srgbClr val="000000"/>
+                </a:solidFill>
+                <a:miter lim="800000"/>
+                <a:headEnd/>
+                <a:tailEnd/>
+              </a14:hiddenLine>
+            </a:ext>
+          </a:extLst>
+        </p:spPr>
+        <p:txBody>
+          <a:bodyPr wrap="square">
+            <a:spAutoFit/>
+          </a:bodyPr>
+          <a:lstStyle>
+            <a:lvl1pPr>
+              <a:spcBef>
+                <a:spcPct val="20000"/>
+              </a:spcBef>
+              <a:buFont typeface="Arial" panose="020B0604020202020204" pitchFamily="34" charset="0"/>
+              <a:buChar char="•"/>
+              <a:defRPr sz="3200">
+                <a:solidFill>
+                  <a:schemeClr val="tx1"/>
+                </a:solidFill>
+                <a:latin typeface="Calibri" panose="020F0502020204030204" pitchFamily="34" charset="0"/>
+              </a:defRPr>
+            </a:lvl1pPr>
+            <a:lvl2pPr marL="742950" indent="-285750">
+              <a:spcBef>
+                <a:spcPct val="20000"/>
+              </a:spcBef>
+              <a:buFont typeface="Arial" panose="020B0604020202020204" pitchFamily="34" charset="0"/>
+              <a:buChar char="–"/>
+              <a:defRPr sz="2800">
+                <a:solidFill>
+                  <a:schemeClr val="tx1"/>
+                </a:solidFill>
+                <a:latin typeface="Calibri" panose="020F0502020204030204" pitchFamily="34" charset="0"/>
+              </a:defRPr>
+            </a:lvl2pPr>
+            <a:lvl3pPr marL="1143000" indent="-228600">
+              <a:spcBef>
+                <a:spcPct val="20000"/>
+              </a:spcBef>
+              <a:buFont typeface="Arial" panose="020B0604020202020204" pitchFamily="34" charset="0"/>
+              <a:buChar char="•"/>
+              <a:defRPr sz="2400">
+                <a:solidFill>
+                  <a:schemeClr val="tx1"/>
+                </a:solidFill>
+                <a:latin typeface="Calibri" panose="020F0502020204030204" pitchFamily="34" charset="0"/>
+              </a:defRPr>
+            </a:lvl3pPr>
+            <a:lvl4pPr marL="1600200" indent="-228600">
+              <a:spcBef>
+                <a:spcPct val="20000"/>
+              </a:spcBef>
+              <a:buFont typeface="Arial" panose="020B0604020202020204" pitchFamily="34" charset="0"/>
+              <a:buChar char="–"/>
+              <a:defRPr sz="2000">
+                <a:solidFill>
+                  <a:schemeClr val="tx1"/>
+                </a:solidFill>
+                <a:latin typeface="Calibri" panose="020F0502020204030204" pitchFamily="34" charset="0"/>
+              </a:defRPr>
+            </a:lvl4pPr>
+            <a:lvl5pPr marL="2057400" indent="-228600">
+              <a:spcBef>
+                <a:spcPct val="20000"/>
+              </a:spcBef>
+              <a:buFont typeface="Arial" panose="020B0604020202020204" pitchFamily="34" charset="0"/>
+              <a:buChar char="»"/>
+              <a:defRPr sz="2000">
+                <a:solidFill>
+                  <a:schemeClr val="tx1"/>
+                </a:solidFill>
+                <a:latin typeface="Calibri" panose="020F0502020204030204" pitchFamily="34" charset="0"/>
+              </a:defRPr>
+            </a:lvl5pPr>
+            <a:lvl6pPr marL="2514600" indent="-228600" eaLnBrk="0" fontAlgn="base" hangingPunct="0">
+              <a:spcBef>
+                <a:spcPct val="20000"/>
+              </a:spcBef>
+              <a:spcAft>
+                <a:spcPct val="0"/>
+              </a:spcAft>
+              <a:buFont typeface="Arial" panose="020B0604020202020204" pitchFamily="34" charset="0"/>
+              <a:buChar char="»"/>
+              <a:defRPr sz="2000">
+                <a:solidFill>
+                  <a:schemeClr val="tx1"/>
+                </a:solidFill>
+                <a:latin typeface="Calibri" panose="020F0502020204030204" pitchFamily="34" charset="0"/>
+              </a:defRPr>
+            </a:lvl6pPr>
+            <a:lvl7pPr marL="2971800" indent="-228600" eaLnBrk="0" fontAlgn="base" hangingPunct="0">
+              <a:spcBef>
+                <a:spcPct val="20000"/>
+              </a:spcBef>
+              <a:spcAft>
+                <a:spcPct val="0"/>
+              </a:spcAft>
+              <a:buFont typeface="Arial" panose="020B0604020202020204" pitchFamily="34" charset="0"/>
+              <a:buChar char="»"/>
+              <a:defRPr sz="2000">
+                <a:solidFill>
+                  <a:schemeClr val="tx1"/>
+                </a:solidFill>
+                <a:latin typeface="Calibri" panose="020F0502020204030204" pitchFamily="34" charset="0"/>
+              </a:defRPr>
+            </a:lvl7pPr>
+            <a:lvl8pPr marL="3429000" indent="-228600" eaLnBrk="0" fontAlgn="base" hangingPunct="0">
+              <a:spcBef>
+                <a:spcPct val="20000"/>
+              </a:spcBef>
+              <a:spcAft>
+                <a:spcPct val="0"/>
+              </a:spcAft>
+              <a:buFont typeface="Arial" panose="020B0604020202020204" pitchFamily="34" charset="0"/>
+              <a:buChar char="»"/>
+              <a:defRPr sz="2000">
+                <a:solidFill>
+                  <a:schemeClr val="tx1"/>
+                </a:solidFill>
+                <a:latin typeface="Calibri" panose="020F0502020204030204" pitchFamily="34" charset="0"/>
+              </a:defRPr>
+            </a:lvl8pPr>
+            <a:lvl9pPr marL="3886200" indent="-228600" eaLnBrk="0" fontAlgn="base" hangingPunct="0">
+              <a:spcBef>
+                <a:spcPct val="20000"/>
+              </a:spcBef>
+              <a:spcAft>
+                <a:spcPct val="0"/>
+              </a:spcAft>
+              <a:buFont typeface="Arial" panose="020B0604020202020204" pitchFamily="34" charset="0"/>
+              <a:buChar char="»"/>
+              <a:defRPr sz="2000">
+                <a:solidFill>
+                  <a:schemeClr val="tx1"/>
+                </a:solidFill>
+                <a:latin typeface="Calibri" panose="020F0502020204030204" pitchFamily="34" charset="0"/>
+              </a:defRPr>
+            </a:lvl9pPr>
+          </a:lstStyle>
+          <a:p>
+            <a:pPr>
+              <a:spcBef>
+                <a:spcPts val="0"/>
+              </a:spcBef>
+              <a:buNone/>
+            </a:pPr>
+            <a:r>
+              <a:rPr lang="ru-RU" altLang="ru-RU" sz="1400" b="1" kern="0" dirty="0">
+                <a:latin typeface="Arial" panose="020B0604020202020204" pitchFamily="34" charset="0"/>
+                <a:cs typeface="Arial" panose="020B0604020202020204" pitchFamily="34" charset="0"/>
+              </a:rPr>
+              <a:t>Ток </a:t>
+            </a:r>
+            <a:r>
+              <a:rPr lang="ru-RU" altLang="ru-RU" sz="1400" b="1" kern="0" dirty="0" smtClean="0">
+                <a:latin typeface="Arial" panose="020B0604020202020204" pitchFamily="34" charset="0"/>
+                <a:cs typeface="Arial" panose="020B0604020202020204" pitchFamily="34" charset="0"/>
+              </a:rPr>
+              <a:t>разряда, </a:t>
+            </a:r>
+            <a:r>
+              <a:rPr lang="ru-RU" altLang="ru-RU" sz="1400" kern="0" dirty="0" smtClean="0">
+                <a:latin typeface="Arial" panose="020B0604020202020204" pitchFamily="34" charset="0"/>
+                <a:cs typeface="Arial" panose="020B0604020202020204" pitchFamily="34" charset="0"/>
+              </a:rPr>
+              <a:t>32 </a:t>
+            </a:r>
+            <a:r>
+              <a:rPr lang="ru-RU" altLang="ru-RU" sz="1400" kern="0" dirty="0" err="1" smtClean="0">
+                <a:latin typeface="Arial" panose="020B0604020202020204" pitchFamily="34" charset="0"/>
+                <a:cs typeface="Arial" panose="020B0604020202020204" pitchFamily="34" charset="0"/>
+              </a:rPr>
+              <a:t>Торр</a:t>
+            </a:r>
+            <a:r>
+              <a:rPr lang="ru-RU" altLang="ru-RU" sz="1400" kern="0" dirty="0" smtClean="0">
+                <a:latin typeface="Arial" panose="020B0604020202020204" pitchFamily="34" charset="0"/>
+                <a:cs typeface="Arial" panose="020B0604020202020204" pitchFamily="34" charset="0"/>
+              </a:rPr>
+              <a:t> </a:t>
+            </a:r>
+            <a:endParaRPr lang="ru-RU" altLang="ru-RU" sz="1400" kern="0" dirty="0">
+              <a:latin typeface="Arial" panose="020B0604020202020204" pitchFamily="34" charset="0"/>
+              <a:cs typeface="Arial" panose="020B0604020202020204" pitchFamily="34" charset="0"/>
+            </a:endParaRPr>
+          </a:p>
+        </p:txBody>
+      </p:sp>
+      <p:sp>
+        <p:nvSpPr>
+          <p:cNvPr id="13" name="Номер слайда 12"/>
           <p:cNvSpPr>
             <a:spLocks noGrp="1"/>
           </p:cNvSpPr>
           <p:nvPr>
-            <p:ph type="title"/>
+            <p:ph type="sldNum" sz="quarter" idx="12"/>
           </p:nvPr>
         </p:nvSpPr>
         <p:spPr/>
         <p:txBody>
-          <a:bodyPr>
-            <a:normAutofit/>
-          </a:bodyPr>
+          <a:bodyPr/>
           <a:lstStyle/>
           <a:p>
-            <a:r>
-              <a:rPr lang="ru-RU" sz="3600" b="1" u="sng" dirty="0" smtClean="0">
-                <a:latin typeface="Arial Black" panose="020B0A04020102020204" pitchFamily="34" charset="0"/>
-              </a:rPr>
-              <a:t>Разрядная секция</a:t>
-            </a:r>
-            <a:endParaRPr lang="ru-RU" sz="3600" b="1" u="sng" dirty="0">
-              <a:latin typeface="Arial Black" panose="020B0A04020102020204" pitchFamily="34" charset="0"/>
-            </a:endParaRPr>
+            <a:fld id="{9FAB18EA-D421-4479-A48C-D4262B204458}" type="slidenum">
+              <a:rPr lang="ru-RU" smtClean="0"/>
+              <a:t>6</a:t>
+            </a:fld>
+            <a:endParaRPr lang="ru-RU"/>
           </a:p>
         </p:txBody>
       </p:sp>
     </p:spTree>
     <p:extLst>
       <p:ext uri="{BB962C8B-B14F-4D97-AF65-F5344CB8AC3E}">
-        <p14:creationId xmlns:p14="http://schemas.microsoft.com/office/powerpoint/2010/main" val="4181990475"/>
+        <p14:creationId xmlns:p14="http://schemas.microsoft.com/office/powerpoint/2010/main" val="4098574829"/>
       </p:ext>
     </p:extLst>
   </p:cSld>
@@ -5832,8 +9157,8 @@
         </p:blipFill>
         <p:spPr>
           <a:xfrm>
-            <a:off x="1750212" y="1690688"/>
-            <a:ext cx="8691576" cy="4364709"/>
+            <a:off x="0" y="2212804"/>
+            <a:ext cx="6671975" cy="3350512"/>
           </a:xfrm>
           <a:prstGeom prst="rect">
             <a:avLst/>
@@ -5841,13 +9166,7 @@
           <a:ln>
             <a:noFill/>
           </a:ln>
-          <a:effectLst>
-            <a:outerShdw blurRad="292100" dist="139700" dir="2700000" algn="tl" rotWithShape="0">
-              <a:srgbClr val="333333">
-                <a:alpha val="65000"/>
-              </a:srgbClr>
-            </a:outerShdw>
-          </a:effectLst>
+          <a:effectLst/>
         </p:spPr>
       </p:pic>
       <p:grpSp>
@@ -5858,7 +9177,7 @@
         </p:nvGrpSpPr>
         <p:grpSpPr>
           <a:xfrm>
-            <a:off x="10850979" y="1570870"/>
+            <a:off x="5316453" y="2352438"/>
             <a:ext cx="1005641" cy="1015049"/>
             <a:chOff x="8100392" y="913151"/>
             <a:chExt cx="1005641" cy="1015049"/>
@@ -6054,6 +9373,134 @@
           </p:txBody>
         </p:sp>
       </p:grpSp>
+      <p:pic>
+        <p:nvPicPr>
+          <p:cNvPr id="13" name="Рисунок 12"/>
+          <p:cNvPicPr preferRelativeResize="0">
+            <a:picLocks noChangeAspect="1"/>
+          </p:cNvPicPr>
+          <p:nvPr/>
+        </p:nvPicPr>
+        <p:blipFill>
+          <a:blip r:embed="rId3"/>
+          <a:stretch>
+            <a:fillRect/>
+          </a:stretch>
+        </p:blipFill>
+        <p:spPr>
+          <a:xfrm>
+            <a:off x="7349728" y="2352438"/>
+            <a:ext cx="3825065" cy="1931282"/>
+          </a:xfrm>
+          <a:prstGeom prst="rect">
+            <a:avLst/>
+          </a:prstGeom>
+        </p:spPr>
+      </p:pic>
+      <p:sp>
+        <p:nvSpPr>
+          <p:cNvPr id="14" name="Прямоугольник 13"/>
+          <p:cNvSpPr/>
+          <p:nvPr/>
+        </p:nvSpPr>
+        <p:spPr>
+          <a:xfrm>
+            <a:off x="6671975" y="4699975"/>
+            <a:ext cx="5192634" cy="1323439"/>
+          </a:xfrm>
+          <a:prstGeom prst="rect">
+            <a:avLst/>
+          </a:prstGeom>
+        </p:spPr>
+        <p:txBody>
+          <a:bodyPr wrap="square">
+            <a:spAutoFit/>
+          </a:bodyPr>
+          <a:lstStyle/>
+          <a:p>
+            <a:pPr algn="ctr"/>
+            <a:r>
+              <a:rPr lang="ru-RU" sz="1600" b="1" dirty="0" smtClean="0">
+                <a:latin typeface="Times New Roman" panose="02020603050405020304" pitchFamily="18" charset="0"/>
+                <a:cs typeface="Times New Roman" panose="02020603050405020304" pitchFamily="18" charset="0"/>
+              </a:rPr>
+              <a:t>Свечение поверхностного скользящего разряда </a:t>
+            </a:r>
+            <a:r>
+              <a:rPr lang="ru-RU" sz="1600" dirty="0" smtClean="0">
+                <a:latin typeface="Times New Roman" panose="02020603050405020304" pitchFamily="18" charset="0"/>
+                <a:cs typeface="Times New Roman" panose="02020603050405020304" pitchFamily="18" charset="0"/>
+              </a:rPr>
+              <a:t>в потоке с косым скачком уплотнения (число Маха 1.37). </a:t>
+            </a:r>
+          </a:p>
+          <a:p>
+            <a:pPr lvl="0" algn="ctr"/>
+            <a:r>
+              <a:rPr lang="ru-RU" sz="1600" dirty="0" smtClean="0">
+                <a:latin typeface="Times New Roman" panose="02020603050405020304" pitchFamily="18" charset="0"/>
+                <a:cs typeface="Times New Roman" panose="02020603050405020304" pitchFamily="18" charset="0"/>
+              </a:rPr>
+              <a:t>Нижнее изображение получено через светофильтр, пропускающий излучение с длиной волны 405 </a:t>
+            </a:r>
+            <a:r>
+              <a:rPr lang="ru-RU" sz="1600" dirty="0" err="1" smtClean="0">
+                <a:latin typeface="Times New Roman" panose="02020603050405020304" pitchFamily="18" charset="0"/>
+                <a:cs typeface="Times New Roman" panose="02020603050405020304" pitchFamily="18" charset="0"/>
+              </a:rPr>
+              <a:t>нм</a:t>
+            </a:r>
+            <a:r>
+              <a:rPr lang="ru-RU" sz="1600" dirty="0" smtClean="0">
+                <a:latin typeface="Times New Roman" panose="02020603050405020304" pitchFamily="18" charset="0"/>
+                <a:cs typeface="Times New Roman" panose="02020603050405020304" pitchFamily="18" charset="0"/>
+              </a:rPr>
+              <a:t>. </a:t>
+            </a:r>
+            <a:r>
+              <a:rPr lang="ru-RU" sz="1600" i="1" dirty="0">
+                <a:latin typeface="Times New Roman" panose="02020603050405020304" pitchFamily="18" charset="0"/>
+                <a:cs typeface="Times New Roman" panose="02020603050405020304" pitchFamily="18" charset="0"/>
+              </a:rPr>
+              <a:t>Инициировался верхний плазменный лист</a:t>
+            </a:r>
+            <a:r>
+              <a:rPr lang="ru-RU" sz="1600" i="1" dirty="0" smtClean="0">
+                <a:latin typeface="Times New Roman" panose="02020603050405020304" pitchFamily="18" charset="0"/>
+                <a:cs typeface="Times New Roman" panose="02020603050405020304" pitchFamily="18" charset="0"/>
+              </a:rPr>
+              <a:t>.</a:t>
+            </a:r>
+            <a:endParaRPr lang="ru-RU" sz="1600" dirty="0">
+              <a:latin typeface="Times New Roman" panose="02020603050405020304" pitchFamily="18" charset="0"/>
+              <a:cs typeface="Times New Roman" panose="02020603050405020304" pitchFamily="18" charset="0"/>
+            </a:endParaRPr>
+          </a:p>
+        </p:txBody>
+      </p:sp>
+      <p:sp>
+        <p:nvSpPr>
+          <p:cNvPr id="2" name="Номер слайда 1"/>
+          <p:cNvSpPr>
+            <a:spLocks noGrp="1"/>
+          </p:cNvSpPr>
+          <p:nvPr>
+            <p:ph type="sldNum" sz="quarter" idx="12"/>
+          </p:nvPr>
+        </p:nvSpPr>
+        <p:spPr/>
+        <p:txBody>
+          <a:bodyPr/>
+          <a:lstStyle/>
+          <a:p>
+            <a:fld id="{9FAB18EA-D421-4479-A48C-D4262B204458}" type="slidenum">
+              <a:rPr lang="ru-RU" smtClean="0"/>
+              <a:t>7</a:t>
+            </a:fld>
+            <a:endParaRPr lang="ru-RU"/>
+          </a:p>
+        </p:txBody>
+      </p:sp>
     </p:spTree>
     <p:extLst>
       <p:ext uri="{BB962C8B-B14F-4D97-AF65-F5344CB8AC3E}">
@@ -6987,6 +10434,29 @@
           </a:p>
         </p:txBody>
       </p:sp>
+      <p:sp>
+        <p:nvSpPr>
+          <p:cNvPr id="2" name="Номер слайда 1"/>
+          <p:cNvSpPr>
+            <a:spLocks noGrp="1"/>
+          </p:cNvSpPr>
+          <p:nvPr>
+            <p:ph type="sldNum" sz="quarter" idx="12"/>
+          </p:nvPr>
+        </p:nvSpPr>
+        <p:spPr/>
+        <p:txBody>
+          <a:bodyPr/>
+          <a:lstStyle/>
+          <a:p>
+            <a:fld id="{9FAB18EA-D421-4479-A48C-D4262B204458}" type="slidenum">
+              <a:rPr lang="ru-RU" smtClean="0"/>
+              <a:t>8</a:t>
+            </a:fld>
+            <a:endParaRPr lang="ru-RU"/>
+          </a:p>
+        </p:txBody>
+      </p:sp>
     </p:spTree>
     <p:extLst>
       <p:ext uri="{BB962C8B-B14F-4D97-AF65-F5344CB8AC3E}">
@@ -7066,65 +10536,84 @@
         </p:nvSpPr>
         <p:spPr>
           <a:xfrm>
-            <a:off x="838199" y="2133600"/>
-            <a:ext cx="5690938" cy="1477328"/>
+            <a:off x="1404195" y="1909706"/>
+            <a:ext cx="5060771" cy="646331"/>
           </a:xfrm>
           <a:prstGeom prst="rect">
             <a:avLst/>
           </a:prstGeom>
-          <a:noFill/>
         </p:spPr>
+        <p:style>
+          <a:lnRef idx="2">
+            <a:schemeClr val="dk1"/>
+          </a:lnRef>
+          <a:fillRef idx="1">
+            <a:schemeClr val="lt1"/>
+          </a:fillRef>
+          <a:effectRef idx="0">
+            <a:schemeClr val="dk1"/>
+          </a:effectRef>
+          <a:fontRef idx="minor">
+            <a:schemeClr val="dk1"/>
+          </a:fontRef>
+        </p:style>
         <p:txBody>
           <a:bodyPr wrap="square" rtlCol="0">
             <a:spAutoFit/>
           </a:bodyPr>
           <a:lstStyle/>
           <a:p>
-            <a:r>
-              <a:rPr lang="ru-RU" sz="2400" dirty="0"/>
+            <a:pPr algn="ctr"/>
+            <a:r>
+              <a:rPr lang="ru-RU" dirty="0"/>
               <a:t>Концентрация электронов определялась по </a:t>
             </a:r>
             <a:r>
-              <a:rPr lang="ru-RU" sz="2400" dirty="0" err="1"/>
-              <a:t>штарковскому</a:t>
-            </a:r>
-            <a:r>
-              <a:rPr lang="ru-RU" sz="2400" dirty="0"/>
-              <a:t> уширению линии </a:t>
-            </a:r>
-            <a:r>
-              <a:rPr lang="en-US" sz="2400" dirty="0"/>
+              <a:rPr lang="ru-RU" dirty="0" err="1"/>
+              <a:t>Ш</a:t>
+            </a:r>
+            <a:r>
+              <a:rPr lang="ru-RU" dirty="0" err="1" smtClean="0"/>
+              <a:t>тарковскому</a:t>
+            </a:r>
+            <a:r>
+              <a:rPr lang="ru-RU" dirty="0" smtClean="0"/>
+              <a:t> </a:t>
+            </a:r>
+            <a:r>
+              <a:rPr lang="ru-RU" dirty="0"/>
+              <a:t>уширению линии </a:t>
+            </a:r>
+            <a:r>
+              <a:rPr lang="en-US" dirty="0"/>
               <a:t>H</a:t>
             </a:r>
             <a:r>
-              <a:rPr lang="el-GR" sz="2400" baseline="-25000" dirty="0"/>
+              <a:rPr lang="el-GR" baseline="-25000" dirty="0"/>
               <a:t>α</a:t>
             </a:r>
             <a:r>
-              <a:rPr lang="ru-RU" sz="2400" dirty="0"/>
+              <a:rPr lang="ru-RU" dirty="0"/>
               <a:t> </a:t>
             </a:r>
             <a:r>
-              <a:rPr lang="en-US" sz="2400" dirty="0"/>
+              <a:rPr lang="en-US" dirty="0"/>
               <a:t> (656,3 </a:t>
             </a:r>
             <a:r>
-              <a:rPr lang="ru-RU" sz="2400" dirty="0" err="1" smtClean="0"/>
+              <a:rPr lang="ru-RU" dirty="0" err="1" smtClean="0"/>
               <a:t>нм</a:t>
             </a:r>
             <a:r>
-              <a:rPr lang="ru-RU" sz="2400" dirty="0" smtClean="0"/>
+              <a:rPr lang="ru-RU" dirty="0" smtClean="0"/>
               <a:t>).</a:t>
             </a:r>
-            <a:endParaRPr lang="ru-RU" sz="2400" dirty="0"/>
-          </a:p>
-          <a:p>
             <a:endParaRPr lang="ru-RU" dirty="0"/>
           </a:p>
         </p:txBody>
       </p:sp>
-      <mc:AlternateContent xmlns:mc="http://schemas.openxmlformats.org/markup-compatibility/2006" xmlns:a14="http://schemas.microsoft.com/office/drawing/2010/main">
-        <mc:Choice Requires="a14">
+      <mc:AlternateContent xmlns:mc="http://schemas.openxmlformats.org/markup-compatibility/2006">
+        <mc:Choice xmlns:a14="http://schemas.microsoft.com/office/drawing/2010/main" Requires="a14">
           <p:sp>
             <p:nvSpPr>
               <p:cNvPr id="6" name="Прямоугольник 5"/>
@@ -7133,24 +10622,39 @@
             </p:nvSpPr>
             <p:spPr>
               <a:xfrm>
-                <a:off x="838199" y="4185549"/>
-                <a:ext cx="6894095" cy="2062359"/>
+                <a:off x="843955" y="4398789"/>
+                <a:ext cx="6181249" cy="1421799"/>
               </a:xfrm>
               <a:prstGeom prst="rect">
                 <a:avLst/>
               </a:prstGeom>
             </p:spPr>
+            <p:style>
+              <a:lnRef idx="2">
+                <a:schemeClr val="dk1"/>
+              </a:lnRef>
+              <a:fillRef idx="1">
+                <a:schemeClr val="lt1"/>
+              </a:fillRef>
+              <a:effectRef idx="0">
+                <a:schemeClr val="dk1"/>
+              </a:effectRef>
+              <a:fontRef idx="minor">
+                <a:schemeClr val="dk1"/>
+              </a:fontRef>
+            </p:style>
             <p:txBody>
               <a:bodyPr wrap="square">
                 <a:spAutoFit/>
               </a:bodyPr>
               <a:lstStyle/>
               <a:p>
+                <a:pPr algn="ctr"/>
                 <a:r>
-                  <a:rPr lang="ru-RU" sz="2400" dirty="0"/>
+                  <a:rPr lang="ru-RU" dirty="0"/>
                   <a:t>Определялась полуширина профиля и высчитывалась концентрация электронов по формуле:</a:t>
                 </a:r>
-                <a:endParaRPr lang="en-US" sz="2400" dirty="0"/>
+                <a:endParaRPr lang="en-US" dirty="0"/>
               </a:p>
               <a:p>
                 <a:pPr algn="ctr"/>
@@ -7163,14 +10667,14 @@
                       <m:sSub>
                         <m:sSubPr>
                           <m:ctrlPr>
-                            <a:rPr lang="ru-RU" sz="2000" i="1">
+                            <a:rPr lang="ru-RU" i="1">
                               <a:latin typeface="Cambria Math" panose="02040503050406030204" pitchFamily="18" charset="0"/>
                             </a:rPr>
                           </m:ctrlPr>
                         </m:sSubPr>
                         <m:e>
                           <m:r>
-                            <a:rPr lang="ru-RU" sz="2000" b="0" i="1">
+                            <a:rPr lang="ru-RU" b="0" i="1">
                               <a:latin typeface="Cambria Math"/>
                             </a:rPr>
                             <m:t>𝑛</m:t>
@@ -7178,7 +10682,7 @@
                         </m:e>
                         <m:sub>
                           <m:r>
-                            <a:rPr lang="ru-RU" sz="2000" b="0" i="1">
+                            <a:rPr lang="ru-RU" b="0" i="1">
                               <a:latin typeface="Cambria Math"/>
                             </a:rPr>
                             <m:t>𝑒</m:t>
@@ -7186,7 +10690,7 @@
                         </m:sub>
                       </m:sSub>
                       <m:r>
-                        <a:rPr lang="ru-RU" sz="2000" b="0" i="1">
+                        <a:rPr lang="ru-RU" b="0" i="1">
                           <a:latin typeface="Cambria Math"/>
                         </a:rPr>
                         <m:t>=</m:t>
@@ -7194,7 +10698,7 @@
                       <m:sSup>
                         <m:sSupPr>
                           <m:ctrlPr>
-                            <a:rPr lang="ru-RU" sz="2000" i="1">
+                            <a:rPr lang="ru-RU" i="1">
                               <a:latin typeface="Cambria Math" panose="02040503050406030204" pitchFamily="18" charset="0"/>
                             </a:rPr>
                           </m:ctrlPr>
@@ -7203,7 +10707,7 @@
                           <m:d>
                             <m:dPr>
                               <m:ctrlPr>
-                                <a:rPr lang="ru-RU" sz="2000" i="1">
+                                <a:rPr lang="ru-RU" i="1">
                                   <a:latin typeface="Cambria Math" panose="02040503050406030204" pitchFamily="18" charset="0"/>
                                 </a:rPr>
                               </m:ctrlPr>
@@ -7212,14 +10716,14 @@
                               <m:f>
                                 <m:fPr>
                                   <m:ctrlPr>
-                                    <a:rPr lang="ru-RU" sz="2000" i="1">
+                                    <a:rPr lang="ru-RU" i="1">
                                       <a:latin typeface="Cambria Math" panose="02040503050406030204" pitchFamily="18" charset="0"/>
                                     </a:rPr>
                                   </m:ctrlPr>
                                 </m:fPr>
                                 <m:num>
                                   <m:r>
-                                    <a:rPr lang="ru-RU" sz="2000" b="0" i="1">
+                                    <a:rPr lang="ru-RU" b="0" i="1">
                                       <a:latin typeface="Cambria Math"/>
                                     </a:rPr>
                                     <m:t>∆</m:t>
@@ -7227,14 +10731,14 @@
                                   <m:sSub>
                                     <m:sSubPr>
                                       <m:ctrlPr>
-                                        <a:rPr lang="ru-RU" sz="2000" i="1">
+                                        <a:rPr lang="ru-RU" i="1">
                                           <a:latin typeface="Cambria Math" panose="02040503050406030204" pitchFamily="18" charset="0"/>
                                         </a:rPr>
                                       </m:ctrlPr>
                                     </m:sSubPr>
                                     <m:e>
                                       <m:r>
-                                        <a:rPr lang="ru-RU" sz="2000" b="0" i="1">
+                                        <a:rPr lang="ru-RU" b="0" i="1">
                                           <a:latin typeface="Cambria Math"/>
                                         </a:rPr>
                                         <m:t>𝜆</m:t>
@@ -7242,7 +10746,7 @@
                                     </m:e>
                                     <m:sub>
                                       <m:r>
-                                        <a:rPr lang="ru-RU" sz="2000" b="0" i="1">
+                                        <a:rPr lang="ru-RU" b="0" i="1">
                                           <a:latin typeface="Cambria Math"/>
                                         </a:rPr>
                                         <m:t>𝑆𝑡𝑎𝑟𝑘</m:t>
@@ -7252,7 +10756,7 @@
                                 </m:num>
                                 <m:den>
                                   <m:r>
-                                    <a:rPr lang="ru-RU" sz="2000" b="0" i="1">
+                                    <a:rPr lang="ru-RU" b="0" i="1">
                                       <a:latin typeface="Cambria Math"/>
                                     </a:rPr>
                                     <m:t>8,33×</m:t>
@@ -7260,14 +10764,14 @@
                                   <m:sSup>
                                     <m:sSupPr>
                                       <m:ctrlPr>
-                                        <a:rPr lang="ru-RU" sz="2000" i="1">
+                                        <a:rPr lang="ru-RU" i="1">
                                           <a:latin typeface="Cambria Math" panose="02040503050406030204" pitchFamily="18" charset="0"/>
                                         </a:rPr>
                                       </m:ctrlPr>
                                     </m:sSupPr>
                                     <m:e>
                                       <m:r>
-                                        <a:rPr lang="ru-RU" sz="2000" b="0" i="1">
+                                        <a:rPr lang="ru-RU" b="0" i="1">
                                           <a:latin typeface="Cambria Math"/>
                                         </a:rPr>
                                         <m:t>10</m:t>
@@ -7275,7 +10779,7 @@
                                     </m:e>
                                     <m:sup>
                                       <m:r>
-                                        <a:rPr lang="ru-RU" sz="2000" b="0" i="1">
+                                        <a:rPr lang="ru-RU" b="0" i="1">
                                           <a:latin typeface="Cambria Math"/>
                                         </a:rPr>
                                         <m:t>−3</m:t>
@@ -7291,14 +10795,14 @@
                           <m:f>
                             <m:fPr>
                               <m:ctrlPr>
-                                <a:rPr lang="ru-RU" sz="2000" i="1">
+                                <a:rPr lang="ru-RU" i="1">
                                   <a:latin typeface="Cambria Math" panose="02040503050406030204" pitchFamily="18" charset="0"/>
                                 </a:rPr>
                               </m:ctrlPr>
                             </m:fPr>
                             <m:num>
                               <m:r>
-                                <a:rPr lang="ru-RU" sz="2000" b="0" i="1">
+                                <a:rPr lang="ru-RU" b="0" i="1">
                                   <a:latin typeface="Cambria Math"/>
                                 </a:rPr>
                                 <m:t>3</m:t>
@@ -7306,7 +10810,7 @@
                             </m:num>
                             <m:den>
                               <m:r>
-                                <a:rPr lang="ru-RU" sz="2000" b="0" i="1">
+                                <a:rPr lang="ru-RU" b="0" i="1">
                                   <a:latin typeface="Cambria Math"/>
                                 </a:rPr>
                                 <m:t>2</m:t>
@@ -7316,7 +10820,7 @@
                         </m:sup>
                       </m:sSup>
                       <m:r>
-                        <a:rPr lang="ru-RU" sz="2000" b="0" i="1">
+                        <a:rPr lang="ru-RU" b="0" i="1">
                           <a:latin typeface="Cambria Math"/>
                         </a:rPr>
                         <m:t>×</m:t>
@@ -7324,14 +10828,14 @@
                       <m:sSup>
                         <m:sSupPr>
                           <m:ctrlPr>
-                            <a:rPr lang="ru-RU" sz="2000" i="1">
+                            <a:rPr lang="ru-RU" i="1">
                               <a:latin typeface="Cambria Math" panose="02040503050406030204" pitchFamily="18" charset="0"/>
                             </a:rPr>
                           </m:ctrlPr>
                         </m:sSupPr>
                         <m:e>
                           <m:r>
-                            <a:rPr lang="ru-RU" sz="2000" b="0" i="1">
+                            <a:rPr lang="ru-RU" b="0" i="1">
                               <a:latin typeface="Cambria Math"/>
                             </a:rPr>
                             <m:t>10</m:t>
@@ -7339,7 +10843,7 @@
                         </m:e>
                         <m:sup>
                           <m:r>
-                            <a:rPr lang="ru-RU" sz="2000" b="0" i="1">
+                            <a:rPr lang="ru-RU" b="0" i="1">
                               <a:latin typeface="Cambria Math"/>
                             </a:rPr>
                             <m:t>20</m:t>
@@ -7347,7 +10851,7 @@
                         </m:sup>
                       </m:sSup>
                       <m:r>
-                        <a:rPr lang="ru-RU" sz="2000" b="0" i="1">
+                        <a:rPr lang="ru-RU" b="0" i="1">
                           <a:latin typeface="Cambria Math"/>
                         </a:rPr>
                         <m:t>,где  ∆</m:t>
@@ -7355,14 +10859,14 @@
                       <m:sSub>
                         <m:sSubPr>
                           <m:ctrlPr>
-                            <a:rPr lang="ru-RU" sz="2000" i="1">
+                            <a:rPr lang="ru-RU" i="1">
                               <a:latin typeface="Cambria Math" panose="02040503050406030204" pitchFamily="18" charset="0"/>
                             </a:rPr>
                           </m:ctrlPr>
                         </m:sSubPr>
                         <m:e>
                           <m:r>
-                            <a:rPr lang="ru-RU" sz="2000" b="0" i="1">
+                            <a:rPr lang="ru-RU" b="0" i="1">
                               <a:latin typeface="Cambria Math"/>
                             </a:rPr>
                             <m:t>𝜆</m:t>
@@ -7370,7 +10874,7 @@
                         </m:e>
                         <m:sub>
                           <m:r>
-                            <a:rPr lang="ru-RU" sz="2000" b="0" i="1">
+                            <a:rPr lang="ru-RU" b="0" i="1">
                               <a:latin typeface="Cambria Math"/>
                             </a:rPr>
                             <m:t>𝑆𝑡𝑎𝑟𝑘</m:t>
@@ -7378,7 +10882,7 @@
                         </m:sub>
                       </m:sSub>
                       <m:r>
-                        <a:rPr lang="ru-RU" sz="2000" b="0" i="1">
+                        <a:rPr lang="ru-RU" b="0" i="1">
                           <a:latin typeface="Cambria Math"/>
                         </a:rPr>
                         <m:t>=∆</m:t>
@@ -7386,14 +10890,14 @@
                       <m:sSub>
                         <m:sSubPr>
                           <m:ctrlPr>
-                            <a:rPr lang="ru-RU" sz="2000" i="1">
+                            <a:rPr lang="ru-RU" i="1">
                               <a:latin typeface="Cambria Math" panose="02040503050406030204" pitchFamily="18" charset="0"/>
                             </a:rPr>
                           </m:ctrlPr>
                         </m:sSubPr>
                         <m:e>
                           <m:r>
-                            <a:rPr lang="ru-RU" sz="2000" b="0" i="1">
+                            <a:rPr lang="ru-RU" b="0" i="1">
                               <a:latin typeface="Cambria Math"/>
                             </a:rPr>
                             <m:t>𝜆</m:t>
@@ -7401,7 +10905,7 @@
                         </m:e>
                         <m:sub>
                           <m:r>
-                            <a:rPr lang="en-US" sz="2000" b="0" i="1">
+                            <a:rPr lang="en-US" b="0" i="1">
                               <a:latin typeface="Cambria Math"/>
                             </a:rPr>
                             <m:t>𝑔𝑎𝑢𝑠𝑠</m:t>
@@ -7409,7 +10913,7 @@
                         </m:sub>
                       </m:sSub>
                       <m:r>
-                        <a:rPr lang="ru-RU" sz="2000" b="0" i="1">
+                        <a:rPr lang="ru-RU" b="0" i="1">
                           <a:latin typeface="Cambria Math"/>
                         </a:rPr>
                         <m:t>−∆</m:t>
@@ -7417,14 +10921,14 @@
                       <m:sSub>
                         <m:sSubPr>
                           <m:ctrlPr>
-                            <a:rPr lang="ru-RU" sz="2000" i="1">
+                            <a:rPr lang="ru-RU" i="1">
                               <a:latin typeface="Cambria Math" panose="02040503050406030204" pitchFamily="18" charset="0"/>
                             </a:rPr>
                           </m:ctrlPr>
                         </m:sSubPr>
                         <m:e>
                           <m:r>
-                            <a:rPr lang="ru-RU" sz="2000" b="0" i="1">
+                            <a:rPr lang="ru-RU" b="0" i="1">
                               <a:latin typeface="Cambria Math"/>
                             </a:rPr>
                             <m:t>𝜆</m:t>
@@ -7432,7 +10936,7 @@
                         </m:e>
                         <m:sub>
                           <m:r>
-                            <a:rPr lang="ru-RU" sz="2000" b="0" i="1">
+                            <a:rPr lang="ru-RU" b="0" i="1">
                               <a:latin typeface="Cambria Math"/>
                             </a:rPr>
                             <m:t>𝑒𝑥</m:t>
@@ -7442,12 +10946,12 @@
                     </m:oMath>
                   </m:oMathPara>
                 </a14:m>
-                <a:endParaRPr lang="ru-RU" sz="2000" dirty="0"/>
+                <a:endParaRPr lang="ru-RU" dirty="0"/>
               </a:p>
             </p:txBody>
           </p:sp>
         </mc:Choice>
-        <mc:Fallback xmlns="">
+        <mc:Fallback>
           <p:sp>
             <p:nvSpPr>
               <p:cNvPr id="6" name="Прямоугольник 5"/>
@@ -7458,8 +10962,8 @@
             </p:nvSpPr>
             <p:spPr>
               <a:xfrm>
-                <a:off x="838199" y="4185549"/>
-                <a:ext cx="6894095" cy="2062359"/>
+                <a:off x="843955" y="4398789"/>
+                <a:ext cx="6181249" cy="1421799"/>
               </a:xfrm>
               <a:prstGeom prst="rect">
                 <a:avLst/>
@@ -7467,7 +10971,7 @@
               <a:blipFill>
                 <a:blip r:embed="rId2"/>
                 <a:stretch>
-                  <a:fillRect l="-1326" t="-2367"/>
+                  <a:fillRect t="-2128"/>
                 </a:stretch>
               </a:blipFill>
             </p:spPr>
@@ -7508,8 +11012,8 @@
         </p:blipFill>
         <p:spPr>
           <a:xfrm>
-            <a:off x="7141508" y="1635794"/>
-            <a:ext cx="4774580" cy="3580935"/>
+            <a:off x="7679131" y="1027906"/>
+            <a:ext cx="3397730" cy="2548298"/>
           </a:xfrm>
           <a:prstGeom prst="rect">
             <a:avLst/>
@@ -7524,7 +11028,7 @@
         </p:nvSpPr>
         <p:spPr>
           <a:xfrm>
-            <a:off x="7980735" y="5216729"/>
+            <a:off x="7980735" y="3658409"/>
             <a:ext cx="3096126" cy="369332"/>
           </a:xfrm>
           <a:prstGeom prst="rect">
@@ -7555,6 +11059,277 @@
               <a:t> в потоке</a:t>
             </a:r>
             <a:endParaRPr lang="ru-RU" b="1" i="1" dirty="0"/>
+          </a:p>
+        </p:txBody>
+      </p:sp>
+      <p:grpSp>
+        <p:nvGrpSpPr>
+          <p:cNvPr id="9" name="Группа 8"/>
+          <p:cNvGrpSpPr/>
+          <p:nvPr/>
+        </p:nvGrpSpPr>
+        <p:grpSpPr>
+          <a:xfrm>
+            <a:off x="7330247" y="3975384"/>
+            <a:ext cx="4397101" cy="2882616"/>
+            <a:chOff x="7167717" y="1081000"/>
+            <a:chExt cx="4397101" cy="2882616"/>
+          </a:xfrm>
+        </p:grpSpPr>
+        <p:pic>
+          <p:nvPicPr>
+            <p:cNvPr id="11" name="Рисунок 10"/>
+            <p:cNvPicPr preferRelativeResize="0">
+              <a:picLocks noChangeAspect="1"/>
+            </p:cNvPicPr>
+            <p:nvPr/>
+          </p:nvPicPr>
+          <p:blipFill>
+            <a:blip r:embed="rId4"/>
+            <a:stretch>
+              <a:fillRect/>
+            </a:stretch>
+          </p:blipFill>
+          <p:spPr>
+            <a:xfrm>
+              <a:off x="7423353" y="1526842"/>
+              <a:ext cx="3721288" cy="2119755"/>
+            </a:xfrm>
+            <a:prstGeom prst="rect">
+              <a:avLst/>
+            </a:prstGeom>
+          </p:spPr>
+        </p:pic>
+        <p:sp>
+          <p:nvSpPr>
+            <p:cNvPr id="12" name="Прямоугольник 11"/>
+            <p:cNvSpPr/>
+            <p:nvPr/>
+          </p:nvSpPr>
+          <p:spPr>
+            <a:xfrm>
+              <a:off x="7167717" y="1081000"/>
+              <a:ext cx="4397101" cy="307777"/>
+            </a:xfrm>
+            <a:prstGeom prst="rect">
+              <a:avLst/>
+            </a:prstGeom>
+          </p:spPr>
+          <p:txBody>
+            <a:bodyPr wrap="none">
+              <a:spAutoFit/>
+            </a:bodyPr>
+            <a:lstStyle/>
+            <a:p>
+              <a:r>
+                <a:rPr lang="ru-RU" sz="1400" u="sng" dirty="0" smtClean="0">
+                  <a:solidFill>
+                    <a:schemeClr val="tx1">
+                      <a:lumMod val="85000"/>
+                      <a:lumOff val="15000"/>
+                    </a:schemeClr>
+                  </a:solidFill>
+                </a:rPr>
+                <a:t>Концентрация электронов в неподвижном воздухе</a:t>
+              </a:r>
+              <a:endParaRPr lang="ru-RU" sz="1400" u="sng" dirty="0">
+                <a:solidFill>
+                  <a:schemeClr val="tx1">
+                    <a:lumMod val="85000"/>
+                    <a:lumOff val="15000"/>
+                  </a:schemeClr>
+                </a:solidFill>
+              </a:endParaRPr>
+            </a:p>
+          </p:txBody>
+        </p:sp>
+        <p:sp>
+          <p:nvSpPr>
+            <p:cNvPr id="13" name="Прямоугольник 12"/>
+            <p:cNvSpPr/>
+            <p:nvPr/>
+          </p:nvSpPr>
+          <p:spPr>
+            <a:xfrm>
+              <a:off x="7423353" y="3686617"/>
+              <a:ext cx="3929967" cy="276999"/>
+            </a:xfrm>
+            <a:prstGeom prst="rect">
+              <a:avLst/>
+            </a:prstGeom>
+          </p:spPr>
+          <p:txBody>
+            <a:bodyPr wrap="square">
+              <a:spAutoFit/>
+            </a:bodyPr>
+            <a:lstStyle/>
+            <a:p>
+              <a:pPr algn="ctr"/>
+              <a:r>
+                <a:rPr lang="ru-RU" sz="1200" dirty="0" smtClean="0"/>
+                <a:t>расчет: </a:t>
+              </a:r>
+              <a:r>
+                <a:rPr lang="ru-RU" sz="1200" dirty="0" smtClean="0">
+                  <a:solidFill>
+                    <a:srgbClr val="C00000"/>
+                  </a:solidFill>
+                </a:rPr>
+                <a:t>1 – по спектрам</a:t>
+              </a:r>
+              <a:r>
+                <a:rPr lang="ru-RU" sz="1200" dirty="0" smtClean="0"/>
+                <a:t>, 2 – по току разряда.</a:t>
+              </a:r>
+              <a:endParaRPr lang="ru-RU" sz="1200" dirty="0"/>
+            </a:p>
+          </p:txBody>
+        </p:sp>
+      </p:grpSp>
+      <p:sp>
+        <p:nvSpPr>
+          <p:cNvPr id="14" name="TextBox 13"/>
+          <p:cNvSpPr txBox="1"/>
+          <p:nvPr/>
+        </p:nvSpPr>
+        <p:spPr>
+          <a:xfrm>
+            <a:off x="1404196" y="3125817"/>
+            <a:ext cx="5060771" cy="646331"/>
+          </a:xfrm>
+          <a:prstGeom prst="rect">
+            <a:avLst/>
+          </a:prstGeom>
+        </p:spPr>
+        <p:style>
+          <a:lnRef idx="2">
+            <a:schemeClr val="dk1"/>
+          </a:lnRef>
+          <a:fillRef idx="1">
+            <a:schemeClr val="lt1"/>
+          </a:fillRef>
+          <a:effectRef idx="0">
+            <a:schemeClr val="dk1"/>
+          </a:effectRef>
+          <a:fontRef idx="minor">
+            <a:schemeClr val="dk1"/>
+          </a:fontRef>
+        </p:style>
+        <p:txBody>
+          <a:bodyPr wrap="square" rtlCol="0">
+            <a:spAutoFit/>
+          </a:bodyPr>
+          <a:lstStyle/>
+          <a:p>
+            <a:pPr algn="ctr"/>
+            <a:r>
+              <a:rPr lang="ru-RU" dirty="0" smtClean="0"/>
+              <a:t>Линия аппроксимировалась </a:t>
+            </a:r>
+            <a:r>
+              <a:rPr lang="ru-RU" dirty="0" err="1" smtClean="0"/>
+              <a:t>гауссовским</a:t>
+            </a:r>
+            <a:r>
+              <a:rPr lang="ru-RU" dirty="0" smtClean="0"/>
+              <a:t> профилем</a:t>
+            </a:r>
+            <a:endParaRPr lang="ru-RU" dirty="0"/>
+          </a:p>
+        </p:txBody>
+      </p:sp>
+      <p:cxnSp>
+        <p:nvCxnSpPr>
+          <p:cNvPr id="3" name="Прямая со стрелкой 2"/>
+          <p:cNvCxnSpPr>
+            <a:stCxn id="5" idx="2"/>
+            <a:endCxn id="14" idx="0"/>
+          </p:cNvCxnSpPr>
+          <p:nvPr/>
+        </p:nvCxnSpPr>
+        <p:spPr>
+          <a:xfrm>
+            <a:off x="3934581" y="2556037"/>
+            <a:ext cx="1" cy="569780"/>
+          </a:xfrm>
+          <a:prstGeom prst="straightConnector1">
+            <a:avLst/>
+          </a:prstGeom>
+          <a:ln>
+            <a:tailEnd type="triangle"/>
+          </a:ln>
+        </p:spPr>
+        <p:style>
+          <a:lnRef idx="3">
+            <a:schemeClr val="dk1"/>
+          </a:lnRef>
+          <a:fillRef idx="0">
+            <a:schemeClr val="dk1"/>
+          </a:fillRef>
+          <a:effectRef idx="2">
+            <a:schemeClr val="dk1"/>
+          </a:effectRef>
+          <a:fontRef idx="minor">
+            <a:schemeClr val="tx1"/>
+          </a:fontRef>
+        </p:style>
+      </p:cxnSp>
+      <p:cxnSp>
+        <p:nvCxnSpPr>
+          <p:cNvPr id="15" name="Прямая со стрелкой 14"/>
+          <p:cNvCxnSpPr>
+            <a:stCxn id="14" idx="2"/>
+            <a:endCxn id="6" idx="0"/>
+          </p:cNvCxnSpPr>
+          <p:nvPr/>
+        </p:nvCxnSpPr>
+        <p:spPr>
+          <a:xfrm flipH="1">
+            <a:off x="3934580" y="3772148"/>
+            <a:ext cx="2" cy="626641"/>
+          </a:xfrm>
+          <a:prstGeom prst="straightConnector1">
+            <a:avLst/>
+          </a:prstGeom>
+          <a:ln>
+            <a:tailEnd type="triangle"/>
+          </a:ln>
+        </p:spPr>
+        <p:style>
+          <a:lnRef idx="3">
+            <a:schemeClr val="dk1"/>
+          </a:lnRef>
+          <a:fillRef idx="0">
+            <a:schemeClr val="dk1"/>
+          </a:fillRef>
+          <a:effectRef idx="2">
+            <a:schemeClr val="dk1"/>
+          </a:effectRef>
+          <a:fontRef idx="minor">
+            <a:schemeClr val="tx1"/>
+          </a:fontRef>
+        </p:style>
+      </p:cxnSp>
+      <p:sp>
+        <p:nvSpPr>
+          <p:cNvPr id="45" name="Номер слайда 44"/>
+          <p:cNvSpPr>
+            <a:spLocks noGrp="1"/>
+          </p:cNvSpPr>
+          <p:nvPr>
+            <p:ph type="sldNum" sz="quarter" idx="12"/>
+          </p:nvPr>
+        </p:nvSpPr>
+        <p:spPr/>
+        <p:txBody>
+          <a:bodyPr/>
+          <a:lstStyle/>
+          <a:p>
+            <a:fld id="{9FAB18EA-D421-4479-A48C-D4262B204458}" type="slidenum">
+              <a:rPr lang="ru-RU" smtClean="0"/>
+              <a:t>9</a:t>
+            </a:fld>
+            <a:endParaRPr lang="ru-RU"/>
           </a:p>
         </p:txBody>
       </p:sp>
@@ -7837,4 +11612,265 @@
     </a:ext>
   </a:extLst>
 </a:theme>
+</file>
+
+<file path=ppt/theme/theme2.xml><?xml version="1.0" encoding="utf-8"?>
+<a:theme xmlns:a="http://schemas.openxmlformats.org/drawingml/2006/main" name="Тема Office">
+  <a:themeElements>
+    <a:clrScheme name="Стандартная">
+      <a:dk1>
+        <a:sysClr val="windowText" lastClr="000000"/>
+      </a:dk1>
+      <a:lt1>
+        <a:sysClr val="window" lastClr="FFFFFF"/>
+      </a:lt1>
+      <a:dk2>
+        <a:srgbClr val="44546A"/>
+      </a:dk2>
+      <a:lt2>
+        <a:srgbClr val="E7E6E6"/>
+      </a:lt2>
+      <a:accent1>
+        <a:srgbClr val="5B9BD5"/>
+      </a:accent1>
+      <a:accent2>
+        <a:srgbClr val="ED7D31"/>
+      </a:accent2>
+      <a:accent3>
+        <a:srgbClr val="A5A5A5"/>
+      </a:accent3>
+      <a:accent4>
+        <a:srgbClr val="FFC000"/>
+      </a:accent4>
+      <a:accent5>
+        <a:srgbClr val="4472C4"/>
+      </a:accent5>
+      <a:accent6>
+        <a:srgbClr val="70AD47"/>
+      </a:accent6>
+      <a:hlink>
+        <a:srgbClr val="0563C1"/>
+      </a:hlink>
+      <a:folHlink>
+        <a:srgbClr val="954F72"/>
+      </a:folHlink>
+    </a:clrScheme>
+    <a:fontScheme name="Стандартная">
+      <a:majorFont>
+        <a:latin typeface="Calibri Light" panose="020F0302020204030204"/>
+        <a:ea typeface=""/>
+        <a:cs typeface=""/>
+        <a:font script="Jpan" typeface="游ゴシック Light"/>
+        <a:font script="Hang" typeface="맑은 고딕"/>
+        <a:font script="Hans" typeface="等线 Light"/>
+        <a:font script="Hant" typeface="新細明體"/>
+        <a:font script="Arab" typeface="Times New Roman"/>
+        <a:font script="Hebr" typeface="Times New Roman"/>
+        <a:font script="Thai" typeface="Angsana New"/>
+        <a:font script="Ethi" typeface="Nyala"/>
+        <a:font script="Beng" typeface="Vrinda"/>
+        <a:font script="Gujr" typeface="Shruti"/>
+        <a:font script="Khmr" typeface="MoolBoran"/>
+        <a:font script="Knda" typeface="Tunga"/>
+        <a:font script="Guru" typeface="Raavi"/>
+        <a:font script="Cans" typeface="Euphemia"/>
+        <a:font script="Cher" typeface="Plantagenet Cherokee"/>
+        <a:font script="Yiii" typeface="Microsoft Yi Baiti"/>
+        <a:font script="Tibt" typeface="Microsoft Himalaya"/>
+        <a:font script="Thaa" typeface="MV Boli"/>
+        <a:font script="Deva" typeface="Mangal"/>
+        <a:font script="Telu" typeface="Gautami"/>
+        <a:font script="Taml" typeface="Latha"/>
+        <a:font script="Syrc" typeface="Estrangelo Edessa"/>
+        <a:font script="Orya" typeface="Kalinga"/>
+        <a:font script="Mlym" typeface="Kartika"/>
+        <a:font script="Laoo" typeface="DokChampa"/>
+        <a:font script="Sinh" typeface="Iskoola Pota"/>
+        <a:font script="Mong" typeface="Mongolian Baiti"/>
+        <a:font script="Viet" typeface="Times New Roman"/>
+        <a:font script="Uigh" typeface="Microsoft Uighur"/>
+        <a:font script="Geor" typeface="Sylfaen"/>
+      </a:majorFont>
+      <a:minorFont>
+        <a:latin typeface="Calibri" panose="020F0502020204030204"/>
+        <a:ea typeface=""/>
+        <a:cs typeface=""/>
+        <a:font script="Jpan" typeface="游ゴシック"/>
+        <a:font script="Hang" typeface="맑은 고딕"/>
+        <a:font script="Hans" typeface="等线"/>
+        <a:font script="Hant" typeface="新細明體"/>
+        <a:font script="Arab" typeface="Arial"/>
+        <a:font script="Hebr" typeface="Arial"/>
+        <a:font script="Thai" typeface="Cordia New"/>
+        <a:font script="Ethi" typeface="Nyala"/>
+        <a:font script="Beng" typeface="Vrinda"/>
+        <a:font script="Gujr" typeface="Shruti"/>
+        <a:font script="Khmr" typeface="DaunPenh"/>
+        <a:font script="Knda" typeface="Tunga"/>
+        <a:font script="Guru" typeface="Raavi"/>
+        <a:font script="Cans" typeface="Euphemia"/>
+        <a:font script="Cher" typeface="Plantagenet Cherokee"/>
+        <a:font script="Yiii" typeface="Microsoft Yi Baiti"/>
+        <a:font script="Tibt" typeface="Microsoft Himalaya"/>
+        <a:font script="Thaa" typeface="MV Boli"/>
+        <a:font script="Deva" typeface="Mangal"/>
+        <a:font script="Telu" typeface="Gautami"/>
+        <a:font script="Taml" typeface="Latha"/>
+        <a:font script="Syrc" typeface="Estrangelo Edessa"/>
+        <a:font script="Orya" typeface="Kalinga"/>
+        <a:font script="Mlym" typeface="Kartika"/>
+        <a:font script="Laoo" typeface="DokChampa"/>
+        <a:font script="Sinh" typeface="Iskoola Pota"/>
+        <a:font script="Mong" typeface="Mongolian Baiti"/>
+        <a:font script="Viet" typeface="Arial"/>
+        <a:font script="Uigh" typeface="Microsoft Uighur"/>
+        <a:font script="Geor" typeface="Sylfaen"/>
+      </a:minorFont>
+    </a:fontScheme>
+    <a:fmtScheme name="Стандартная">
+      <a:fillStyleLst>
+        <a:solidFill>
+          <a:schemeClr val="phClr"/>
+        </a:solidFill>
+        <a:gradFill rotWithShape="1">
+          <a:gsLst>
+            <a:gs pos="0">
+              <a:schemeClr val="phClr">
+                <a:lumMod val="110000"/>
+                <a:satMod val="105000"/>
+                <a:tint val="67000"/>
+              </a:schemeClr>
+            </a:gs>
+            <a:gs pos="50000">
+              <a:schemeClr val="phClr">
+                <a:lumMod val="105000"/>
+                <a:satMod val="103000"/>
+                <a:tint val="73000"/>
+              </a:schemeClr>
+            </a:gs>
+            <a:gs pos="100000">
+              <a:schemeClr val="phClr">
+                <a:lumMod val="105000"/>
+                <a:satMod val="109000"/>
+                <a:tint val="81000"/>
+              </a:schemeClr>
+            </a:gs>
+          </a:gsLst>
+          <a:lin ang="5400000" scaled="0"/>
+        </a:gradFill>
+        <a:gradFill rotWithShape="1">
+          <a:gsLst>
+            <a:gs pos="0">
+              <a:schemeClr val="phClr">
+                <a:satMod val="103000"/>
+                <a:lumMod val="102000"/>
+                <a:tint val="94000"/>
+              </a:schemeClr>
+            </a:gs>
+            <a:gs pos="50000">
+              <a:schemeClr val="phClr">
+                <a:satMod val="110000"/>
+                <a:lumMod val="100000"/>
+                <a:shade val="100000"/>
+              </a:schemeClr>
+            </a:gs>
+            <a:gs pos="100000">
+              <a:schemeClr val="phClr">
+                <a:lumMod val="99000"/>
+                <a:satMod val="120000"/>
+                <a:shade val="78000"/>
+              </a:schemeClr>
+            </a:gs>
+          </a:gsLst>
+          <a:lin ang="5400000" scaled="0"/>
+        </a:gradFill>
+      </a:fillStyleLst>
+      <a:lnStyleLst>
+        <a:ln w="6350" cap="flat" cmpd="sng" algn="ctr">
+          <a:solidFill>
+            <a:schemeClr val="phClr"/>
+          </a:solidFill>
+          <a:prstDash val="solid"/>
+          <a:miter lim="800000"/>
+        </a:ln>
+        <a:ln w="12700" cap="flat" cmpd="sng" algn="ctr">
+          <a:solidFill>
+            <a:schemeClr val="phClr"/>
+          </a:solidFill>
+          <a:prstDash val="solid"/>
+          <a:miter lim="800000"/>
+        </a:ln>
+        <a:ln w="19050" cap="flat" cmpd="sng" algn="ctr">
+          <a:solidFill>
+            <a:schemeClr val="phClr"/>
+          </a:solidFill>
+          <a:prstDash val="solid"/>
+          <a:miter lim="800000"/>
+        </a:ln>
+      </a:lnStyleLst>
+      <a:effectStyleLst>
+        <a:effectStyle>
+          <a:effectLst/>
+        </a:effectStyle>
+        <a:effectStyle>
+          <a:effectLst/>
+        </a:effectStyle>
+        <a:effectStyle>
+          <a:effectLst>
+            <a:outerShdw blurRad="57150" dist="19050" dir="5400000" algn="ctr" rotWithShape="0">
+              <a:srgbClr val="000000">
+                <a:alpha val="63000"/>
+              </a:srgbClr>
+            </a:outerShdw>
+          </a:effectLst>
+        </a:effectStyle>
+      </a:effectStyleLst>
+      <a:bgFillStyleLst>
+        <a:solidFill>
+          <a:schemeClr val="phClr"/>
+        </a:solidFill>
+        <a:solidFill>
+          <a:schemeClr val="phClr">
+            <a:tint val="95000"/>
+            <a:satMod val="170000"/>
+          </a:schemeClr>
+        </a:solidFill>
+        <a:gradFill rotWithShape="1">
+          <a:gsLst>
+            <a:gs pos="0">
+              <a:schemeClr val="phClr">
+                <a:tint val="93000"/>
+                <a:satMod val="150000"/>
+                <a:shade val="98000"/>
+                <a:lumMod val="102000"/>
+              </a:schemeClr>
+            </a:gs>
+            <a:gs pos="50000">
+              <a:schemeClr val="phClr">
+                <a:tint val="98000"/>
+                <a:satMod val="130000"/>
+                <a:shade val="90000"/>
+                <a:lumMod val="103000"/>
+              </a:schemeClr>
+            </a:gs>
+            <a:gs pos="100000">
+              <a:schemeClr val="phClr">
+                <a:shade val="63000"/>
+                <a:satMod val="120000"/>
+              </a:schemeClr>
+            </a:gs>
+          </a:gsLst>
+          <a:lin ang="5400000" scaled="0"/>
+        </a:gradFill>
+      </a:bgFillStyleLst>
+    </a:fmtScheme>
+  </a:themeElements>
+  <a:objectDefaults/>
+  <a:extraClrSchemeLst/>
+  <a:extLst>
+    <a:ext uri="{05A4C25C-085E-4340-85A3-A5531E510DB2}">
+      <thm15:themeFamily xmlns:thm15="http://schemas.microsoft.com/office/thememl/2012/main" name="Office Theme" id="{62F939B6-93AF-4DB8-9C6B-D6C7DFDC589F}" vid="{4A3C46E8-61CC-4603-A589-7422A47A8E4A}"/>
+    </a:ext>
+  </a:extLst>
+</a:theme>
 </file>
--- a/конференция/звенигород 21/звенигород21.pptx
+++ b/конференция/звенигород 21/звенигород21.pptx
@@ -208,7 +208,7 @@
           <a:p>
             <a:fld id="{F7D55C1D-A154-4711-9524-B1FA3FCBE86D}" type="datetimeFigureOut">
               <a:rPr lang="ru-RU" smtClean="0"/>
-              <a:t>11.03.2021</a:t>
+              <a:t>06.04.2021</a:t>
             </a:fld>
             <a:endParaRPr lang="ru-RU"/>
           </a:p>
@@ -607,7 +607,7 @@
           <a:p>
             <a:fld id="{4BCDFBBF-EC8C-4C87-8117-70FE4D6E7A1B}" type="datetime1">
               <a:rPr lang="ru-RU" smtClean="0"/>
-              <a:t>11.03.2021</a:t>
+              <a:t>06.04.2021</a:t>
             </a:fld>
             <a:endParaRPr lang="ru-RU"/>
           </a:p>
@@ -777,7 +777,7 @@
           <a:p>
             <a:fld id="{37A44E4C-D519-4C53-B50C-5505EB2683C8}" type="datetime1">
               <a:rPr lang="ru-RU" smtClean="0"/>
-              <a:t>11.03.2021</a:t>
+              <a:t>06.04.2021</a:t>
             </a:fld>
             <a:endParaRPr lang="ru-RU"/>
           </a:p>
@@ -957,7 +957,7 @@
           <a:p>
             <a:fld id="{B279B224-0C90-4764-BECE-2371B5D94BD4}" type="datetime1">
               <a:rPr lang="ru-RU" smtClean="0"/>
-              <a:t>11.03.2021</a:t>
+              <a:t>06.04.2021</a:t>
             </a:fld>
             <a:endParaRPr lang="ru-RU"/>
           </a:p>
@@ -1127,7 +1127,7 @@
           <a:p>
             <a:fld id="{5582A512-79AF-4C1F-BF9D-462BC1FCCFA0}" type="datetime1">
               <a:rPr lang="ru-RU" smtClean="0"/>
-              <a:t>11.03.2021</a:t>
+              <a:t>06.04.2021</a:t>
             </a:fld>
             <a:endParaRPr lang="ru-RU"/>
           </a:p>
@@ -1373,7 +1373,7 @@
           <a:p>
             <a:fld id="{D7AE4C7E-E627-4DA4-B6B8-850AEF4F7BC2}" type="datetime1">
               <a:rPr lang="ru-RU" smtClean="0"/>
-              <a:t>11.03.2021</a:t>
+              <a:t>06.04.2021</a:t>
             </a:fld>
             <a:endParaRPr lang="ru-RU"/>
           </a:p>
@@ -1605,7 +1605,7 @@
           <a:p>
             <a:fld id="{73B56BA5-4F41-41AF-8BD8-E2CD42C6862F}" type="datetime1">
               <a:rPr lang="ru-RU" smtClean="0"/>
-              <a:t>11.03.2021</a:t>
+              <a:t>06.04.2021</a:t>
             </a:fld>
             <a:endParaRPr lang="ru-RU"/>
           </a:p>
@@ -1972,7 +1972,7 @@
           <a:p>
             <a:fld id="{0DF487A4-7DE3-4860-85C9-49FDD669A906}" type="datetime1">
               <a:rPr lang="ru-RU" smtClean="0"/>
-              <a:t>11.03.2021</a:t>
+              <a:t>06.04.2021</a:t>
             </a:fld>
             <a:endParaRPr lang="ru-RU"/>
           </a:p>
@@ -2090,7 +2090,7 @@
           <a:p>
             <a:fld id="{C1A88C33-8A17-400A-8B56-D24460C5C0DC}" type="datetime1">
               <a:rPr lang="ru-RU" smtClean="0"/>
-              <a:t>11.03.2021</a:t>
+              <a:t>06.04.2021</a:t>
             </a:fld>
             <a:endParaRPr lang="ru-RU"/>
           </a:p>
@@ -2185,7 +2185,7 @@
           <a:p>
             <a:fld id="{0F835C61-00AA-4FB4-B27D-4EF80EAEFA5D}" type="datetime1">
               <a:rPr lang="ru-RU" smtClean="0"/>
-              <a:t>11.03.2021</a:t>
+              <a:t>06.04.2021</a:t>
             </a:fld>
             <a:endParaRPr lang="ru-RU"/>
           </a:p>
@@ -2462,7 +2462,7 @@
           <a:p>
             <a:fld id="{A7AA2D40-F6CA-4D8C-8966-EBED997BC50D}" type="datetime1">
               <a:rPr lang="ru-RU" smtClean="0"/>
-              <a:t>11.03.2021</a:t>
+              <a:t>06.04.2021</a:t>
             </a:fld>
             <a:endParaRPr lang="ru-RU"/>
           </a:p>
@@ -2715,7 +2715,7 @@
           <a:p>
             <a:fld id="{6826C45A-2710-42A3-8015-E825D0DB8249}" type="datetime1">
               <a:rPr lang="ru-RU" smtClean="0"/>
-              <a:t>11.03.2021</a:t>
+              <a:t>06.04.2021</a:t>
             </a:fld>
             <a:endParaRPr lang="ru-RU"/>
           </a:p>
@@ -2928,7 +2928,7 @@
           <a:p>
             <a:fld id="{73EDAB0A-51D9-4FE7-8B34-B080672EA6C6}" type="datetime1">
               <a:rPr lang="ru-RU" smtClean="0"/>
-              <a:t>11.03.2021</a:t>
+              <a:t>06.04.2021</a:t>
             </a:fld>
             <a:endParaRPr lang="ru-RU"/>
           </a:p>
@@ -3358,47 +3358,9 @@
           <a:p>
             <a:r>
               <a:rPr lang="ru-RU" sz="2800" b="1" cap="all" dirty="0"/>
-              <a:t>Параметры плазмы наносекундного поверхностного скользящего разряда в сверхзвуковом потоке воздуха</a:t>
-            </a:r>
-          </a:p>
-        </p:txBody>
-      </p:sp>
-      <p:sp>
-        <p:nvSpPr>
-          <p:cNvPr id="5" name="Подзаголовок 2"/>
-          <p:cNvSpPr>
-            <a:spLocks noGrp="1"/>
-          </p:cNvSpPr>
-          <p:nvPr>
-            <p:ph type="subTitle" idx="1"/>
-          </p:nvPr>
-        </p:nvSpPr>
-        <p:spPr>
-          <a:xfrm>
-            <a:off x="4572000" y="5981992"/>
-            <a:ext cx="7620000" cy="499018"/>
-          </a:xfrm>
-        </p:spPr>
-        <p:txBody>
-          <a:bodyPr/>
-          <a:lstStyle/>
-          <a:p>
-            <a:r>
-              <a:rPr lang="ru-RU" dirty="0" err="1"/>
-              <a:t>Мурсенкова</a:t>
-            </a:r>
-            <a:r>
-              <a:rPr lang="ru-RU" dirty="0"/>
-              <a:t> И.В., Уланов П.Ю., Кузнецов А.Ю., </a:t>
-            </a:r>
-            <a:r>
-              <a:rPr lang="ru-RU" dirty="0" err="1"/>
-              <a:t>Ляо</a:t>
-            </a:r>
-            <a:r>
-              <a:rPr lang="ru-RU" dirty="0"/>
-              <a:t> Ю.</a:t>
-            </a:r>
+              <a:t>Спектральная диагностика наносекундных разрядов в сверхзвуковых потоках воздуха</a:t>
+            </a:r>
+            <a:endParaRPr lang="ru-RU" sz="2800" b="1" cap="all" dirty="0"/>
           </a:p>
         </p:txBody>
       </p:sp>
@@ -8226,13 +8188,7 @@
               <a:rPr lang="ru-RU" altLang="ru-RU" sz="1600" dirty="0" smtClean="0">
                 <a:latin typeface="Arial" panose="020B0604020202020204" pitchFamily="34" charset="0"/>
               </a:rPr>
-              <a:t>напряжение </a:t>
-            </a:r>
-            <a:r>
-              <a:rPr lang="ru-RU" altLang="ru-RU" sz="1600" dirty="0" smtClean="0">
-                <a:latin typeface="Arial" panose="020B0604020202020204" pitchFamily="34" charset="0"/>
-              </a:rPr>
-              <a:t>25 </a:t>
+              <a:t>напряжение 25 </a:t>
             </a:r>
             <a:r>
               <a:rPr lang="ru-RU" altLang="ru-RU" sz="1600" dirty="0" err="1">
@@ -10612,8 +10568,8 @@
           </a:p>
         </p:txBody>
       </p:sp>
-      <mc:AlternateContent xmlns:mc="http://schemas.openxmlformats.org/markup-compatibility/2006">
-        <mc:Choice xmlns:a14="http://schemas.microsoft.com/office/drawing/2010/main" Requires="a14">
+      <mc:AlternateContent xmlns:mc="http://schemas.openxmlformats.org/markup-compatibility/2006" xmlns:a14="http://schemas.microsoft.com/office/drawing/2010/main">
+        <mc:Choice Requires="a14">
           <p:sp>
             <p:nvSpPr>
               <p:cNvPr id="6" name="Прямоугольник 5"/>
@@ -10951,7 +10907,7 @@
             </p:txBody>
           </p:sp>
         </mc:Choice>
-        <mc:Fallback>
+        <mc:Fallback xmlns="">
           <p:sp>
             <p:nvSpPr>
               <p:cNvPr id="6" name="Прямоугольник 5"/>
